--- a/Template con trancisiones.pptx
+++ b/Template con trancisiones.pptx
@@ -12,11 +12,14 @@
     <p:sldId id="269" r:id="rId6"/>
     <p:sldId id="276" r:id="rId7"/>
     <p:sldId id="270" r:id="rId8"/>
-    <p:sldId id="271" r:id="rId9"/>
-    <p:sldId id="278" r:id="rId10"/>
-    <p:sldId id="277" r:id="rId11"/>
-    <p:sldId id="272" r:id="rId12"/>
-    <p:sldId id="273" r:id="rId13"/>
+    <p:sldId id="278" r:id="rId9"/>
+    <p:sldId id="281" r:id="rId10"/>
+    <p:sldId id="271" r:id="rId11"/>
+    <p:sldId id="277" r:id="rId12"/>
+    <p:sldId id="279" r:id="rId13"/>
+    <p:sldId id="280" r:id="rId14"/>
+    <p:sldId id="272" r:id="rId15"/>
+    <p:sldId id="273" r:id="rId16"/>
   </p:sldIdLst>
   <p:sldSz cx="12192000" cy="6858000"/>
   <p:notesSz cx="6858000" cy="9144000"/>
@@ -3694,8 +3697,8 @@
           </p:nvSpPr>
           <p:spPr>
             <a:xfrm rot="16200000">
-              <a:off x="9117129" y="3281943"/>
-              <a:ext cx="1992086" cy="461665"/>
+              <a:off x="9117129" y="3189610"/>
+              <a:ext cx="1992086" cy="646331"/>
             </a:xfrm>
             <a:prstGeom prst="rect">
               <a:avLst/>
@@ -3710,20 +3713,14 @@
             <a:p>
               <a:pPr algn="ctr"/>
               <a:r>
-                <a:rPr lang="en-US" sz="2400" b="1" dirty="0">
+                <a:rPr lang="en-US" sz="3600" b="1" dirty="0">
                   <a:solidFill>
                     <a:srgbClr val="F0EEF0"/>
                   </a:solidFill>
                   <a:latin typeface="Tw Cen MT" panose="020B0602020104020603" pitchFamily="34" charset="0"/>
                 </a:rPr>
-                <a:t>Planificación</a:t>
+                <a:t>Plan</a:t>
               </a:r>
-              <a:endParaRPr lang="en-US" sz="3600" b="1" dirty="0">
-                <a:solidFill>
-                  <a:srgbClr val="F0EEF0"/>
-                </a:solidFill>
-                <a:latin typeface="Tw Cen MT" panose="020B0602020104020603" pitchFamily="34" charset="0"/>
-              </a:endParaRPr>
             </a:p>
           </p:txBody>
         </p:sp>
@@ -3982,7 +3979,7 @@
             <a:p>
               <a:pPr algn="ctr"/>
               <a:r>
-                <a:rPr lang="en-US" sz="3600" b="1" dirty="0">
+                <a:rPr lang="en-US" sz="3600" b="1">
                   <a:solidFill>
                     <a:srgbClr val="F0EEF0"/>
                   </a:solidFill>
@@ -3990,6 +3987,12 @@
                 </a:rPr>
                 <a:t>Servicios</a:t>
               </a:r>
+              <a:endParaRPr lang="en-US" sz="3600" b="1" dirty="0">
+                <a:solidFill>
+                  <a:srgbClr val="F0EEF0"/>
+                </a:solidFill>
+                <a:latin typeface="Tw Cen MT" panose="020B0602020104020603" pitchFamily="34" charset="0"/>
+              </a:endParaRPr>
             </a:p>
           </p:txBody>
         </p:sp>
@@ -4579,7 +4582,7 @@
                   </a:solidFill>
                   <a:latin typeface="Tw Cen MT" panose="020B0602020104020603" pitchFamily="34" charset="0"/>
                 </a:rPr>
-                <a:t>IOS</a:t>
+                <a:t>iOS</a:t>
               </a:r>
             </a:p>
           </p:txBody>
@@ -5929,8 +5932,8 @@
           </p:nvSpPr>
           <p:spPr>
             <a:xfrm rot="16200000">
-              <a:off x="9117129" y="3281943"/>
-              <a:ext cx="1992086" cy="461665"/>
+              <a:off x="9117129" y="3189611"/>
+              <a:ext cx="1992086" cy="646331"/>
             </a:xfrm>
             <a:prstGeom prst="rect">
               <a:avLst/>
@@ -5945,20 +5948,14 @@
             <a:p>
               <a:pPr algn="ctr"/>
               <a:r>
-                <a:rPr lang="en-US" sz="2400" b="1" dirty="0">
+                <a:rPr lang="en-US" sz="3600" b="1" dirty="0">
                   <a:solidFill>
                     <a:srgbClr val="F0EEF0"/>
                   </a:solidFill>
                   <a:latin typeface="Tw Cen MT" panose="020B0602020104020603" pitchFamily="34" charset="0"/>
                 </a:rPr>
-                <a:t>Planificación</a:t>
+                <a:t>Plan</a:t>
               </a:r>
-              <a:endParaRPr lang="en-US" sz="3600" b="1" dirty="0">
-                <a:solidFill>
-                  <a:srgbClr val="F0EEF0"/>
-                </a:solidFill>
-                <a:latin typeface="Tw Cen MT" panose="020B0602020104020603" pitchFamily="34" charset="0"/>
-              </a:endParaRPr>
             </a:p>
           </p:txBody>
         </p:sp>
@@ -6278,7 +6275,7 @@
             <a:p>
               <a:pPr algn="ctr"/>
               <a:r>
-                <a:rPr lang="en-US" sz="3600" b="1" dirty="0">
+                <a:rPr lang="en-US" sz="3600" b="1">
                   <a:solidFill>
                     <a:srgbClr val="F0EEF0"/>
                   </a:solidFill>
@@ -6286,6 +6283,12 @@
                 </a:rPr>
                 <a:t>Servicios</a:t>
               </a:r>
+              <a:endParaRPr lang="en-US" sz="3600" b="1" dirty="0">
+                <a:solidFill>
+                  <a:srgbClr val="F0EEF0"/>
+                </a:solidFill>
+                <a:latin typeface="Tw Cen MT" panose="020B0602020104020603" pitchFamily="34" charset="0"/>
+              </a:endParaRPr>
             </a:p>
           </p:txBody>
         </p:sp>
@@ -6814,7 +6817,7 @@
                   </a:solidFill>
                   <a:latin typeface="Tw Cen MT" panose="020B0602020104020603" pitchFamily="34" charset="0"/>
                 </a:rPr>
-                <a:t>IOS</a:t>
+                <a:t>iOS</a:t>
               </a:r>
             </a:p>
           </p:txBody>
@@ -6855,10 +6858,243 @@
           </p:spPr>
         </p:pic>
       </p:grpSp>
+      <p:sp>
+        <p:nvSpPr>
+          <p:cNvPr id="36" name="Título 31">
+            <a:extLst>
+              <a:ext uri="{FF2B5EF4-FFF2-40B4-BE49-F238E27FC236}">
+                <a16:creationId xmlns:a16="http://schemas.microsoft.com/office/drawing/2014/main" id="{8FB015E6-4000-43E4-ACF6-7A55BCD775F5}"/>
+              </a:ext>
+            </a:extLst>
+          </p:cNvPr>
+          <p:cNvSpPr txBox="1">
+            <a:spLocks/>
+          </p:cNvSpPr>
+          <p:nvPr/>
+        </p:nvSpPr>
+        <p:spPr>
+          <a:xfrm>
+            <a:off x="2655544" y="252603"/>
+            <a:ext cx="6642100" cy="1325563"/>
+          </a:xfrm>
+          <a:prstGeom prst="rect">
+            <a:avLst/>
+          </a:prstGeom>
+        </p:spPr>
+        <p:txBody>
+          <a:bodyPr>
+            <a:noAutofit/>
+          </a:bodyPr>
+          <a:lstStyle>
+            <a:lvl1pPr algn="l" defTabSz="914400" rtl="0" eaLnBrk="1" latinLnBrk="0" hangingPunct="1">
+              <a:lnSpc>
+                <a:spcPct val="90000"/>
+              </a:lnSpc>
+              <a:spcBef>
+                <a:spcPct val="0"/>
+              </a:spcBef>
+              <a:buNone/>
+              <a:defRPr sz="4400" kern="1200">
+                <a:solidFill>
+                  <a:schemeClr val="tx1"/>
+                </a:solidFill>
+                <a:latin typeface="+mj-lt"/>
+                <a:ea typeface="+mj-ea"/>
+                <a:cs typeface="+mj-cs"/>
+              </a:defRPr>
+            </a:lvl1pPr>
+          </a:lstStyle>
+          <a:p>
+            <a:r>
+              <a:rPr lang="es-MX" sz="6600">
+                <a:solidFill>
+                  <a:srgbClr val="FF0000"/>
+                </a:solidFill>
+                <a:latin typeface="Tw Cen MT" panose="020B0602020104020603" pitchFamily="34" charset="0"/>
+              </a:rPr>
+              <a:t>Servicios </a:t>
+            </a:r>
+            <a:r>
+              <a:rPr lang="es-MX" sz="6600" dirty="0">
+                <a:solidFill>
+                  <a:srgbClr val="FF0000"/>
+                </a:solidFill>
+                <a:latin typeface="Tw Cen MT" panose="020B0602020104020603" pitchFamily="34" charset="0"/>
+              </a:rPr>
+              <a:t>expuestos</a:t>
+            </a:r>
+          </a:p>
+        </p:txBody>
+      </p:sp>
+      <p:pic>
+        <p:nvPicPr>
+          <p:cNvPr id="37" name="Imagen 36" descr="Imagen que contiene objeto, botiquín de primeros auxilios, reloj&#10;&#10;Descripción generada automáticamente">
+            <a:extLst>
+              <a:ext uri="{FF2B5EF4-FFF2-40B4-BE49-F238E27FC236}">
+                <a16:creationId xmlns:a16="http://schemas.microsoft.com/office/drawing/2014/main" id="{ADF740DE-ACD8-4770-AEFE-844A82BA5168}"/>
+              </a:ext>
+            </a:extLst>
+          </p:cNvPr>
+          <p:cNvPicPr>
+            <a:picLocks noChangeAspect="1"/>
+          </p:cNvPicPr>
+          <p:nvPr/>
+        </p:nvPicPr>
+        <p:blipFill>
+          <a:blip r:embed="rId8">
+            <a:extLst>
+              <a:ext uri="{28A0092B-C50C-407E-A947-70E740481C1C}">
+                <a14:useLocalDpi xmlns:a14="http://schemas.microsoft.com/office/drawing/2010/main" val="0"/>
+              </a:ext>
+            </a:extLst>
+          </a:blip>
+          <a:stretch>
+            <a:fillRect/>
+          </a:stretch>
+        </p:blipFill>
+        <p:spPr>
+          <a:xfrm>
+            <a:off x="1446765" y="2281640"/>
+            <a:ext cx="2992862" cy="2992862"/>
+          </a:xfrm>
+          <a:prstGeom prst="rect">
+            <a:avLst/>
+          </a:prstGeom>
+        </p:spPr>
+      </p:pic>
+      <p:sp>
+        <p:nvSpPr>
+          <p:cNvPr id="38" name="CuadroTexto 37">
+            <a:extLst>
+              <a:ext uri="{FF2B5EF4-FFF2-40B4-BE49-F238E27FC236}">
+                <a16:creationId xmlns:a16="http://schemas.microsoft.com/office/drawing/2014/main" id="{F22FF660-16B5-45BD-A1B2-7DD50595677B}"/>
+              </a:ext>
+            </a:extLst>
+          </p:cNvPr>
+          <p:cNvSpPr txBox="1"/>
+          <p:nvPr/>
+        </p:nvSpPr>
+        <p:spPr>
+          <a:xfrm>
+            <a:off x="4587398" y="1577468"/>
+            <a:ext cx="5156200" cy="4401205"/>
+          </a:xfrm>
+          <a:prstGeom prst="rect">
+            <a:avLst/>
+          </a:prstGeom>
+          <a:noFill/>
+        </p:spPr>
+        <p:txBody>
+          <a:bodyPr wrap="square" rtlCol="0">
+            <a:spAutoFit/>
+          </a:bodyPr>
+          <a:lstStyle/>
+          <a:p>
+            <a:pPr marL="342900" indent="-342900">
+              <a:buFont typeface="+mj-lt"/>
+              <a:buAutoNum type="arabicPeriod"/>
+            </a:pPr>
+            <a:r>
+              <a:rPr lang="es-MX" sz="2800" dirty="0"/>
+              <a:t>Registrar Empleado</a:t>
+            </a:r>
+          </a:p>
+          <a:p>
+            <a:pPr marL="342900" indent="-342900">
+              <a:buFont typeface="+mj-lt"/>
+              <a:buAutoNum type="arabicPeriod"/>
+            </a:pPr>
+            <a:r>
+              <a:rPr lang="es-MX" sz="2800" dirty="0"/>
+              <a:t>Inicio de sesión</a:t>
+            </a:r>
+          </a:p>
+          <a:p>
+            <a:pPr marL="342900" indent="-342900">
+              <a:buFont typeface="+mj-lt"/>
+              <a:buAutoNum type="arabicPeriod"/>
+            </a:pPr>
+            <a:r>
+              <a:rPr lang="es-MX" sz="2800" dirty="0"/>
+              <a:t>Consultar datos de Empleado</a:t>
+            </a:r>
+          </a:p>
+          <a:p>
+            <a:pPr marL="342900" indent="-342900">
+              <a:buFont typeface="+mj-lt"/>
+              <a:buAutoNum type="arabicPeriod"/>
+            </a:pPr>
+            <a:r>
+              <a:rPr lang="es-MX" sz="2800" dirty="0"/>
+              <a:t>Registrar Asistencia</a:t>
+            </a:r>
+          </a:p>
+          <a:p>
+            <a:pPr marL="342900" indent="-342900">
+              <a:buFont typeface="+mj-lt"/>
+              <a:buAutoNum type="arabicPeriod"/>
+            </a:pPr>
+            <a:r>
+              <a:rPr lang="es-MX" sz="2800" dirty="0"/>
+              <a:t>Validar Asistencia</a:t>
+            </a:r>
+          </a:p>
+          <a:p>
+            <a:pPr marL="342900" indent="-342900">
+              <a:buFont typeface="+mj-lt"/>
+              <a:buAutoNum type="arabicPeriod"/>
+            </a:pPr>
+            <a:r>
+              <a:rPr lang="es-MX" sz="2800" dirty="0"/>
+              <a:t>Registrar Reporte</a:t>
+            </a:r>
+          </a:p>
+          <a:p>
+            <a:pPr marL="342900" indent="-342900">
+              <a:buFont typeface="+mj-lt"/>
+              <a:buAutoNum type="arabicPeriod"/>
+            </a:pPr>
+            <a:r>
+              <a:rPr lang="es-MX" sz="2800" dirty="0"/>
+              <a:t>Consultar Reportes</a:t>
+            </a:r>
+          </a:p>
+          <a:p>
+            <a:pPr marL="342900" indent="-342900">
+              <a:buFont typeface="+mj-lt"/>
+              <a:buAutoNum type="arabicPeriod"/>
+            </a:pPr>
+            <a:r>
+              <a:rPr lang="es-MX" sz="2800" dirty="0"/>
+              <a:t>Consultar Avisos</a:t>
+            </a:r>
+          </a:p>
+          <a:p>
+            <a:pPr marL="342900" indent="-342900">
+              <a:buFont typeface="+mj-lt"/>
+              <a:buAutoNum type="arabicPeriod"/>
+            </a:pPr>
+            <a:r>
+              <a:rPr lang="es-MX" sz="2800" dirty="0"/>
+              <a:t>Borrar Aviso</a:t>
+            </a:r>
+          </a:p>
+          <a:p>
+            <a:pPr marL="342900" indent="-342900">
+              <a:buFont typeface="+mj-lt"/>
+              <a:buAutoNum type="arabicPeriod"/>
+            </a:pPr>
+            <a:r>
+              <a:rPr lang="es-MX" sz="2800" dirty="0"/>
+              <a:t>Actualizar estado de Aviso</a:t>
+            </a:r>
+          </a:p>
+        </p:txBody>
+      </p:sp>
     </p:spTree>
     <p:extLst>
       <p:ext uri="{BB962C8B-B14F-4D97-AF65-F5344CB8AC3E}">
-        <p14:creationId xmlns:p14="http://schemas.microsoft.com/office/powerpoint/2010/main" val="1682070306"/>
+        <p14:creationId xmlns:p14="http://schemas.microsoft.com/office/powerpoint/2010/main" val="3965200575"/>
       </p:ext>
     </p:extLst>
   </p:cSld>
@@ -6877,6 +7113,265 @@
       </p:transition>
     </mc:Fallback>
   </mc:AlternateContent>
+  <p:timing>
+    <p:tnLst>
+      <p:par>
+        <p:cTn id="1" dur="indefinite" restart="never" nodeType="tmRoot">
+          <p:childTnLst>
+            <p:seq concurrent="1" nextAc="seek">
+              <p:cTn id="2" dur="indefinite" nodeType="mainSeq">
+                <p:childTnLst>
+                  <p:par>
+                    <p:cTn id="3" fill="hold">
+                      <p:stCondLst>
+                        <p:cond delay="indefinite"/>
+                      </p:stCondLst>
+                      <p:childTnLst>
+                        <p:par>
+                          <p:cTn id="4" fill="hold">
+                            <p:stCondLst>
+                              <p:cond delay="0"/>
+                            </p:stCondLst>
+                            <p:childTnLst>
+                              <p:par>
+                                <p:cTn id="5" presetID="53" presetClass="entr" presetSubtype="16" fill="hold" grpId="0" nodeType="clickEffect">
+                                  <p:stCondLst>
+                                    <p:cond delay="0"/>
+                                  </p:stCondLst>
+                                  <p:childTnLst>
+                                    <p:set>
+                                      <p:cBhvr>
+                                        <p:cTn id="6" dur="1" fill="hold">
+                                          <p:stCondLst>
+                                            <p:cond delay="0"/>
+                                          </p:stCondLst>
+                                        </p:cTn>
+                                        <p:tgtEl>
+                                          <p:spTgt spid="36"/>
+                                        </p:tgtEl>
+                                        <p:attrNameLst>
+                                          <p:attrName>style.visibility</p:attrName>
+                                        </p:attrNameLst>
+                                      </p:cBhvr>
+                                      <p:to>
+                                        <p:strVal val="visible"/>
+                                      </p:to>
+                                    </p:set>
+                                    <p:anim calcmode="lin" valueType="num">
+                                      <p:cBhvr>
+                                        <p:cTn id="7" dur="500" fill="hold"/>
+                                        <p:tgtEl>
+                                          <p:spTgt spid="36"/>
+                                        </p:tgtEl>
+                                        <p:attrNameLst>
+                                          <p:attrName>ppt_w</p:attrName>
+                                        </p:attrNameLst>
+                                      </p:cBhvr>
+                                      <p:tavLst>
+                                        <p:tav tm="0">
+                                          <p:val>
+                                            <p:fltVal val="0"/>
+                                          </p:val>
+                                        </p:tav>
+                                        <p:tav tm="100000">
+                                          <p:val>
+                                            <p:strVal val="#ppt_w"/>
+                                          </p:val>
+                                        </p:tav>
+                                      </p:tavLst>
+                                    </p:anim>
+                                    <p:anim calcmode="lin" valueType="num">
+                                      <p:cBhvr>
+                                        <p:cTn id="8" dur="500" fill="hold"/>
+                                        <p:tgtEl>
+                                          <p:spTgt spid="36"/>
+                                        </p:tgtEl>
+                                        <p:attrNameLst>
+                                          <p:attrName>ppt_h</p:attrName>
+                                        </p:attrNameLst>
+                                      </p:cBhvr>
+                                      <p:tavLst>
+                                        <p:tav tm="0">
+                                          <p:val>
+                                            <p:fltVal val="0"/>
+                                          </p:val>
+                                        </p:tav>
+                                        <p:tav tm="100000">
+                                          <p:val>
+                                            <p:strVal val="#ppt_h"/>
+                                          </p:val>
+                                        </p:tav>
+                                      </p:tavLst>
+                                    </p:anim>
+                                    <p:animEffect transition="in" filter="fade">
+                                      <p:cBhvr>
+                                        <p:cTn id="9" dur="500"/>
+                                        <p:tgtEl>
+                                          <p:spTgt spid="36"/>
+                                        </p:tgtEl>
+                                      </p:cBhvr>
+                                    </p:animEffect>
+                                  </p:childTnLst>
+                                </p:cTn>
+                              </p:par>
+                            </p:childTnLst>
+                          </p:cTn>
+                        </p:par>
+                        <p:par>
+                          <p:cTn id="10" fill="hold">
+                            <p:stCondLst>
+                              <p:cond delay="500"/>
+                            </p:stCondLst>
+                            <p:childTnLst>
+                              <p:par>
+                                <p:cTn id="11" presetID="2" presetClass="entr" presetSubtype="4" fill="hold" nodeType="afterEffect">
+                                  <p:stCondLst>
+                                    <p:cond delay="0"/>
+                                  </p:stCondLst>
+                                  <p:childTnLst>
+                                    <p:set>
+                                      <p:cBhvr>
+                                        <p:cTn id="12" dur="1" fill="hold">
+                                          <p:stCondLst>
+                                            <p:cond delay="0"/>
+                                          </p:stCondLst>
+                                        </p:cTn>
+                                        <p:tgtEl>
+                                          <p:spTgt spid="37"/>
+                                        </p:tgtEl>
+                                        <p:attrNameLst>
+                                          <p:attrName>style.visibility</p:attrName>
+                                        </p:attrNameLst>
+                                      </p:cBhvr>
+                                      <p:to>
+                                        <p:strVal val="visible"/>
+                                      </p:to>
+                                    </p:set>
+                                    <p:anim calcmode="lin" valueType="num">
+                                      <p:cBhvr additive="base">
+                                        <p:cTn id="13" dur="500" fill="hold"/>
+                                        <p:tgtEl>
+                                          <p:spTgt spid="37"/>
+                                        </p:tgtEl>
+                                        <p:attrNameLst>
+                                          <p:attrName>ppt_x</p:attrName>
+                                        </p:attrNameLst>
+                                      </p:cBhvr>
+                                      <p:tavLst>
+                                        <p:tav tm="0">
+                                          <p:val>
+                                            <p:strVal val="#ppt_x"/>
+                                          </p:val>
+                                        </p:tav>
+                                        <p:tav tm="100000">
+                                          <p:val>
+                                            <p:strVal val="#ppt_x"/>
+                                          </p:val>
+                                        </p:tav>
+                                      </p:tavLst>
+                                    </p:anim>
+                                    <p:anim calcmode="lin" valueType="num">
+                                      <p:cBhvr additive="base">
+                                        <p:cTn id="14" dur="500" fill="hold"/>
+                                        <p:tgtEl>
+                                          <p:spTgt spid="37"/>
+                                        </p:tgtEl>
+                                        <p:attrNameLst>
+                                          <p:attrName>ppt_y</p:attrName>
+                                        </p:attrNameLst>
+                                      </p:cBhvr>
+                                      <p:tavLst>
+                                        <p:tav tm="0">
+                                          <p:val>
+                                            <p:strVal val="1+#ppt_h/2"/>
+                                          </p:val>
+                                        </p:tav>
+                                        <p:tav tm="100000">
+                                          <p:val>
+                                            <p:strVal val="#ppt_y"/>
+                                          </p:val>
+                                        </p:tav>
+                                      </p:tavLst>
+                                    </p:anim>
+                                  </p:childTnLst>
+                                </p:cTn>
+                              </p:par>
+                            </p:childTnLst>
+                          </p:cTn>
+                        </p:par>
+                        <p:par>
+                          <p:cTn id="15" fill="hold">
+                            <p:stCondLst>
+                              <p:cond delay="1000"/>
+                            </p:stCondLst>
+                            <p:childTnLst>
+                              <p:par>
+                                <p:cTn id="16" presetID="10" presetClass="entr" presetSubtype="0" fill="hold" grpId="0" nodeType="afterEffect">
+                                  <p:stCondLst>
+                                    <p:cond delay="0"/>
+                                  </p:stCondLst>
+                                  <p:childTnLst>
+                                    <p:set>
+                                      <p:cBhvr>
+                                        <p:cTn id="17" dur="1" fill="hold">
+                                          <p:stCondLst>
+                                            <p:cond delay="0"/>
+                                          </p:stCondLst>
+                                        </p:cTn>
+                                        <p:tgtEl>
+                                          <p:spTgt spid="38"/>
+                                        </p:tgtEl>
+                                        <p:attrNameLst>
+                                          <p:attrName>style.visibility</p:attrName>
+                                        </p:attrNameLst>
+                                      </p:cBhvr>
+                                      <p:to>
+                                        <p:strVal val="visible"/>
+                                      </p:to>
+                                    </p:set>
+                                    <p:animEffect transition="in" filter="fade">
+                                      <p:cBhvr>
+                                        <p:cTn id="18" dur="1000"/>
+                                        <p:tgtEl>
+                                          <p:spTgt spid="38"/>
+                                        </p:tgtEl>
+                                      </p:cBhvr>
+                                    </p:animEffect>
+                                  </p:childTnLst>
+                                </p:cTn>
+                              </p:par>
+                            </p:childTnLst>
+                          </p:cTn>
+                        </p:par>
+                      </p:childTnLst>
+                    </p:cTn>
+                  </p:par>
+                </p:childTnLst>
+              </p:cTn>
+              <p:prevCondLst>
+                <p:cond evt="onPrev" delay="0">
+                  <p:tgtEl>
+                    <p:sldTgt/>
+                  </p:tgtEl>
+                </p:cond>
+              </p:prevCondLst>
+              <p:nextCondLst>
+                <p:cond evt="onNext" delay="0">
+                  <p:tgtEl>
+                    <p:sldTgt/>
+                  </p:tgtEl>
+                </p:cond>
+              </p:nextCondLst>
+            </p:seq>
+          </p:childTnLst>
+        </p:cTn>
+      </p:par>
+    </p:tnLst>
+    <p:bldLst>
+      <p:bldP spid="36" grpId="0"/>
+      <p:bldP spid="38" grpId="0"/>
+    </p:bldLst>
+  </p:timing>
 </p:sld>
 </file>
 
@@ -7629,8 +8124,8 @@
           </p:nvSpPr>
           <p:spPr>
             <a:xfrm rot="16200000">
-              <a:off x="9117129" y="3281943"/>
-              <a:ext cx="1992086" cy="461665"/>
+              <a:off x="9117129" y="3189611"/>
+              <a:ext cx="1992086" cy="646331"/>
             </a:xfrm>
             <a:prstGeom prst="rect">
               <a:avLst/>
@@ -7645,20 +8140,14 @@
             <a:p>
               <a:pPr algn="ctr"/>
               <a:r>
-                <a:rPr lang="en-US" sz="2400" b="1" dirty="0">
+                <a:rPr lang="en-US" sz="3600" b="1" dirty="0">
                   <a:solidFill>
                     <a:srgbClr val="F0EEF0"/>
                   </a:solidFill>
                   <a:latin typeface="Tw Cen MT" panose="020B0602020104020603" pitchFamily="34" charset="0"/>
                 </a:rPr>
-                <a:t>Planificación</a:t>
+                <a:t>Plan</a:t>
               </a:r>
-              <a:endParaRPr lang="en-US" sz="3600" b="1" dirty="0">
-                <a:solidFill>
-                  <a:srgbClr val="F0EEF0"/>
-                </a:solidFill>
-                <a:latin typeface="Tw Cen MT" panose="020B0602020104020603" pitchFamily="34" charset="0"/>
-              </a:endParaRPr>
             </a:p>
           </p:txBody>
         </p:sp>
@@ -7978,7 +8467,7 @@
             <a:p>
               <a:pPr algn="ctr"/>
               <a:r>
-                <a:rPr lang="en-US" sz="3600" b="1" dirty="0">
+                <a:rPr lang="en-US" sz="3600" b="1">
                   <a:solidFill>
                     <a:srgbClr val="F0EEF0"/>
                   </a:solidFill>
@@ -7986,6 +8475,12 @@
                 </a:rPr>
                 <a:t>Servicios</a:t>
               </a:r>
+              <a:endParaRPr lang="en-US" sz="3600" b="1" dirty="0">
+                <a:solidFill>
+                  <a:srgbClr val="F0EEF0"/>
+                </a:solidFill>
+                <a:latin typeface="Tw Cen MT" panose="020B0602020104020603" pitchFamily="34" charset="0"/>
+              </a:endParaRPr>
             </a:p>
           </p:txBody>
         </p:sp>
@@ -8039,10 +8534,10 @@
         </p:nvGrpSpPr>
         <p:grpSpPr>
           <a:xfrm>
-            <a:off x="-1780364" y="-1"/>
-            <a:ext cx="11860720" cy="6858000"/>
-            <a:chOff x="-2449883" y="-1"/>
-            <a:chExt cx="11860720" cy="6858000"/>
+            <a:off x="-7613143" y="-1"/>
+            <a:ext cx="8692332" cy="6858000"/>
+            <a:chOff x="718505" y="-1"/>
+            <a:chExt cx="8692332" cy="6858000"/>
           </a:xfrm>
         </p:grpSpPr>
         <p:sp>
@@ -8059,8 +8554,8 @@
           </p:nvSpPr>
           <p:spPr>
             <a:xfrm>
-              <a:off x="-2449883" y="-1"/>
-              <a:ext cx="11860720" cy="6858000"/>
+              <a:off x="718505" y="-1"/>
+              <a:ext cx="8692331" cy="6858000"/>
             </a:xfrm>
             <a:prstGeom prst="rect">
               <a:avLst/>
@@ -8514,7 +9009,7 @@
                   </a:solidFill>
                   <a:latin typeface="Tw Cen MT" panose="020B0602020104020603" pitchFamily="34" charset="0"/>
                 </a:rPr>
-                <a:t>IOS</a:t>
+                <a:t>iOS</a:t>
               </a:r>
             </a:p>
           </p:txBody>
@@ -8555,10 +9050,105 @@
           </p:spPr>
         </p:pic>
       </p:grpSp>
+      <p:sp>
+        <p:nvSpPr>
+          <p:cNvPr id="33" name="Título 31">
+            <a:extLst>
+              <a:ext uri="{FF2B5EF4-FFF2-40B4-BE49-F238E27FC236}">
+                <a16:creationId xmlns:a16="http://schemas.microsoft.com/office/drawing/2014/main" id="{9B07722A-5C77-43D3-95A3-A2A860036411}"/>
+              </a:ext>
+            </a:extLst>
+          </p:cNvPr>
+          <p:cNvSpPr txBox="1">
+            <a:spLocks/>
+          </p:cNvSpPr>
+          <p:nvPr/>
+        </p:nvSpPr>
+        <p:spPr>
+          <a:xfrm>
+            <a:off x="1206347" y="105104"/>
+            <a:ext cx="3264042" cy="777766"/>
+          </a:xfrm>
+          <a:prstGeom prst="rect">
+            <a:avLst/>
+          </a:prstGeom>
+        </p:spPr>
+        <p:txBody>
+          <a:bodyPr>
+            <a:noAutofit/>
+          </a:bodyPr>
+          <a:lstStyle>
+            <a:lvl1pPr algn="l" defTabSz="914400" rtl="0" eaLnBrk="1" latinLnBrk="0" hangingPunct="1">
+              <a:lnSpc>
+                <a:spcPct val="90000"/>
+              </a:lnSpc>
+              <a:spcBef>
+                <a:spcPct val="0"/>
+              </a:spcBef>
+              <a:buNone/>
+              <a:defRPr sz="4400" kern="1200">
+                <a:solidFill>
+                  <a:schemeClr val="tx1"/>
+                </a:solidFill>
+                <a:latin typeface="+mj-lt"/>
+                <a:ea typeface="+mj-ea"/>
+                <a:cs typeface="+mj-cs"/>
+              </a:defRPr>
+            </a:lvl1pPr>
+          </a:lstStyle>
+          <a:p>
+            <a:r>
+              <a:rPr lang="es-MX" sz="6600" dirty="0">
+                <a:solidFill>
+                  <a:srgbClr val="FF0000"/>
+                </a:solidFill>
+                <a:latin typeface="Tw Cen MT" panose="020B0602020104020603" pitchFamily="34" charset="0"/>
+              </a:rPr>
+              <a:t>Métricas</a:t>
+            </a:r>
+          </a:p>
+        </p:txBody>
+      </p:sp>
+      <p:pic>
+        <p:nvPicPr>
+          <p:cNvPr id="34" name="Imagen 33" descr="Captura de pantalla de un celular&#10;&#10;Descripción generada automáticamente">
+            <a:extLst>
+              <a:ext uri="{FF2B5EF4-FFF2-40B4-BE49-F238E27FC236}">
+                <a16:creationId xmlns:a16="http://schemas.microsoft.com/office/drawing/2014/main" id="{AB2A1565-BCC6-4216-9432-986E50DD945E}"/>
+              </a:ext>
+            </a:extLst>
+          </p:cNvPr>
+          <p:cNvPicPr>
+            <a:picLocks noChangeAspect="1"/>
+          </p:cNvPicPr>
+          <p:nvPr/>
+        </p:nvPicPr>
+        <p:blipFill>
+          <a:blip r:embed="rId8">
+            <a:extLst>
+              <a:ext uri="{28A0092B-C50C-407E-A947-70E740481C1C}">
+                <a14:useLocalDpi xmlns:a14="http://schemas.microsoft.com/office/drawing/2010/main" val="0"/>
+              </a:ext>
+            </a:extLst>
+          </a:blip>
+          <a:stretch>
+            <a:fillRect/>
+          </a:stretch>
+        </p:blipFill>
+        <p:spPr>
+          <a:xfrm>
+            <a:off x="2605483" y="1166648"/>
+            <a:ext cx="5971643" cy="4945955"/>
+          </a:xfrm>
+          <a:prstGeom prst="rect">
+            <a:avLst/>
+          </a:prstGeom>
+        </p:spPr>
+      </p:pic>
     </p:spTree>
     <p:extLst>
       <p:ext uri="{BB962C8B-B14F-4D97-AF65-F5344CB8AC3E}">
-        <p14:creationId xmlns:p14="http://schemas.microsoft.com/office/powerpoint/2010/main" val="3557959593"/>
+        <p14:creationId xmlns:p14="http://schemas.microsoft.com/office/powerpoint/2010/main" val="1682070306"/>
       </p:ext>
     </p:extLst>
   </p:cSld>
@@ -8577,6 +9167,251 @@
       </p:transition>
     </mc:Fallback>
   </mc:AlternateContent>
+  <p:timing>
+    <p:tnLst>
+      <p:par>
+        <p:cTn id="1" dur="indefinite" restart="never" nodeType="tmRoot">
+          <p:childTnLst>
+            <p:seq concurrent="1" nextAc="seek">
+              <p:cTn id="2" dur="indefinite" nodeType="mainSeq">
+                <p:childTnLst>
+                  <p:par>
+                    <p:cTn id="3" fill="hold">
+                      <p:stCondLst>
+                        <p:cond delay="indefinite"/>
+                      </p:stCondLst>
+                      <p:childTnLst>
+                        <p:par>
+                          <p:cTn id="4" fill="hold">
+                            <p:stCondLst>
+                              <p:cond delay="0"/>
+                            </p:stCondLst>
+                            <p:childTnLst>
+                              <p:par>
+                                <p:cTn id="5" presetID="53" presetClass="entr" presetSubtype="16" fill="hold" grpId="0" nodeType="clickEffect">
+                                  <p:stCondLst>
+                                    <p:cond delay="0"/>
+                                  </p:stCondLst>
+                                  <p:childTnLst>
+                                    <p:set>
+                                      <p:cBhvr>
+                                        <p:cTn id="6" dur="1" fill="hold">
+                                          <p:stCondLst>
+                                            <p:cond delay="0"/>
+                                          </p:stCondLst>
+                                        </p:cTn>
+                                        <p:tgtEl>
+                                          <p:spTgt spid="33"/>
+                                        </p:tgtEl>
+                                        <p:attrNameLst>
+                                          <p:attrName>style.visibility</p:attrName>
+                                        </p:attrNameLst>
+                                      </p:cBhvr>
+                                      <p:to>
+                                        <p:strVal val="visible"/>
+                                      </p:to>
+                                    </p:set>
+                                    <p:anim calcmode="lin" valueType="num">
+                                      <p:cBhvr>
+                                        <p:cTn id="7" dur="500" fill="hold"/>
+                                        <p:tgtEl>
+                                          <p:spTgt spid="33"/>
+                                        </p:tgtEl>
+                                        <p:attrNameLst>
+                                          <p:attrName>ppt_w</p:attrName>
+                                        </p:attrNameLst>
+                                      </p:cBhvr>
+                                      <p:tavLst>
+                                        <p:tav tm="0">
+                                          <p:val>
+                                            <p:fltVal val="0"/>
+                                          </p:val>
+                                        </p:tav>
+                                        <p:tav tm="100000">
+                                          <p:val>
+                                            <p:strVal val="#ppt_w"/>
+                                          </p:val>
+                                        </p:tav>
+                                      </p:tavLst>
+                                    </p:anim>
+                                    <p:anim calcmode="lin" valueType="num">
+                                      <p:cBhvr>
+                                        <p:cTn id="8" dur="500" fill="hold"/>
+                                        <p:tgtEl>
+                                          <p:spTgt spid="33"/>
+                                        </p:tgtEl>
+                                        <p:attrNameLst>
+                                          <p:attrName>ppt_h</p:attrName>
+                                        </p:attrNameLst>
+                                      </p:cBhvr>
+                                      <p:tavLst>
+                                        <p:tav tm="0">
+                                          <p:val>
+                                            <p:fltVal val="0"/>
+                                          </p:val>
+                                        </p:tav>
+                                        <p:tav tm="100000">
+                                          <p:val>
+                                            <p:strVal val="#ppt_h"/>
+                                          </p:val>
+                                        </p:tav>
+                                      </p:tavLst>
+                                    </p:anim>
+                                    <p:animEffect transition="in" filter="fade">
+                                      <p:cBhvr>
+                                        <p:cTn id="9" dur="500"/>
+                                        <p:tgtEl>
+                                          <p:spTgt spid="33"/>
+                                        </p:tgtEl>
+                                      </p:cBhvr>
+                                    </p:animEffect>
+                                  </p:childTnLst>
+                                </p:cTn>
+                              </p:par>
+                            </p:childTnLst>
+                          </p:cTn>
+                        </p:par>
+                        <p:par>
+                          <p:cTn id="10" fill="hold">
+                            <p:stCondLst>
+                              <p:cond delay="500"/>
+                            </p:stCondLst>
+                            <p:childTnLst>
+                              <p:par>
+                                <p:cTn id="11" presetID="31" presetClass="entr" presetSubtype="0" fill="hold" nodeType="afterEffect">
+                                  <p:stCondLst>
+                                    <p:cond delay="0"/>
+                                  </p:stCondLst>
+                                  <p:childTnLst>
+                                    <p:set>
+                                      <p:cBhvr>
+                                        <p:cTn id="12" dur="1" fill="hold">
+                                          <p:stCondLst>
+                                            <p:cond delay="0"/>
+                                          </p:stCondLst>
+                                        </p:cTn>
+                                        <p:tgtEl>
+                                          <p:spTgt spid="34"/>
+                                        </p:tgtEl>
+                                        <p:attrNameLst>
+                                          <p:attrName>style.visibility</p:attrName>
+                                        </p:attrNameLst>
+                                      </p:cBhvr>
+                                      <p:to>
+                                        <p:strVal val="visible"/>
+                                      </p:to>
+                                    </p:set>
+                                    <p:anim calcmode="lin" valueType="num">
+                                      <p:cBhvr>
+                                        <p:cTn id="13" dur="1000" fill="hold"/>
+                                        <p:tgtEl>
+                                          <p:spTgt spid="34"/>
+                                        </p:tgtEl>
+                                        <p:attrNameLst>
+                                          <p:attrName>ppt_w</p:attrName>
+                                        </p:attrNameLst>
+                                      </p:cBhvr>
+                                      <p:tavLst>
+                                        <p:tav tm="0">
+                                          <p:val>
+                                            <p:fltVal val="0"/>
+                                          </p:val>
+                                        </p:tav>
+                                        <p:tav tm="100000">
+                                          <p:val>
+                                            <p:strVal val="#ppt_w"/>
+                                          </p:val>
+                                        </p:tav>
+                                      </p:tavLst>
+                                    </p:anim>
+                                    <p:anim calcmode="lin" valueType="num">
+                                      <p:cBhvr>
+                                        <p:cTn id="14" dur="1000" fill="hold"/>
+                                        <p:tgtEl>
+                                          <p:spTgt spid="34"/>
+                                        </p:tgtEl>
+                                        <p:attrNameLst>
+                                          <p:attrName>ppt_h</p:attrName>
+                                        </p:attrNameLst>
+                                      </p:cBhvr>
+                                      <p:tavLst>
+                                        <p:tav tm="0">
+                                          <p:val>
+                                            <p:fltVal val="0"/>
+                                          </p:val>
+                                        </p:tav>
+                                        <p:tav tm="100000">
+                                          <p:val>
+                                            <p:strVal val="#ppt_h"/>
+                                          </p:val>
+                                        </p:tav>
+                                      </p:tavLst>
+                                    </p:anim>
+                                    <p:anim calcmode="lin" valueType="num">
+                                      <p:cBhvr>
+                                        <p:cTn id="15" dur="1000" fill="hold"/>
+                                        <p:tgtEl>
+                                          <p:spTgt spid="34"/>
+                                        </p:tgtEl>
+                                        <p:attrNameLst>
+                                          <p:attrName>style.rotation</p:attrName>
+                                        </p:attrNameLst>
+                                      </p:cBhvr>
+                                      <p:tavLst>
+                                        <p:tav tm="0">
+                                          <p:val>
+                                            <p:fltVal val="90"/>
+                                          </p:val>
+                                        </p:tav>
+                                        <p:tav tm="100000">
+                                          <p:val>
+                                            <p:fltVal val="0"/>
+                                          </p:val>
+                                        </p:tav>
+                                      </p:tavLst>
+                                    </p:anim>
+                                    <p:animEffect transition="in" filter="fade">
+                                      <p:cBhvr>
+                                        <p:cTn id="16" dur="1000"/>
+                                        <p:tgtEl>
+                                          <p:spTgt spid="34"/>
+                                        </p:tgtEl>
+                                      </p:cBhvr>
+                                    </p:animEffect>
+                                  </p:childTnLst>
+                                </p:cTn>
+                              </p:par>
+                            </p:childTnLst>
+                          </p:cTn>
+                        </p:par>
+                      </p:childTnLst>
+                    </p:cTn>
+                  </p:par>
+                </p:childTnLst>
+              </p:cTn>
+              <p:prevCondLst>
+                <p:cond evt="onPrev" delay="0">
+                  <p:tgtEl>
+                    <p:sldTgt/>
+                  </p:tgtEl>
+                </p:cond>
+              </p:prevCondLst>
+              <p:nextCondLst>
+                <p:cond evt="onNext" delay="0">
+                  <p:tgtEl>
+                    <p:sldTgt/>
+                  </p:tgtEl>
+                </p:cond>
+              </p:nextCondLst>
+            </p:seq>
+          </p:childTnLst>
+        </p:cTn>
+      </p:par>
+    </p:tnLst>
+    <p:bldLst>
+      <p:bldP spid="33" grpId="0"/>
+    </p:bldLst>
+  </p:timing>
 </p:sld>
 </file>
 
@@ -8611,7 +9446,7 @@
         </p:nvGrpSpPr>
         <p:grpSpPr>
           <a:xfrm>
-            <a:off x="-176620" y="0"/>
+            <a:off x="-189320" y="0"/>
             <a:ext cx="12482920" cy="6858000"/>
             <a:chOff x="-290920" y="0"/>
             <a:chExt cx="12482920" cy="6858000"/>
@@ -8876,7 +9711,7 @@
         </p:nvGrpSpPr>
         <p:grpSpPr>
           <a:xfrm>
-            <a:off x="252188" y="-2"/>
+            <a:off x="239488" y="-2"/>
             <a:ext cx="11447503" cy="6858000"/>
             <a:chOff x="213096" y="0"/>
             <a:chExt cx="11447503" cy="6858000"/>
@@ -9141,7 +9976,7 @@
         </p:nvGrpSpPr>
         <p:grpSpPr>
           <a:xfrm>
-            <a:off x="1209533" y="0"/>
+            <a:off x="1196833" y="0"/>
             <a:ext cx="9961092" cy="6858000"/>
             <a:chOff x="491575" y="0"/>
             <a:chExt cx="9961092" cy="6858000"/>
@@ -9329,8 +10164,8 @@
           </p:nvSpPr>
           <p:spPr>
             <a:xfrm rot="16200000">
-              <a:off x="9117129" y="3281943"/>
-              <a:ext cx="1992086" cy="461665"/>
+              <a:off x="9117129" y="3189611"/>
+              <a:ext cx="1992086" cy="646331"/>
             </a:xfrm>
             <a:prstGeom prst="rect">
               <a:avLst/>
@@ -9345,20 +10180,14 @@
             <a:p>
               <a:pPr algn="ctr"/>
               <a:r>
-                <a:rPr lang="en-US" sz="2400" b="1" dirty="0">
+                <a:rPr lang="en-US" sz="3600" b="1" dirty="0">
                   <a:solidFill>
                     <a:srgbClr val="F0EEF0"/>
                   </a:solidFill>
                   <a:latin typeface="Tw Cen MT" panose="020B0602020104020603" pitchFamily="34" charset="0"/>
                 </a:rPr>
-                <a:t>Planificación</a:t>
+                <a:t>Plan</a:t>
               </a:r>
-              <a:endParaRPr lang="en-US" sz="3600" b="1" dirty="0">
-                <a:solidFill>
-                  <a:srgbClr val="F0EEF0"/>
-                </a:solidFill>
-                <a:latin typeface="Tw Cen MT" panose="020B0602020104020603" pitchFamily="34" charset="0"/>
-              </a:endParaRPr>
             </a:p>
           </p:txBody>
         </p:sp>
@@ -9399,6 +10228,67 @@
           </p:spPr>
         </p:pic>
       </p:grpSp>
+      <p:sp>
+        <p:nvSpPr>
+          <p:cNvPr id="70" name="Rectangle 69">
+            <a:extLst>
+              <a:ext uri="{FF2B5EF4-FFF2-40B4-BE49-F238E27FC236}">
+                <a16:creationId xmlns:a16="http://schemas.microsoft.com/office/drawing/2014/main" id="{990CE96C-B0E8-49CB-B717-EBFFECB66027}"/>
+              </a:ext>
+            </a:extLst>
+          </p:cNvPr>
+          <p:cNvSpPr/>
+          <p:nvPr/>
+        </p:nvSpPr>
+        <p:spPr>
+          <a:xfrm>
+            <a:off x="-7962177" y="-1"/>
+            <a:ext cx="5781368" cy="6858000"/>
+          </a:xfrm>
+          <a:prstGeom prst="rect">
+            <a:avLst/>
+          </a:prstGeom>
+          <a:solidFill>
+            <a:srgbClr val="F0EEF0"/>
+          </a:solidFill>
+          <a:ln>
+            <a:noFill/>
+          </a:ln>
+          <a:effectLst>
+            <a:outerShdw blurRad="215900" dist="38100" sx="101000" sy="101000" algn="l" rotWithShape="0">
+              <a:schemeClr val="tx1">
+                <a:lumMod val="65000"/>
+                <a:lumOff val="35000"/>
+                <a:alpha val="35000"/>
+              </a:schemeClr>
+            </a:outerShdw>
+          </a:effectLst>
+        </p:spPr>
+        <p:style>
+          <a:lnRef idx="2">
+            <a:schemeClr val="accent1">
+              <a:shade val="50000"/>
+            </a:schemeClr>
+          </a:lnRef>
+          <a:fillRef idx="1">
+            <a:schemeClr val="accent1"/>
+          </a:fillRef>
+          <a:effectRef idx="0">
+            <a:schemeClr val="accent1"/>
+          </a:effectRef>
+          <a:fontRef idx="minor">
+            <a:schemeClr val="lt1"/>
+          </a:fontRef>
+        </p:style>
+        <p:txBody>
+          <a:bodyPr rtlCol="0" anchor="ctr"/>
+          <a:lstStyle/>
+          <a:p>
+            <a:pPr algn="ctr"/>
+            <a:endParaRPr lang="en-US" dirty="0"/>
+          </a:p>
+        </p:txBody>
+      </p:sp>
       <p:grpSp>
         <p:nvGrpSpPr>
           <p:cNvPr id="95" name="Group 94">
@@ -9413,7 +10303,7 @@
         </p:nvGrpSpPr>
         <p:grpSpPr>
           <a:xfrm>
-            <a:off x="1061762" y="0"/>
+            <a:off x="1049062" y="0"/>
             <a:ext cx="9574094" cy="6858000"/>
             <a:chOff x="491575" y="0"/>
             <a:chExt cx="9574094" cy="6858000"/>
@@ -9617,7 +10507,7 @@
             <a:p>
               <a:pPr algn="ctr"/>
               <a:r>
-                <a:rPr lang="en-US" sz="3600" b="1" dirty="0">
+                <a:rPr lang="en-US" sz="3600" b="1">
                   <a:solidFill>
                     <a:srgbClr val="F0EEF0"/>
                   </a:solidFill>
@@ -9625,6 +10515,12 @@
                 </a:rPr>
                 <a:t>Servicios</a:t>
               </a:r>
+              <a:endParaRPr lang="en-US" sz="3600" b="1" dirty="0">
+                <a:solidFill>
+                  <a:srgbClr val="F0EEF0"/>
+                </a:solidFill>
+                <a:latin typeface="Tw Cen MT" panose="020B0602020104020603" pitchFamily="34" charset="0"/>
+              </a:endParaRPr>
             </a:p>
           </p:txBody>
         </p:sp>
@@ -9678,10 +10574,10 @@
         </p:nvGrpSpPr>
         <p:grpSpPr>
           <a:xfrm>
-            <a:off x="-1767664" y="-1"/>
-            <a:ext cx="11860720" cy="6858000"/>
-            <a:chOff x="-2449883" y="-1"/>
-            <a:chExt cx="11860720" cy="6858000"/>
+            <a:off x="-7613143" y="-1"/>
+            <a:ext cx="8692332" cy="6858000"/>
+            <a:chOff x="718505" y="-1"/>
+            <a:chExt cx="8692332" cy="6858000"/>
           </a:xfrm>
         </p:grpSpPr>
         <p:sp>
@@ -9698,8 +10594,8 @@
           </p:nvSpPr>
           <p:spPr>
             <a:xfrm>
-              <a:off x="-2449883" y="-1"/>
-              <a:ext cx="11860720" cy="6858000"/>
+              <a:off x="718505" y="-1"/>
+              <a:ext cx="8692331" cy="6858000"/>
             </a:xfrm>
             <a:prstGeom prst="rect">
               <a:avLst/>
@@ -9943,10 +10839,10 @@
         </p:nvGrpSpPr>
         <p:grpSpPr>
           <a:xfrm>
-            <a:off x="-1786364" y="0"/>
-            <a:ext cx="11335017" cy="6858000"/>
-            <a:chOff x="-10744545" y="-1"/>
-            <a:chExt cx="11335017" cy="6858000"/>
+            <a:off x="-9395082" y="-1"/>
+            <a:ext cx="9927504" cy="6858000"/>
+            <a:chOff x="-9337032" y="-1"/>
+            <a:chExt cx="9927504" cy="6858000"/>
           </a:xfrm>
         </p:grpSpPr>
         <p:sp>
@@ -9963,8 +10859,8 @@
           </p:nvSpPr>
           <p:spPr>
             <a:xfrm>
-              <a:off x="-10744545" y="-1"/>
-              <a:ext cx="11331017" cy="6858000"/>
+              <a:off x="-9337032" y="-1"/>
+              <a:ext cx="9923504" cy="6858000"/>
             </a:xfrm>
             <a:prstGeom prst="rect">
               <a:avLst/>
@@ -10153,7 +11049,5784 @@
                   </a:solidFill>
                   <a:latin typeface="Tw Cen MT" panose="020B0602020104020603" pitchFamily="34" charset="0"/>
                 </a:rPr>
-                <a:t>IOS</a:t>
+                <a:t>iOS</a:t>
+              </a:r>
+            </a:p>
+          </p:txBody>
+        </p:sp>
+        <p:pic>
+          <p:nvPicPr>
+            <p:cNvPr id="80" name="Picture 79">
+              <a:extLst>
+                <a:ext uri="{FF2B5EF4-FFF2-40B4-BE49-F238E27FC236}">
+                  <a16:creationId xmlns:a16="http://schemas.microsoft.com/office/drawing/2014/main" id="{0F8A56B9-A504-4035-8439-53ED4617B8B4}"/>
+                </a:ext>
+              </a:extLst>
+            </p:cNvPr>
+            <p:cNvPicPr>
+              <a:picLocks noChangeAspect="1"/>
+            </p:cNvPicPr>
+            <p:nvPr/>
+          </p:nvPicPr>
+          <p:blipFill>
+            <a:blip r:embed="rId7">
+              <a:extLst>
+                <a:ext uri="{28A0092B-C50C-407E-A947-70E740481C1C}">
+                  <a14:useLocalDpi xmlns:a14="http://schemas.microsoft.com/office/drawing/2010/main" val="0"/>
+                </a:ext>
+              </a:extLst>
+            </a:blip>
+            <a:srcRect/>
+            <a:stretch/>
+          </p:blipFill>
+          <p:spPr>
+            <a:xfrm rot="16200000">
+              <a:off x="-491912" y="3247473"/>
+              <a:ext cx="530600" cy="530600"/>
+            </a:xfrm>
+            <a:prstGeom prst="rect">
+              <a:avLst/>
+            </a:prstGeom>
+          </p:spPr>
+        </p:pic>
+      </p:grpSp>
+      <p:sp>
+        <p:nvSpPr>
+          <p:cNvPr id="33" name="Título 31">
+            <a:extLst>
+              <a:ext uri="{FF2B5EF4-FFF2-40B4-BE49-F238E27FC236}">
+                <a16:creationId xmlns:a16="http://schemas.microsoft.com/office/drawing/2014/main" id="{9B07722A-5C77-43D3-95A3-A2A860036411}"/>
+              </a:ext>
+            </a:extLst>
+          </p:cNvPr>
+          <p:cNvSpPr txBox="1">
+            <a:spLocks/>
+          </p:cNvSpPr>
+          <p:nvPr/>
+        </p:nvSpPr>
+        <p:spPr>
+          <a:xfrm>
+            <a:off x="1206347" y="105104"/>
+            <a:ext cx="3264042" cy="777766"/>
+          </a:xfrm>
+          <a:prstGeom prst="rect">
+            <a:avLst/>
+          </a:prstGeom>
+        </p:spPr>
+        <p:txBody>
+          <a:bodyPr>
+            <a:noAutofit/>
+          </a:bodyPr>
+          <a:lstStyle>
+            <a:lvl1pPr algn="l" defTabSz="914400" rtl="0" eaLnBrk="1" latinLnBrk="0" hangingPunct="1">
+              <a:lnSpc>
+                <a:spcPct val="90000"/>
+              </a:lnSpc>
+              <a:spcBef>
+                <a:spcPct val="0"/>
+              </a:spcBef>
+              <a:buNone/>
+              <a:defRPr sz="4400" kern="1200">
+                <a:solidFill>
+                  <a:schemeClr val="tx1"/>
+                </a:solidFill>
+                <a:latin typeface="+mj-lt"/>
+                <a:ea typeface="+mj-ea"/>
+                <a:cs typeface="+mj-cs"/>
+              </a:defRPr>
+            </a:lvl1pPr>
+          </a:lstStyle>
+          <a:p>
+            <a:r>
+              <a:rPr lang="es-MX" sz="6600" dirty="0">
+                <a:solidFill>
+                  <a:srgbClr val="FF0000"/>
+                </a:solidFill>
+                <a:latin typeface="Tw Cen MT" panose="020B0602020104020603" pitchFamily="34" charset="0"/>
+              </a:rPr>
+              <a:t>Métricas</a:t>
+            </a:r>
+          </a:p>
+        </p:txBody>
+      </p:sp>
+      <p:pic>
+        <p:nvPicPr>
+          <p:cNvPr id="34" name="Imagen 33">
+            <a:extLst>
+              <a:ext uri="{FF2B5EF4-FFF2-40B4-BE49-F238E27FC236}">
+                <a16:creationId xmlns:a16="http://schemas.microsoft.com/office/drawing/2014/main" id="{AB2A1565-BCC6-4216-9432-986E50DD945E}"/>
+              </a:ext>
+            </a:extLst>
+          </p:cNvPr>
+          <p:cNvPicPr>
+            <a:picLocks noChangeAspect="1"/>
+          </p:cNvPicPr>
+          <p:nvPr/>
+        </p:nvPicPr>
+        <p:blipFill>
+          <a:blip r:embed="rId8">
+            <a:extLst>
+              <a:ext uri="{28A0092B-C50C-407E-A947-70E740481C1C}">
+                <a14:useLocalDpi xmlns:a14="http://schemas.microsoft.com/office/drawing/2010/main" val="0"/>
+              </a:ext>
+            </a:extLst>
+          </a:blip>
+          <a:srcRect/>
+          <a:stretch/>
+        </p:blipFill>
+        <p:spPr>
+          <a:xfrm>
+            <a:off x="2605483" y="1256532"/>
+            <a:ext cx="5971643" cy="4766187"/>
+          </a:xfrm>
+          <a:prstGeom prst="rect">
+            <a:avLst/>
+          </a:prstGeom>
+        </p:spPr>
+      </p:pic>
+    </p:spTree>
+    <p:extLst>
+      <p:ext uri="{BB962C8B-B14F-4D97-AF65-F5344CB8AC3E}">
+        <p14:creationId xmlns:p14="http://schemas.microsoft.com/office/powerpoint/2010/main" val="3136855334"/>
+      </p:ext>
+    </p:extLst>
+  </p:cSld>
+  <p:clrMapOvr>
+    <a:masterClrMapping/>
+  </p:clrMapOvr>
+  <mc:AlternateContent xmlns:mc="http://schemas.openxmlformats.org/markup-compatibility/2006" xmlns:p159="http://schemas.microsoft.com/office/powerpoint/2015/09/main">
+    <mc:Choice Requires="p159">
+      <p:transition spd="med">
+        <p159:morph option="byObject"/>
+      </p:transition>
+    </mc:Choice>
+    <mc:Fallback xmlns="">
+      <p:transition spd="med">
+        <p:fade/>
+      </p:transition>
+    </mc:Fallback>
+  </mc:AlternateContent>
+  <p:timing>
+    <p:tnLst>
+      <p:par>
+        <p:cTn id="1" dur="indefinite" restart="never" nodeType="tmRoot">
+          <p:childTnLst>
+            <p:seq concurrent="1" nextAc="seek">
+              <p:cTn id="2" dur="indefinite" nodeType="mainSeq">
+                <p:childTnLst>
+                  <p:par>
+                    <p:cTn id="3" fill="hold">
+                      <p:stCondLst>
+                        <p:cond delay="indefinite"/>
+                        <p:cond evt="onBegin" delay="0">
+                          <p:tn val="2"/>
+                        </p:cond>
+                      </p:stCondLst>
+                      <p:childTnLst>
+                        <p:par>
+                          <p:cTn id="4" fill="hold">
+                            <p:stCondLst>
+                              <p:cond delay="0"/>
+                            </p:stCondLst>
+                            <p:childTnLst>
+                              <p:par>
+                                <p:cTn id="5" presetID="31" presetClass="entr" presetSubtype="0" fill="hold" nodeType="afterEffect">
+                                  <p:stCondLst>
+                                    <p:cond delay="0"/>
+                                  </p:stCondLst>
+                                  <p:childTnLst>
+                                    <p:set>
+                                      <p:cBhvr>
+                                        <p:cTn id="6" dur="1" fill="hold">
+                                          <p:stCondLst>
+                                            <p:cond delay="0"/>
+                                          </p:stCondLst>
+                                        </p:cTn>
+                                        <p:tgtEl>
+                                          <p:spTgt spid="34"/>
+                                        </p:tgtEl>
+                                        <p:attrNameLst>
+                                          <p:attrName>style.visibility</p:attrName>
+                                        </p:attrNameLst>
+                                      </p:cBhvr>
+                                      <p:to>
+                                        <p:strVal val="visible"/>
+                                      </p:to>
+                                    </p:set>
+                                    <p:anim calcmode="lin" valueType="num">
+                                      <p:cBhvr>
+                                        <p:cTn id="7" dur="1000" fill="hold"/>
+                                        <p:tgtEl>
+                                          <p:spTgt spid="34"/>
+                                        </p:tgtEl>
+                                        <p:attrNameLst>
+                                          <p:attrName>ppt_w</p:attrName>
+                                        </p:attrNameLst>
+                                      </p:cBhvr>
+                                      <p:tavLst>
+                                        <p:tav tm="0">
+                                          <p:val>
+                                            <p:fltVal val="0"/>
+                                          </p:val>
+                                        </p:tav>
+                                        <p:tav tm="100000">
+                                          <p:val>
+                                            <p:strVal val="#ppt_w"/>
+                                          </p:val>
+                                        </p:tav>
+                                      </p:tavLst>
+                                    </p:anim>
+                                    <p:anim calcmode="lin" valueType="num">
+                                      <p:cBhvr>
+                                        <p:cTn id="8" dur="1000" fill="hold"/>
+                                        <p:tgtEl>
+                                          <p:spTgt spid="34"/>
+                                        </p:tgtEl>
+                                        <p:attrNameLst>
+                                          <p:attrName>ppt_h</p:attrName>
+                                        </p:attrNameLst>
+                                      </p:cBhvr>
+                                      <p:tavLst>
+                                        <p:tav tm="0">
+                                          <p:val>
+                                            <p:fltVal val="0"/>
+                                          </p:val>
+                                        </p:tav>
+                                        <p:tav tm="100000">
+                                          <p:val>
+                                            <p:strVal val="#ppt_h"/>
+                                          </p:val>
+                                        </p:tav>
+                                      </p:tavLst>
+                                    </p:anim>
+                                    <p:anim calcmode="lin" valueType="num">
+                                      <p:cBhvr>
+                                        <p:cTn id="9" dur="1000" fill="hold"/>
+                                        <p:tgtEl>
+                                          <p:spTgt spid="34"/>
+                                        </p:tgtEl>
+                                        <p:attrNameLst>
+                                          <p:attrName>style.rotation</p:attrName>
+                                        </p:attrNameLst>
+                                      </p:cBhvr>
+                                      <p:tavLst>
+                                        <p:tav tm="0">
+                                          <p:val>
+                                            <p:fltVal val="90"/>
+                                          </p:val>
+                                        </p:tav>
+                                        <p:tav tm="100000">
+                                          <p:val>
+                                            <p:fltVal val="0"/>
+                                          </p:val>
+                                        </p:tav>
+                                      </p:tavLst>
+                                    </p:anim>
+                                    <p:animEffect transition="in" filter="fade">
+                                      <p:cBhvr>
+                                        <p:cTn id="10" dur="1000"/>
+                                        <p:tgtEl>
+                                          <p:spTgt spid="34"/>
+                                        </p:tgtEl>
+                                      </p:cBhvr>
+                                    </p:animEffect>
+                                  </p:childTnLst>
+                                </p:cTn>
+                              </p:par>
+                            </p:childTnLst>
+                          </p:cTn>
+                        </p:par>
+                      </p:childTnLst>
+                    </p:cTn>
+                  </p:par>
+                </p:childTnLst>
+              </p:cTn>
+              <p:prevCondLst>
+                <p:cond evt="onPrev" delay="0">
+                  <p:tgtEl>
+                    <p:sldTgt/>
+                  </p:tgtEl>
+                </p:cond>
+              </p:prevCondLst>
+              <p:nextCondLst>
+                <p:cond evt="onNext" delay="0">
+                  <p:tgtEl>
+                    <p:sldTgt/>
+                  </p:tgtEl>
+                </p:cond>
+              </p:nextCondLst>
+            </p:seq>
+          </p:childTnLst>
+        </p:cTn>
+      </p:par>
+    </p:tnLst>
+  </p:timing>
+</p:sld>
+</file>
+
+<file path=ppt/slides/slide13.xml><?xml version="1.0" encoding="utf-8"?>
+<p:sld xmlns:a="http://schemas.openxmlformats.org/drawingml/2006/main" xmlns:r="http://schemas.openxmlformats.org/officeDocument/2006/relationships" xmlns:p="http://schemas.openxmlformats.org/presentationml/2006/main">
+  <p:cSld>
+    <p:spTree>
+      <p:nvGrpSpPr>
+        <p:cNvPr id="1" name=""/>
+        <p:cNvGrpSpPr/>
+        <p:nvPr/>
+      </p:nvGrpSpPr>
+      <p:grpSpPr>
+        <a:xfrm>
+          <a:off x="0" y="0"/>
+          <a:ext cx="0" cy="0"/>
+          <a:chOff x="0" y="0"/>
+          <a:chExt cx="0" cy="0"/>
+        </a:xfrm>
+      </p:grpSpPr>
+      <p:grpSp>
+        <p:nvGrpSpPr>
+          <p:cNvPr id="50" name="Group 49">
+            <a:extLst>
+              <a:ext uri="{FF2B5EF4-FFF2-40B4-BE49-F238E27FC236}">
+                <a16:creationId xmlns:a16="http://schemas.microsoft.com/office/drawing/2014/main" id="{10781169-B7A4-446E-BD33-B9650367A7F9}"/>
+              </a:ext>
+            </a:extLst>
+          </p:cNvPr>
+          <p:cNvGrpSpPr/>
+          <p:nvPr/>
+        </p:nvGrpSpPr>
+        <p:grpSpPr>
+          <a:xfrm>
+            <a:off x="-189320" y="0"/>
+            <a:ext cx="12482920" cy="6858000"/>
+            <a:chOff x="-290920" y="0"/>
+            <a:chExt cx="12482920" cy="6858000"/>
+          </a:xfrm>
+        </p:grpSpPr>
+        <p:sp>
+          <p:nvSpPr>
+            <p:cNvPr id="51" name="Rectangle 50">
+              <a:extLst>
+                <a:ext uri="{FF2B5EF4-FFF2-40B4-BE49-F238E27FC236}">
+                  <a16:creationId xmlns:a16="http://schemas.microsoft.com/office/drawing/2014/main" id="{CED3AF08-30FC-4AFF-9C5C-99D0A7099514}"/>
+                </a:ext>
+              </a:extLst>
+            </p:cNvPr>
+            <p:cNvSpPr/>
+            <p:nvPr/>
+          </p:nvSpPr>
+          <p:spPr>
+            <a:xfrm>
+              <a:off x="-290920" y="0"/>
+              <a:ext cx="12482920" cy="6858000"/>
+            </a:xfrm>
+            <a:prstGeom prst="rect">
+              <a:avLst/>
+            </a:prstGeom>
+            <a:solidFill>
+              <a:srgbClr val="F0EEF0"/>
+            </a:solidFill>
+            <a:ln>
+              <a:noFill/>
+            </a:ln>
+            <a:effectLst>
+              <a:outerShdw blurRad="215900" dist="38100" sx="101000" sy="101000" algn="l" rotWithShape="0">
+                <a:schemeClr val="tx1">
+                  <a:lumMod val="65000"/>
+                  <a:lumOff val="35000"/>
+                  <a:alpha val="35000"/>
+                </a:schemeClr>
+              </a:outerShdw>
+            </a:effectLst>
+          </p:spPr>
+          <p:style>
+            <a:lnRef idx="2">
+              <a:schemeClr val="accent1">
+                <a:shade val="50000"/>
+              </a:schemeClr>
+            </a:lnRef>
+            <a:fillRef idx="1">
+              <a:schemeClr val="accent1"/>
+            </a:fillRef>
+            <a:effectRef idx="0">
+              <a:schemeClr val="accent1"/>
+            </a:effectRef>
+            <a:fontRef idx="minor">
+              <a:schemeClr val="lt1"/>
+            </a:fontRef>
+          </p:style>
+          <p:txBody>
+            <a:bodyPr rtlCol="0" anchor="ctr"/>
+            <a:lstStyle/>
+            <a:p>
+              <a:pPr algn="ctr"/>
+              <a:endParaRPr lang="en-US" dirty="0"/>
+            </a:p>
+          </p:txBody>
+        </p:sp>
+        <p:sp>
+          <p:nvSpPr>
+            <p:cNvPr id="52" name="Freeform: Shape 51">
+              <a:extLst>
+                <a:ext uri="{FF2B5EF4-FFF2-40B4-BE49-F238E27FC236}">
+                  <a16:creationId xmlns:a16="http://schemas.microsoft.com/office/drawing/2014/main" id="{99AF1FBA-9557-484A-B305-EE590A192E96}"/>
+                </a:ext>
+              </a:extLst>
+            </p:cNvPr>
+            <p:cNvSpPr/>
+            <p:nvPr/>
+          </p:nvSpPr>
+          <p:spPr>
+            <a:xfrm>
+              <a:off x="11023600" y="2337441"/>
+              <a:ext cx="1168400" cy="2360918"/>
+            </a:xfrm>
+            <a:custGeom>
+              <a:avLst/>
+              <a:gdLst>
+                <a:gd name="connsiteX0" fmla="*/ 1168400 w 1168400"/>
+                <a:gd name="connsiteY0" fmla="*/ 0 h 2360918"/>
+                <a:gd name="connsiteX1" fmla="*/ 1168400 w 1168400"/>
+                <a:gd name="connsiteY1" fmla="*/ 2360918 h 2360918"/>
+                <a:gd name="connsiteX2" fmla="*/ 1060340 w 1168400"/>
+                <a:gd name="connsiteY2" fmla="*/ 2355461 h 2360918"/>
+                <a:gd name="connsiteX3" fmla="*/ 0 w 1168400"/>
+                <a:gd name="connsiteY3" fmla="*/ 1180459 h 2360918"/>
+                <a:gd name="connsiteX4" fmla="*/ 1060340 w 1168400"/>
+                <a:gd name="connsiteY4" fmla="*/ 5457 h 2360918"/>
+              </a:gdLst>
+              <a:ahLst/>
+              <a:cxnLst>
+                <a:cxn ang="0">
+                  <a:pos x="connsiteX0" y="connsiteY0"/>
+                </a:cxn>
+                <a:cxn ang="0">
+                  <a:pos x="connsiteX1" y="connsiteY1"/>
+                </a:cxn>
+                <a:cxn ang="0">
+                  <a:pos x="connsiteX2" y="connsiteY2"/>
+                </a:cxn>
+                <a:cxn ang="0">
+                  <a:pos x="connsiteX3" y="connsiteY3"/>
+                </a:cxn>
+                <a:cxn ang="0">
+                  <a:pos x="connsiteX4" y="connsiteY4"/>
+                </a:cxn>
+              </a:cxnLst>
+              <a:rect l="l" t="t" r="r" b="b"/>
+              <a:pathLst>
+                <a:path w="1168400" h="2360918">
+                  <a:moveTo>
+                    <a:pt x="1168400" y="0"/>
+                  </a:moveTo>
+                  <a:lnTo>
+                    <a:pt x="1168400" y="2360918"/>
+                  </a:lnTo>
+                  <a:lnTo>
+                    <a:pt x="1060340" y="2355461"/>
+                  </a:lnTo>
+                  <a:cubicBezTo>
+                    <a:pt x="464762" y="2294977"/>
+                    <a:pt x="0" y="1791994"/>
+                    <a:pt x="0" y="1180459"/>
+                  </a:cubicBezTo>
+                  <a:cubicBezTo>
+                    <a:pt x="0" y="568924"/>
+                    <a:pt x="464762" y="65941"/>
+                    <a:pt x="1060340" y="5457"/>
+                  </a:cubicBezTo>
+                  <a:close/>
+                </a:path>
+              </a:pathLst>
+            </a:custGeom>
+            <a:solidFill>
+              <a:srgbClr val="E565F3"/>
+            </a:solidFill>
+            <a:ln>
+              <a:noFill/>
+            </a:ln>
+          </p:spPr>
+          <p:style>
+            <a:lnRef idx="2">
+              <a:schemeClr val="accent1">
+                <a:shade val="50000"/>
+              </a:schemeClr>
+            </a:lnRef>
+            <a:fillRef idx="1">
+              <a:schemeClr val="accent1"/>
+            </a:fillRef>
+            <a:effectRef idx="0">
+              <a:schemeClr val="accent1"/>
+            </a:effectRef>
+            <a:fontRef idx="minor">
+              <a:schemeClr val="lt1"/>
+            </a:fontRef>
+          </p:style>
+          <p:txBody>
+            <a:bodyPr rtlCol="0" anchor="ctr"/>
+            <a:lstStyle/>
+            <a:p>
+              <a:pPr algn="ctr"/>
+              <a:endParaRPr lang="en-US" dirty="0"/>
+            </a:p>
+          </p:txBody>
+        </p:sp>
+        <p:sp>
+          <p:nvSpPr>
+            <p:cNvPr id="53" name="TextBox 52">
+              <a:extLst>
+                <a:ext uri="{FF2B5EF4-FFF2-40B4-BE49-F238E27FC236}">
+                  <a16:creationId xmlns:a16="http://schemas.microsoft.com/office/drawing/2014/main" id="{407E3AA2-679E-4924-AC1B-FE6C3A02C251}"/>
+                </a:ext>
+              </a:extLst>
+            </p:cNvPr>
+            <p:cNvSpPr txBox="1"/>
+            <p:nvPr/>
+          </p:nvSpPr>
+          <p:spPr>
+            <a:xfrm rot="16200000">
+              <a:off x="10872792" y="3194734"/>
+              <a:ext cx="1992086" cy="646331"/>
+            </a:xfrm>
+            <a:prstGeom prst="rect">
+              <a:avLst/>
+            </a:prstGeom>
+            <a:noFill/>
+          </p:spPr>
+          <p:txBody>
+            <a:bodyPr wrap="square" rtlCol="0">
+              <a:spAutoFit/>
+            </a:bodyPr>
+            <a:lstStyle/>
+            <a:p>
+              <a:pPr algn="ctr"/>
+              <a:r>
+                <a:rPr lang="en-US" sz="3600" b="1" dirty="0">
+                  <a:solidFill>
+                    <a:srgbClr val="F0EEF0"/>
+                  </a:solidFill>
+                  <a:latin typeface="Tw Cen MT" panose="020B0602020104020603" pitchFamily="34" charset="0"/>
+                </a:rPr>
+                <a:t>Equipo</a:t>
+              </a:r>
+            </a:p>
+          </p:txBody>
+        </p:sp>
+        <p:pic>
+          <p:nvPicPr>
+            <p:cNvPr id="54" name="Picture 53">
+              <a:extLst>
+                <a:ext uri="{FF2B5EF4-FFF2-40B4-BE49-F238E27FC236}">
+                  <a16:creationId xmlns:a16="http://schemas.microsoft.com/office/drawing/2014/main" id="{CD9846FC-755F-4A0E-BAD3-A5D51C0E1EBE}"/>
+                </a:ext>
+              </a:extLst>
+            </p:cNvPr>
+            <p:cNvPicPr>
+              <a:picLocks noChangeAspect="1"/>
+            </p:cNvPicPr>
+            <p:nvPr/>
+          </p:nvPicPr>
+          <p:blipFill>
+            <a:blip r:embed="rId2">
+              <a:extLst>
+                <a:ext uri="{28A0092B-C50C-407E-A947-70E740481C1C}">
+                  <a14:useLocalDpi xmlns:a14="http://schemas.microsoft.com/office/drawing/2010/main" val="0"/>
+                </a:ext>
+              </a:extLst>
+            </a:blip>
+            <a:srcRect/>
+            <a:stretch/>
+          </p:blipFill>
+          <p:spPr>
+            <a:xfrm rot="16200000">
+              <a:off x="11129999" y="3247473"/>
+              <a:ext cx="530600" cy="530600"/>
+            </a:xfrm>
+            <a:prstGeom prst="rect">
+              <a:avLst/>
+            </a:prstGeom>
+          </p:spPr>
+        </p:pic>
+      </p:grpSp>
+      <p:grpSp>
+        <p:nvGrpSpPr>
+          <p:cNvPr id="55" name="Group 54">
+            <a:extLst>
+              <a:ext uri="{FF2B5EF4-FFF2-40B4-BE49-F238E27FC236}">
+                <a16:creationId xmlns:a16="http://schemas.microsoft.com/office/drawing/2014/main" id="{F00A67C9-4929-4EFF-9CB6-292640CD2738}"/>
+              </a:ext>
+            </a:extLst>
+          </p:cNvPr>
+          <p:cNvGrpSpPr/>
+          <p:nvPr/>
+        </p:nvGrpSpPr>
+        <p:grpSpPr>
+          <a:xfrm>
+            <a:off x="239488" y="-2"/>
+            <a:ext cx="11447503" cy="6858000"/>
+            <a:chOff x="213096" y="0"/>
+            <a:chExt cx="11447503" cy="6858000"/>
+          </a:xfrm>
+        </p:grpSpPr>
+        <p:sp>
+          <p:nvSpPr>
+            <p:cNvPr id="56" name="Rectangle 55">
+              <a:extLst>
+                <a:ext uri="{FF2B5EF4-FFF2-40B4-BE49-F238E27FC236}">
+                  <a16:creationId xmlns:a16="http://schemas.microsoft.com/office/drawing/2014/main" id="{3E8CDB02-4760-4298-BC44-93A18EB02F13}"/>
+                </a:ext>
+              </a:extLst>
+            </p:cNvPr>
+            <p:cNvSpPr/>
+            <p:nvPr/>
+          </p:nvSpPr>
+          <p:spPr>
+            <a:xfrm>
+              <a:off x="213096" y="0"/>
+              <a:ext cx="11447501" cy="6858000"/>
+            </a:xfrm>
+            <a:prstGeom prst="rect">
+              <a:avLst/>
+            </a:prstGeom>
+            <a:solidFill>
+              <a:srgbClr val="F0EEF0"/>
+            </a:solidFill>
+            <a:ln>
+              <a:noFill/>
+            </a:ln>
+            <a:effectLst>
+              <a:outerShdw blurRad="215900" dist="38100" sx="101000" sy="101000" algn="l" rotWithShape="0">
+                <a:schemeClr val="tx1">
+                  <a:lumMod val="65000"/>
+                  <a:lumOff val="35000"/>
+                  <a:alpha val="35000"/>
+                </a:schemeClr>
+              </a:outerShdw>
+            </a:effectLst>
+          </p:spPr>
+          <p:style>
+            <a:lnRef idx="2">
+              <a:schemeClr val="accent1">
+                <a:shade val="50000"/>
+              </a:schemeClr>
+            </a:lnRef>
+            <a:fillRef idx="1">
+              <a:schemeClr val="accent1"/>
+            </a:fillRef>
+            <a:effectRef idx="0">
+              <a:schemeClr val="accent1"/>
+            </a:effectRef>
+            <a:fontRef idx="minor">
+              <a:schemeClr val="lt1"/>
+            </a:fontRef>
+          </p:style>
+          <p:txBody>
+            <a:bodyPr rtlCol="0" anchor="ctr"/>
+            <a:lstStyle/>
+            <a:p>
+              <a:pPr algn="ctr"/>
+              <a:endParaRPr lang="en-US" dirty="0"/>
+            </a:p>
+          </p:txBody>
+        </p:sp>
+        <p:sp>
+          <p:nvSpPr>
+            <p:cNvPr id="57" name="Freeform: Shape 56">
+              <a:extLst>
+                <a:ext uri="{FF2B5EF4-FFF2-40B4-BE49-F238E27FC236}">
+                  <a16:creationId xmlns:a16="http://schemas.microsoft.com/office/drawing/2014/main" id="{57C0FD50-5E69-463E-A01B-65E9D864A386}"/>
+                </a:ext>
+              </a:extLst>
+            </p:cNvPr>
+            <p:cNvSpPr/>
+            <p:nvPr/>
+          </p:nvSpPr>
+          <p:spPr>
+            <a:xfrm>
+              <a:off x="10492197" y="2337441"/>
+              <a:ext cx="1168400" cy="2360918"/>
+            </a:xfrm>
+            <a:custGeom>
+              <a:avLst/>
+              <a:gdLst>
+                <a:gd name="connsiteX0" fmla="*/ 1168400 w 1168400"/>
+                <a:gd name="connsiteY0" fmla="*/ 0 h 2360918"/>
+                <a:gd name="connsiteX1" fmla="*/ 1168400 w 1168400"/>
+                <a:gd name="connsiteY1" fmla="*/ 2360918 h 2360918"/>
+                <a:gd name="connsiteX2" fmla="*/ 1060340 w 1168400"/>
+                <a:gd name="connsiteY2" fmla="*/ 2355461 h 2360918"/>
+                <a:gd name="connsiteX3" fmla="*/ 0 w 1168400"/>
+                <a:gd name="connsiteY3" fmla="*/ 1180459 h 2360918"/>
+                <a:gd name="connsiteX4" fmla="*/ 1060340 w 1168400"/>
+                <a:gd name="connsiteY4" fmla="*/ 5457 h 2360918"/>
+              </a:gdLst>
+              <a:ahLst/>
+              <a:cxnLst>
+                <a:cxn ang="0">
+                  <a:pos x="connsiteX0" y="connsiteY0"/>
+                </a:cxn>
+                <a:cxn ang="0">
+                  <a:pos x="connsiteX1" y="connsiteY1"/>
+                </a:cxn>
+                <a:cxn ang="0">
+                  <a:pos x="connsiteX2" y="connsiteY2"/>
+                </a:cxn>
+                <a:cxn ang="0">
+                  <a:pos x="connsiteX3" y="connsiteY3"/>
+                </a:cxn>
+                <a:cxn ang="0">
+                  <a:pos x="connsiteX4" y="connsiteY4"/>
+                </a:cxn>
+              </a:cxnLst>
+              <a:rect l="l" t="t" r="r" b="b"/>
+              <a:pathLst>
+                <a:path w="1168400" h="2360918">
+                  <a:moveTo>
+                    <a:pt x="1168400" y="0"/>
+                  </a:moveTo>
+                  <a:lnTo>
+                    <a:pt x="1168400" y="2360918"/>
+                  </a:lnTo>
+                  <a:lnTo>
+                    <a:pt x="1060340" y="2355461"/>
+                  </a:lnTo>
+                  <a:cubicBezTo>
+                    <a:pt x="464762" y="2294977"/>
+                    <a:pt x="0" y="1791994"/>
+                    <a:pt x="0" y="1180459"/>
+                  </a:cubicBezTo>
+                  <a:cubicBezTo>
+                    <a:pt x="0" y="568924"/>
+                    <a:pt x="464762" y="65941"/>
+                    <a:pt x="1060340" y="5457"/>
+                  </a:cubicBezTo>
+                  <a:close/>
+                </a:path>
+              </a:pathLst>
+            </a:custGeom>
+            <a:solidFill>
+              <a:srgbClr val="52CDC0"/>
+            </a:solidFill>
+            <a:ln>
+              <a:noFill/>
+            </a:ln>
+          </p:spPr>
+          <p:style>
+            <a:lnRef idx="2">
+              <a:schemeClr val="accent1">
+                <a:shade val="50000"/>
+              </a:schemeClr>
+            </a:lnRef>
+            <a:fillRef idx="1">
+              <a:schemeClr val="accent1"/>
+            </a:fillRef>
+            <a:effectRef idx="0">
+              <a:schemeClr val="accent1"/>
+            </a:effectRef>
+            <a:fontRef idx="minor">
+              <a:schemeClr val="lt1"/>
+            </a:fontRef>
+          </p:style>
+          <p:txBody>
+            <a:bodyPr rtlCol="0" anchor="ctr"/>
+            <a:lstStyle/>
+            <a:p>
+              <a:pPr algn="ctr"/>
+              <a:endParaRPr lang="en-US" dirty="0"/>
+            </a:p>
+          </p:txBody>
+        </p:sp>
+        <p:sp>
+          <p:nvSpPr>
+            <p:cNvPr id="58" name="TextBox 57">
+              <a:extLst>
+                <a:ext uri="{FF2B5EF4-FFF2-40B4-BE49-F238E27FC236}">
+                  <a16:creationId xmlns:a16="http://schemas.microsoft.com/office/drawing/2014/main" id="{04CBFB1D-37FD-419F-B98C-860BF5217905}"/>
+                </a:ext>
+              </a:extLst>
+            </p:cNvPr>
+            <p:cNvSpPr txBox="1"/>
+            <p:nvPr/>
+          </p:nvSpPr>
+          <p:spPr>
+            <a:xfrm rot="16200000">
+              <a:off x="10341391" y="3105834"/>
+              <a:ext cx="1992086" cy="646331"/>
+            </a:xfrm>
+            <a:prstGeom prst="rect">
+              <a:avLst/>
+            </a:prstGeom>
+            <a:noFill/>
+          </p:spPr>
+          <p:txBody>
+            <a:bodyPr wrap="square" rtlCol="0">
+              <a:spAutoFit/>
+            </a:bodyPr>
+            <a:lstStyle/>
+            <a:p>
+              <a:pPr algn="ctr"/>
+              <a:r>
+                <a:rPr lang="en-US" sz="3600" b="1" dirty="0">
+                  <a:solidFill>
+                    <a:srgbClr val="F0EEF0"/>
+                  </a:solidFill>
+                  <a:latin typeface="Tw Cen MT" panose="020B0602020104020603" pitchFamily="34" charset="0"/>
+                </a:rPr>
+                <a:t>Contexto</a:t>
+              </a:r>
+            </a:p>
+          </p:txBody>
+        </p:sp>
+        <p:pic>
+          <p:nvPicPr>
+            <p:cNvPr id="59" name="Picture 58">
+              <a:extLst>
+                <a:ext uri="{FF2B5EF4-FFF2-40B4-BE49-F238E27FC236}">
+                  <a16:creationId xmlns:a16="http://schemas.microsoft.com/office/drawing/2014/main" id="{60B383F7-52C5-4FB7-AEC3-35A48D7354A0}"/>
+                </a:ext>
+              </a:extLst>
+            </p:cNvPr>
+            <p:cNvPicPr>
+              <a:picLocks noChangeAspect="1"/>
+            </p:cNvPicPr>
+            <p:nvPr/>
+          </p:nvPicPr>
+          <p:blipFill>
+            <a:blip r:embed="rId3">
+              <a:extLst>
+                <a:ext uri="{28A0092B-C50C-407E-A947-70E740481C1C}">
+                  <a14:useLocalDpi xmlns:a14="http://schemas.microsoft.com/office/drawing/2010/main" val="0"/>
+                </a:ext>
+              </a:extLst>
+            </a:blip>
+            <a:srcRect/>
+            <a:stretch/>
+          </p:blipFill>
+          <p:spPr>
+            <a:xfrm rot="16200000">
+              <a:off x="10600933" y="3247473"/>
+              <a:ext cx="530600" cy="530600"/>
+            </a:xfrm>
+            <a:prstGeom prst="rect">
+              <a:avLst/>
+            </a:prstGeom>
+          </p:spPr>
+        </p:pic>
+      </p:grpSp>
+      <p:grpSp>
+        <p:nvGrpSpPr>
+          <p:cNvPr id="60" name="Group 59">
+            <a:extLst>
+              <a:ext uri="{FF2B5EF4-FFF2-40B4-BE49-F238E27FC236}">
+                <a16:creationId xmlns:a16="http://schemas.microsoft.com/office/drawing/2014/main" id="{6F7667A6-1C16-4F0A-A162-61BD16E6BE6B}"/>
+              </a:ext>
+            </a:extLst>
+          </p:cNvPr>
+          <p:cNvGrpSpPr/>
+          <p:nvPr/>
+        </p:nvGrpSpPr>
+        <p:grpSpPr>
+          <a:xfrm>
+            <a:off x="1196833" y="0"/>
+            <a:ext cx="9961092" cy="6858000"/>
+            <a:chOff x="491575" y="0"/>
+            <a:chExt cx="9961092" cy="6858000"/>
+          </a:xfrm>
+        </p:grpSpPr>
+        <p:sp>
+          <p:nvSpPr>
+            <p:cNvPr id="61" name="Rectangle 60">
+              <a:extLst>
+                <a:ext uri="{FF2B5EF4-FFF2-40B4-BE49-F238E27FC236}">
+                  <a16:creationId xmlns:a16="http://schemas.microsoft.com/office/drawing/2014/main" id="{0E8C29A9-4AAB-442C-A7A4-40DCCE0A9694}"/>
+                </a:ext>
+              </a:extLst>
+            </p:cNvPr>
+            <p:cNvSpPr/>
+            <p:nvPr/>
+          </p:nvSpPr>
+          <p:spPr>
+            <a:xfrm>
+              <a:off x="491575" y="0"/>
+              <a:ext cx="9961092" cy="6858000"/>
+            </a:xfrm>
+            <a:prstGeom prst="rect">
+              <a:avLst/>
+            </a:prstGeom>
+            <a:solidFill>
+              <a:srgbClr val="F0EEF0"/>
+            </a:solidFill>
+            <a:ln>
+              <a:noFill/>
+            </a:ln>
+            <a:effectLst>
+              <a:outerShdw blurRad="215900" dist="38100" sx="101000" sy="101000" algn="l" rotWithShape="0">
+                <a:schemeClr val="tx1">
+                  <a:lumMod val="65000"/>
+                  <a:lumOff val="35000"/>
+                  <a:alpha val="35000"/>
+                </a:schemeClr>
+              </a:outerShdw>
+            </a:effectLst>
+          </p:spPr>
+          <p:style>
+            <a:lnRef idx="2">
+              <a:schemeClr val="accent1">
+                <a:shade val="50000"/>
+              </a:schemeClr>
+            </a:lnRef>
+            <a:fillRef idx="1">
+              <a:schemeClr val="accent1"/>
+            </a:fillRef>
+            <a:effectRef idx="0">
+              <a:schemeClr val="accent1"/>
+            </a:effectRef>
+            <a:fontRef idx="minor">
+              <a:schemeClr val="lt1"/>
+            </a:fontRef>
+          </p:style>
+          <p:txBody>
+            <a:bodyPr rtlCol="0" anchor="ctr"/>
+            <a:lstStyle/>
+            <a:p>
+              <a:pPr algn="ctr"/>
+              <a:endParaRPr lang="en-US" dirty="0"/>
+            </a:p>
+          </p:txBody>
+        </p:sp>
+        <p:sp>
+          <p:nvSpPr>
+            <p:cNvPr id="62" name="Freeform: Shape 61">
+              <a:extLst>
+                <a:ext uri="{FF2B5EF4-FFF2-40B4-BE49-F238E27FC236}">
+                  <a16:creationId xmlns:a16="http://schemas.microsoft.com/office/drawing/2014/main" id="{81520FE7-5699-4290-9C3C-51E0C60ECC6B}"/>
+                </a:ext>
+              </a:extLst>
+            </p:cNvPr>
+            <p:cNvSpPr/>
+            <p:nvPr/>
+          </p:nvSpPr>
+          <p:spPr>
+            <a:xfrm>
+              <a:off x="9284267" y="2337440"/>
+              <a:ext cx="1168400" cy="2360918"/>
+            </a:xfrm>
+            <a:custGeom>
+              <a:avLst/>
+              <a:gdLst>
+                <a:gd name="connsiteX0" fmla="*/ 1168400 w 1168400"/>
+                <a:gd name="connsiteY0" fmla="*/ 0 h 2360918"/>
+                <a:gd name="connsiteX1" fmla="*/ 1168400 w 1168400"/>
+                <a:gd name="connsiteY1" fmla="*/ 2360918 h 2360918"/>
+                <a:gd name="connsiteX2" fmla="*/ 1060340 w 1168400"/>
+                <a:gd name="connsiteY2" fmla="*/ 2355461 h 2360918"/>
+                <a:gd name="connsiteX3" fmla="*/ 0 w 1168400"/>
+                <a:gd name="connsiteY3" fmla="*/ 1180459 h 2360918"/>
+                <a:gd name="connsiteX4" fmla="*/ 1060340 w 1168400"/>
+                <a:gd name="connsiteY4" fmla="*/ 5457 h 2360918"/>
+              </a:gdLst>
+              <a:ahLst/>
+              <a:cxnLst>
+                <a:cxn ang="0">
+                  <a:pos x="connsiteX0" y="connsiteY0"/>
+                </a:cxn>
+                <a:cxn ang="0">
+                  <a:pos x="connsiteX1" y="connsiteY1"/>
+                </a:cxn>
+                <a:cxn ang="0">
+                  <a:pos x="connsiteX2" y="connsiteY2"/>
+                </a:cxn>
+                <a:cxn ang="0">
+                  <a:pos x="connsiteX3" y="connsiteY3"/>
+                </a:cxn>
+                <a:cxn ang="0">
+                  <a:pos x="connsiteX4" y="connsiteY4"/>
+                </a:cxn>
+              </a:cxnLst>
+              <a:rect l="l" t="t" r="r" b="b"/>
+              <a:pathLst>
+                <a:path w="1168400" h="2360918">
+                  <a:moveTo>
+                    <a:pt x="1168400" y="0"/>
+                  </a:moveTo>
+                  <a:lnTo>
+                    <a:pt x="1168400" y="2360918"/>
+                  </a:lnTo>
+                  <a:lnTo>
+                    <a:pt x="1060340" y="2355461"/>
+                  </a:lnTo>
+                  <a:cubicBezTo>
+                    <a:pt x="464762" y="2294977"/>
+                    <a:pt x="0" y="1791994"/>
+                    <a:pt x="0" y="1180459"/>
+                  </a:cubicBezTo>
+                  <a:cubicBezTo>
+                    <a:pt x="0" y="568924"/>
+                    <a:pt x="464762" y="65941"/>
+                    <a:pt x="1060340" y="5457"/>
+                  </a:cubicBezTo>
+                  <a:close/>
+                </a:path>
+              </a:pathLst>
+            </a:custGeom>
+            <a:solidFill>
+              <a:srgbClr val="FFC730"/>
+            </a:solidFill>
+            <a:ln>
+              <a:noFill/>
+            </a:ln>
+          </p:spPr>
+          <p:style>
+            <a:lnRef idx="2">
+              <a:schemeClr val="accent1">
+                <a:shade val="50000"/>
+              </a:schemeClr>
+            </a:lnRef>
+            <a:fillRef idx="1">
+              <a:schemeClr val="accent1"/>
+            </a:fillRef>
+            <a:effectRef idx="0">
+              <a:schemeClr val="accent1"/>
+            </a:effectRef>
+            <a:fontRef idx="minor">
+              <a:schemeClr val="lt1"/>
+            </a:fontRef>
+          </p:style>
+          <p:txBody>
+            <a:bodyPr rtlCol="0" anchor="ctr"/>
+            <a:lstStyle/>
+            <a:p>
+              <a:pPr algn="ctr"/>
+              <a:endParaRPr lang="en-US" dirty="0"/>
+            </a:p>
+          </p:txBody>
+        </p:sp>
+        <p:sp>
+          <p:nvSpPr>
+            <p:cNvPr id="63" name="TextBox 62">
+              <a:extLst>
+                <a:ext uri="{FF2B5EF4-FFF2-40B4-BE49-F238E27FC236}">
+                  <a16:creationId xmlns:a16="http://schemas.microsoft.com/office/drawing/2014/main" id="{AFD50D6F-822B-4109-8B0C-BA004A0B7145}"/>
+                </a:ext>
+              </a:extLst>
+            </p:cNvPr>
+            <p:cNvSpPr txBox="1"/>
+            <p:nvPr/>
+          </p:nvSpPr>
+          <p:spPr>
+            <a:xfrm rot="16200000">
+              <a:off x="9117129" y="3189611"/>
+              <a:ext cx="1992086" cy="646331"/>
+            </a:xfrm>
+            <a:prstGeom prst="rect">
+              <a:avLst/>
+            </a:prstGeom>
+            <a:noFill/>
+          </p:spPr>
+          <p:txBody>
+            <a:bodyPr wrap="square" rtlCol="0">
+              <a:spAutoFit/>
+            </a:bodyPr>
+            <a:lstStyle/>
+            <a:p>
+              <a:pPr algn="ctr"/>
+              <a:r>
+                <a:rPr lang="en-US" sz="3600" b="1" dirty="0">
+                  <a:solidFill>
+                    <a:srgbClr val="F0EEF0"/>
+                  </a:solidFill>
+                  <a:latin typeface="Tw Cen MT" panose="020B0602020104020603" pitchFamily="34" charset="0"/>
+                </a:rPr>
+                <a:t>Plan</a:t>
+              </a:r>
+            </a:p>
+          </p:txBody>
+        </p:sp>
+        <p:pic>
+          <p:nvPicPr>
+            <p:cNvPr id="64" name="Picture 63">
+              <a:extLst>
+                <a:ext uri="{FF2B5EF4-FFF2-40B4-BE49-F238E27FC236}">
+                  <a16:creationId xmlns:a16="http://schemas.microsoft.com/office/drawing/2014/main" id="{0376C61F-147B-441E-B32E-45D5BC1B66B5}"/>
+                </a:ext>
+              </a:extLst>
+            </p:cNvPr>
+            <p:cNvPicPr>
+              <a:picLocks noChangeAspect="1"/>
+            </p:cNvPicPr>
+            <p:nvPr/>
+          </p:nvPicPr>
+          <p:blipFill>
+            <a:blip r:embed="rId4">
+              <a:extLst>
+                <a:ext uri="{28A0092B-C50C-407E-A947-70E740481C1C}">
+                  <a14:useLocalDpi xmlns:a14="http://schemas.microsoft.com/office/drawing/2010/main" val="0"/>
+                </a:ext>
+              </a:extLst>
+            </a:blip>
+            <a:stretch>
+              <a:fillRect/>
+            </a:stretch>
+          </p:blipFill>
+          <p:spPr>
+            <a:xfrm rot="16200000">
+              <a:off x="9385467" y="3247473"/>
+              <a:ext cx="530600" cy="530600"/>
+            </a:xfrm>
+            <a:prstGeom prst="rect">
+              <a:avLst/>
+            </a:prstGeom>
+          </p:spPr>
+        </p:pic>
+      </p:grpSp>
+      <p:sp>
+        <p:nvSpPr>
+          <p:cNvPr id="70" name="Rectangle 69">
+            <a:extLst>
+              <a:ext uri="{FF2B5EF4-FFF2-40B4-BE49-F238E27FC236}">
+                <a16:creationId xmlns:a16="http://schemas.microsoft.com/office/drawing/2014/main" id="{990CE96C-B0E8-49CB-B717-EBFFECB66027}"/>
+              </a:ext>
+            </a:extLst>
+          </p:cNvPr>
+          <p:cNvSpPr/>
+          <p:nvPr/>
+        </p:nvSpPr>
+        <p:spPr>
+          <a:xfrm>
+            <a:off x="-7962177" y="-1"/>
+            <a:ext cx="5781368" cy="6858000"/>
+          </a:xfrm>
+          <a:prstGeom prst="rect">
+            <a:avLst/>
+          </a:prstGeom>
+          <a:solidFill>
+            <a:srgbClr val="F0EEF0"/>
+          </a:solidFill>
+          <a:ln>
+            <a:noFill/>
+          </a:ln>
+          <a:effectLst>
+            <a:outerShdw blurRad="215900" dist="38100" sx="101000" sy="101000" algn="l" rotWithShape="0">
+              <a:schemeClr val="tx1">
+                <a:lumMod val="65000"/>
+                <a:lumOff val="35000"/>
+                <a:alpha val="35000"/>
+              </a:schemeClr>
+            </a:outerShdw>
+          </a:effectLst>
+        </p:spPr>
+        <p:style>
+          <a:lnRef idx="2">
+            <a:schemeClr val="accent1">
+              <a:shade val="50000"/>
+            </a:schemeClr>
+          </a:lnRef>
+          <a:fillRef idx="1">
+            <a:schemeClr val="accent1"/>
+          </a:fillRef>
+          <a:effectRef idx="0">
+            <a:schemeClr val="accent1"/>
+          </a:effectRef>
+          <a:fontRef idx="minor">
+            <a:schemeClr val="lt1"/>
+          </a:fontRef>
+        </p:style>
+        <p:txBody>
+          <a:bodyPr rtlCol="0" anchor="ctr"/>
+          <a:lstStyle/>
+          <a:p>
+            <a:pPr algn="ctr"/>
+            <a:endParaRPr lang="en-US" dirty="0"/>
+          </a:p>
+        </p:txBody>
+      </p:sp>
+      <p:grpSp>
+        <p:nvGrpSpPr>
+          <p:cNvPr id="95" name="Group 94">
+            <a:extLst>
+              <a:ext uri="{FF2B5EF4-FFF2-40B4-BE49-F238E27FC236}">
+                <a16:creationId xmlns:a16="http://schemas.microsoft.com/office/drawing/2014/main" id="{4E70D3F9-D583-4ACD-8480-0F4A65ED3C83}"/>
+              </a:ext>
+            </a:extLst>
+          </p:cNvPr>
+          <p:cNvGrpSpPr/>
+          <p:nvPr/>
+        </p:nvGrpSpPr>
+        <p:grpSpPr>
+          <a:xfrm>
+            <a:off x="1049062" y="0"/>
+            <a:ext cx="9574094" cy="6858000"/>
+            <a:chOff x="491575" y="0"/>
+            <a:chExt cx="9574094" cy="6858000"/>
+          </a:xfrm>
+        </p:grpSpPr>
+        <p:sp>
+          <p:nvSpPr>
+            <p:cNvPr id="96" name="Rectangle 95">
+              <a:extLst>
+                <a:ext uri="{FF2B5EF4-FFF2-40B4-BE49-F238E27FC236}">
+                  <a16:creationId xmlns:a16="http://schemas.microsoft.com/office/drawing/2014/main" id="{321108FC-08B5-45CC-AB47-1104119B25FD}"/>
+                </a:ext>
+              </a:extLst>
+            </p:cNvPr>
+            <p:cNvSpPr/>
+            <p:nvPr/>
+          </p:nvSpPr>
+          <p:spPr>
+            <a:xfrm>
+              <a:off x="491575" y="0"/>
+              <a:ext cx="9574094" cy="6858000"/>
+            </a:xfrm>
+            <a:prstGeom prst="rect">
+              <a:avLst/>
+            </a:prstGeom>
+            <a:solidFill>
+              <a:srgbClr val="F0EEF0"/>
+            </a:solidFill>
+            <a:ln>
+              <a:noFill/>
+            </a:ln>
+            <a:effectLst>
+              <a:outerShdw blurRad="215900" dist="38100" sx="101000" sy="101000" algn="l" rotWithShape="0">
+                <a:schemeClr val="tx1">
+                  <a:lumMod val="65000"/>
+                  <a:lumOff val="35000"/>
+                  <a:alpha val="35000"/>
+                </a:schemeClr>
+              </a:outerShdw>
+            </a:effectLst>
+          </p:spPr>
+          <p:style>
+            <a:lnRef idx="2">
+              <a:schemeClr val="accent1">
+                <a:shade val="50000"/>
+              </a:schemeClr>
+            </a:lnRef>
+            <a:fillRef idx="1">
+              <a:schemeClr val="accent1"/>
+            </a:fillRef>
+            <a:effectRef idx="0">
+              <a:schemeClr val="accent1"/>
+            </a:effectRef>
+            <a:fontRef idx="minor">
+              <a:schemeClr val="lt1"/>
+            </a:fontRef>
+          </p:style>
+          <p:txBody>
+            <a:bodyPr rtlCol="0" anchor="ctr"/>
+            <a:lstStyle/>
+            <a:p>
+              <a:pPr algn="ctr"/>
+              <a:endParaRPr lang="en-US" dirty="0"/>
+            </a:p>
+          </p:txBody>
+        </p:sp>
+        <p:sp>
+          <p:nvSpPr>
+            <p:cNvPr id="97" name="Freeform: Shape 96">
+              <a:extLst>
+                <a:ext uri="{FF2B5EF4-FFF2-40B4-BE49-F238E27FC236}">
+                  <a16:creationId xmlns:a16="http://schemas.microsoft.com/office/drawing/2014/main" id="{96A47C8C-7F88-484E-817B-572BEDC2BC69}"/>
+                </a:ext>
+              </a:extLst>
+            </p:cNvPr>
+            <p:cNvSpPr/>
+            <p:nvPr/>
+          </p:nvSpPr>
+          <p:spPr>
+            <a:xfrm>
+              <a:off x="8897260" y="2337440"/>
+              <a:ext cx="1168400" cy="2360918"/>
+            </a:xfrm>
+            <a:custGeom>
+              <a:avLst/>
+              <a:gdLst>
+                <a:gd name="connsiteX0" fmla="*/ 1168400 w 1168400"/>
+                <a:gd name="connsiteY0" fmla="*/ 0 h 2360918"/>
+                <a:gd name="connsiteX1" fmla="*/ 1168400 w 1168400"/>
+                <a:gd name="connsiteY1" fmla="*/ 2360918 h 2360918"/>
+                <a:gd name="connsiteX2" fmla="*/ 1060340 w 1168400"/>
+                <a:gd name="connsiteY2" fmla="*/ 2355461 h 2360918"/>
+                <a:gd name="connsiteX3" fmla="*/ 0 w 1168400"/>
+                <a:gd name="connsiteY3" fmla="*/ 1180459 h 2360918"/>
+                <a:gd name="connsiteX4" fmla="*/ 1060340 w 1168400"/>
+                <a:gd name="connsiteY4" fmla="*/ 5457 h 2360918"/>
+              </a:gdLst>
+              <a:ahLst/>
+              <a:cxnLst>
+                <a:cxn ang="0">
+                  <a:pos x="connsiteX0" y="connsiteY0"/>
+                </a:cxn>
+                <a:cxn ang="0">
+                  <a:pos x="connsiteX1" y="connsiteY1"/>
+                </a:cxn>
+                <a:cxn ang="0">
+                  <a:pos x="connsiteX2" y="connsiteY2"/>
+                </a:cxn>
+                <a:cxn ang="0">
+                  <a:pos x="connsiteX3" y="connsiteY3"/>
+                </a:cxn>
+                <a:cxn ang="0">
+                  <a:pos x="connsiteX4" y="connsiteY4"/>
+                </a:cxn>
+              </a:cxnLst>
+              <a:rect l="l" t="t" r="r" b="b"/>
+              <a:pathLst>
+                <a:path w="1168400" h="2360918">
+                  <a:moveTo>
+                    <a:pt x="1168400" y="0"/>
+                  </a:moveTo>
+                  <a:lnTo>
+                    <a:pt x="1168400" y="2360918"/>
+                  </a:lnTo>
+                  <a:lnTo>
+                    <a:pt x="1060340" y="2355461"/>
+                  </a:lnTo>
+                  <a:cubicBezTo>
+                    <a:pt x="464762" y="2294977"/>
+                    <a:pt x="0" y="1791994"/>
+                    <a:pt x="0" y="1180459"/>
+                  </a:cubicBezTo>
+                  <a:cubicBezTo>
+                    <a:pt x="0" y="568924"/>
+                    <a:pt x="464762" y="65941"/>
+                    <a:pt x="1060340" y="5457"/>
+                  </a:cubicBezTo>
+                  <a:close/>
+                </a:path>
+              </a:pathLst>
+            </a:custGeom>
+            <a:solidFill>
+              <a:srgbClr val="FF0000"/>
+            </a:solidFill>
+            <a:ln>
+              <a:noFill/>
+            </a:ln>
+          </p:spPr>
+          <p:style>
+            <a:lnRef idx="2">
+              <a:schemeClr val="accent1">
+                <a:shade val="50000"/>
+              </a:schemeClr>
+            </a:lnRef>
+            <a:fillRef idx="1">
+              <a:schemeClr val="accent1"/>
+            </a:fillRef>
+            <a:effectRef idx="0">
+              <a:schemeClr val="accent1"/>
+            </a:effectRef>
+            <a:fontRef idx="minor">
+              <a:schemeClr val="lt1"/>
+            </a:fontRef>
+          </p:style>
+          <p:txBody>
+            <a:bodyPr rtlCol="0" anchor="ctr"/>
+            <a:lstStyle/>
+            <a:p>
+              <a:pPr algn="ctr"/>
+              <a:endParaRPr lang="en-US" dirty="0"/>
+            </a:p>
+          </p:txBody>
+        </p:sp>
+        <p:sp>
+          <p:nvSpPr>
+            <p:cNvPr id="98" name="TextBox 97">
+              <a:extLst>
+                <a:ext uri="{FF2B5EF4-FFF2-40B4-BE49-F238E27FC236}">
+                  <a16:creationId xmlns:a16="http://schemas.microsoft.com/office/drawing/2014/main" id="{E3DB5570-AC77-4396-9748-4183DF7C8396}"/>
+                </a:ext>
+              </a:extLst>
+            </p:cNvPr>
+            <p:cNvSpPr txBox="1"/>
+            <p:nvPr/>
+          </p:nvSpPr>
+          <p:spPr>
+            <a:xfrm rot="16200000">
+              <a:off x="8746453" y="3189610"/>
+              <a:ext cx="1992086" cy="646331"/>
+            </a:xfrm>
+            <a:prstGeom prst="rect">
+              <a:avLst/>
+            </a:prstGeom>
+            <a:noFill/>
+          </p:spPr>
+          <p:txBody>
+            <a:bodyPr wrap="square" rtlCol="0">
+              <a:spAutoFit/>
+            </a:bodyPr>
+            <a:lstStyle/>
+            <a:p>
+              <a:pPr algn="ctr"/>
+              <a:r>
+                <a:rPr lang="en-US" sz="3600" b="1">
+                  <a:solidFill>
+                    <a:srgbClr val="F0EEF0"/>
+                  </a:solidFill>
+                  <a:latin typeface="Tw Cen MT" panose="020B0602020104020603" pitchFamily="34" charset="0"/>
+                </a:rPr>
+                <a:t>Servicios</a:t>
+              </a:r>
+              <a:endParaRPr lang="en-US" sz="3600" b="1" dirty="0">
+                <a:solidFill>
+                  <a:srgbClr val="F0EEF0"/>
+                </a:solidFill>
+                <a:latin typeface="Tw Cen MT" panose="020B0602020104020603" pitchFamily="34" charset="0"/>
+              </a:endParaRPr>
+            </a:p>
+          </p:txBody>
+        </p:sp>
+        <p:pic>
+          <p:nvPicPr>
+            <p:cNvPr id="99" name="Picture 98">
+              <a:extLst>
+                <a:ext uri="{FF2B5EF4-FFF2-40B4-BE49-F238E27FC236}">
+                  <a16:creationId xmlns:a16="http://schemas.microsoft.com/office/drawing/2014/main" id="{F6ED4041-CDD9-443D-802E-47D4387906FA}"/>
+                </a:ext>
+              </a:extLst>
+            </p:cNvPr>
+            <p:cNvPicPr>
+              <a:picLocks noChangeAspect="1"/>
+            </p:cNvPicPr>
+            <p:nvPr/>
+          </p:nvPicPr>
+          <p:blipFill>
+            <a:blip r:embed="rId5">
+              <a:extLst>
+                <a:ext uri="{28A0092B-C50C-407E-A947-70E740481C1C}">
+                  <a14:useLocalDpi xmlns:a14="http://schemas.microsoft.com/office/drawing/2010/main" val="0"/>
+                </a:ext>
+              </a:extLst>
+            </a:blip>
+            <a:srcRect/>
+            <a:stretch/>
+          </p:blipFill>
+          <p:spPr>
+            <a:xfrm rot="16200000">
+              <a:off x="8992269" y="3247473"/>
+              <a:ext cx="530600" cy="530600"/>
+            </a:xfrm>
+            <a:prstGeom prst="rect">
+              <a:avLst/>
+            </a:prstGeom>
+          </p:spPr>
+        </p:pic>
+      </p:grpSp>
+      <p:grpSp>
+        <p:nvGrpSpPr>
+          <p:cNvPr id="71" name="Group 70">
+            <a:extLst>
+              <a:ext uri="{FF2B5EF4-FFF2-40B4-BE49-F238E27FC236}">
+                <a16:creationId xmlns:a16="http://schemas.microsoft.com/office/drawing/2014/main" id="{E7044FAB-DB4A-4E59-B111-8CA4168E7FA4}"/>
+              </a:ext>
+            </a:extLst>
+          </p:cNvPr>
+          <p:cNvGrpSpPr/>
+          <p:nvPr/>
+        </p:nvGrpSpPr>
+        <p:grpSpPr>
+          <a:xfrm>
+            <a:off x="-7613143" y="-1"/>
+            <a:ext cx="8692332" cy="6858000"/>
+            <a:chOff x="718505" y="-1"/>
+            <a:chExt cx="8692332" cy="6858000"/>
+          </a:xfrm>
+        </p:grpSpPr>
+        <p:sp>
+          <p:nvSpPr>
+            <p:cNvPr id="72" name="Rectangle 71">
+              <a:extLst>
+                <a:ext uri="{FF2B5EF4-FFF2-40B4-BE49-F238E27FC236}">
+                  <a16:creationId xmlns:a16="http://schemas.microsoft.com/office/drawing/2014/main" id="{824F072A-08CC-4CC6-B5EF-C1833A244FA3}"/>
+                </a:ext>
+              </a:extLst>
+            </p:cNvPr>
+            <p:cNvSpPr/>
+            <p:nvPr/>
+          </p:nvSpPr>
+          <p:spPr>
+            <a:xfrm>
+              <a:off x="718505" y="-1"/>
+              <a:ext cx="8692331" cy="6858000"/>
+            </a:xfrm>
+            <a:prstGeom prst="rect">
+              <a:avLst/>
+            </a:prstGeom>
+            <a:solidFill>
+              <a:srgbClr val="F0EEF0"/>
+            </a:solidFill>
+            <a:ln>
+              <a:noFill/>
+            </a:ln>
+            <a:effectLst>
+              <a:outerShdw blurRad="215900" dist="38100" sx="101000" sy="101000" algn="l" rotWithShape="0">
+                <a:schemeClr val="tx1">
+                  <a:lumMod val="65000"/>
+                  <a:lumOff val="35000"/>
+                  <a:alpha val="35000"/>
+                </a:schemeClr>
+              </a:outerShdw>
+            </a:effectLst>
+          </p:spPr>
+          <p:style>
+            <a:lnRef idx="2">
+              <a:schemeClr val="accent1">
+                <a:shade val="50000"/>
+              </a:schemeClr>
+            </a:lnRef>
+            <a:fillRef idx="1">
+              <a:schemeClr val="accent1"/>
+            </a:fillRef>
+            <a:effectRef idx="0">
+              <a:schemeClr val="accent1"/>
+            </a:effectRef>
+            <a:fontRef idx="minor">
+              <a:schemeClr val="lt1"/>
+            </a:fontRef>
+          </p:style>
+          <p:txBody>
+            <a:bodyPr rtlCol="0" anchor="ctr"/>
+            <a:lstStyle/>
+            <a:p>
+              <a:pPr algn="ctr"/>
+              <a:endParaRPr lang="en-US" dirty="0"/>
+            </a:p>
+          </p:txBody>
+        </p:sp>
+        <p:sp>
+          <p:nvSpPr>
+            <p:cNvPr id="73" name="Freeform: Shape 72">
+              <a:extLst>
+                <a:ext uri="{FF2B5EF4-FFF2-40B4-BE49-F238E27FC236}">
+                  <a16:creationId xmlns:a16="http://schemas.microsoft.com/office/drawing/2014/main" id="{A3C6C4A9-8B6A-429B-980E-26CD0C3A573E}"/>
+                </a:ext>
+              </a:extLst>
+            </p:cNvPr>
+            <p:cNvSpPr/>
+            <p:nvPr/>
+          </p:nvSpPr>
+          <p:spPr>
+            <a:xfrm>
+              <a:off x="8242436" y="2337439"/>
+              <a:ext cx="1168400" cy="2360918"/>
+            </a:xfrm>
+            <a:custGeom>
+              <a:avLst/>
+              <a:gdLst>
+                <a:gd name="connsiteX0" fmla="*/ 1168400 w 1168400"/>
+                <a:gd name="connsiteY0" fmla="*/ 0 h 2360918"/>
+                <a:gd name="connsiteX1" fmla="*/ 1168400 w 1168400"/>
+                <a:gd name="connsiteY1" fmla="*/ 2360918 h 2360918"/>
+                <a:gd name="connsiteX2" fmla="*/ 1060340 w 1168400"/>
+                <a:gd name="connsiteY2" fmla="*/ 2355461 h 2360918"/>
+                <a:gd name="connsiteX3" fmla="*/ 0 w 1168400"/>
+                <a:gd name="connsiteY3" fmla="*/ 1180459 h 2360918"/>
+                <a:gd name="connsiteX4" fmla="*/ 1060340 w 1168400"/>
+                <a:gd name="connsiteY4" fmla="*/ 5457 h 2360918"/>
+              </a:gdLst>
+              <a:ahLst/>
+              <a:cxnLst>
+                <a:cxn ang="0">
+                  <a:pos x="connsiteX0" y="connsiteY0"/>
+                </a:cxn>
+                <a:cxn ang="0">
+                  <a:pos x="connsiteX1" y="connsiteY1"/>
+                </a:cxn>
+                <a:cxn ang="0">
+                  <a:pos x="connsiteX2" y="connsiteY2"/>
+                </a:cxn>
+                <a:cxn ang="0">
+                  <a:pos x="connsiteX3" y="connsiteY3"/>
+                </a:cxn>
+                <a:cxn ang="0">
+                  <a:pos x="connsiteX4" y="connsiteY4"/>
+                </a:cxn>
+              </a:cxnLst>
+              <a:rect l="l" t="t" r="r" b="b"/>
+              <a:pathLst>
+                <a:path w="1168400" h="2360918">
+                  <a:moveTo>
+                    <a:pt x="1168400" y="0"/>
+                  </a:moveTo>
+                  <a:lnTo>
+                    <a:pt x="1168400" y="2360918"/>
+                  </a:lnTo>
+                  <a:lnTo>
+                    <a:pt x="1060340" y="2355461"/>
+                  </a:lnTo>
+                  <a:cubicBezTo>
+                    <a:pt x="464762" y="2294977"/>
+                    <a:pt x="0" y="1791994"/>
+                    <a:pt x="0" y="1180459"/>
+                  </a:cubicBezTo>
+                  <a:cubicBezTo>
+                    <a:pt x="0" y="568924"/>
+                    <a:pt x="464762" y="65941"/>
+                    <a:pt x="1060340" y="5457"/>
+                  </a:cubicBezTo>
+                  <a:close/>
+                </a:path>
+              </a:pathLst>
+            </a:custGeom>
+            <a:solidFill>
+              <a:srgbClr val="92D050"/>
+            </a:solidFill>
+            <a:ln>
+              <a:noFill/>
+            </a:ln>
+          </p:spPr>
+          <p:style>
+            <a:lnRef idx="2">
+              <a:schemeClr val="accent1">
+                <a:shade val="50000"/>
+              </a:schemeClr>
+            </a:lnRef>
+            <a:fillRef idx="1">
+              <a:schemeClr val="accent1"/>
+            </a:fillRef>
+            <a:effectRef idx="0">
+              <a:schemeClr val="accent1"/>
+            </a:effectRef>
+            <a:fontRef idx="minor">
+              <a:schemeClr val="lt1"/>
+            </a:fontRef>
+          </p:style>
+          <p:txBody>
+            <a:bodyPr rtlCol="0" anchor="ctr"/>
+            <a:lstStyle/>
+            <a:p>
+              <a:pPr algn="ctr"/>
+              <a:endParaRPr lang="en-US" dirty="0"/>
+            </a:p>
+          </p:txBody>
+        </p:sp>
+        <p:sp>
+          <p:nvSpPr>
+            <p:cNvPr id="74" name="TextBox 73">
+              <a:extLst>
+                <a:ext uri="{FF2B5EF4-FFF2-40B4-BE49-F238E27FC236}">
+                  <a16:creationId xmlns:a16="http://schemas.microsoft.com/office/drawing/2014/main" id="{858AC381-BFD1-4A89-AE49-8ADC853A6849}"/>
+                </a:ext>
+              </a:extLst>
+            </p:cNvPr>
+            <p:cNvSpPr txBox="1"/>
+            <p:nvPr/>
+          </p:nvSpPr>
+          <p:spPr>
+            <a:xfrm rot="16200000">
+              <a:off x="8091629" y="3189609"/>
+              <a:ext cx="1992086" cy="646331"/>
+            </a:xfrm>
+            <a:prstGeom prst="rect">
+              <a:avLst/>
+            </a:prstGeom>
+            <a:noFill/>
+          </p:spPr>
+          <p:txBody>
+            <a:bodyPr wrap="square" rtlCol="0">
+              <a:spAutoFit/>
+            </a:bodyPr>
+            <a:lstStyle/>
+            <a:p>
+              <a:pPr algn="ctr"/>
+              <a:r>
+                <a:rPr lang="en-US" sz="3600" b="1" dirty="0">
+                  <a:solidFill>
+                    <a:srgbClr val="F0EEF0"/>
+                  </a:solidFill>
+                  <a:latin typeface="Tw Cen MT" panose="020B0602020104020603" pitchFamily="34" charset="0"/>
+                </a:rPr>
+                <a:t>Android</a:t>
+              </a:r>
+            </a:p>
+          </p:txBody>
+        </p:sp>
+        <p:pic>
+          <p:nvPicPr>
+            <p:cNvPr id="75" name="Picture 74">
+              <a:extLst>
+                <a:ext uri="{FF2B5EF4-FFF2-40B4-BE49-F238E27FC236}">
+                  <a16:creationId xmlns:a16="http://schemas.microsoft.com/office/drawing/2014/main" id="{9DF2E944-82FA-495B-8A5C-9BDE26355383}"/>
+                </a:ext>
+              </a:extLst>
+            </p:cNvPr>
+            <p:cNvPicPr>
+              <a:picLocks noChangeAspect="1"/>
+            </p:cNvPicPr>
+            <p:nvPr/>
+          </p:nvPicPr>
+          <p:blipFill>
+            <a:blip r:embed="rId6">
+              <a:extLst>
+                <a:ext uri="{28A0092B-C50C-407E-A947-70E740481C1C}">
+                  <a14:useLocalDpi xmlns:a14="http://schemas.microsoft.com/office/drawing/2010/main" val="0"/>
+                </a:ext>
+              </a:extLst>
+            </a:blip>
+            <a:srcRect/>
+            <a:stretch/>
+          </p:blipFill>
+          <p:spPr>
+            <a:xfrm rot="16200000">
+              <a:off x="8340472" y="3247473"/>
+              <a:ext cx="530600" cy="530600"/>
+            </a:xfrm>
+            <a:prstGeom prst="rect">
+              <a:avLst/>
+            </a:prstGeom>
+          </p:spPr>
+        </p:pic>
+      </p:grpSp>
+      <p:grpSp>
+        <p:nvGrpSpPr>
+          <p:cNvPr id="76" name="Group 75">
+            <a:extLst>
+              <a:ext uri="{FF2B5EF4-FFF2-40B4-BE49-F238E27FC236}">
+                <a16:creationId xmlns:a16="http://schemas.microsoft.com/office/drawing/2014/main" id="{60E31D48-090A-4A9C-AF5C-4B0C49C47C7D}"/>
+              </a:ext>
+            </a:extLst>
+          </p:cNvPr>
+          <p:cNvGrpSpPr/>
+          <p:nvPr/>
+        </p:nvGrpSpPr>
+        <p:grpSpPr>
+          <a:xfrm>
+            <a:off x="-9395082" y="-1"/>
+            <a:ext cx="9927504" cy="6858000"/>
+            <a:chOff x="-9337032" y="-1"/>
+            <a:chExt cx="9927504" cy="6858000"/>
+          </a:xfrm>
+        </p:grpSpPr>
+        <p:sp>
+          <p:nvSpPr>
+            <p:cNvPr id="77" name="Rectangle 76">
+              <a:extLst>
+                <a:ext uri="{FF2B5EF4-FFF2-40B4-BE49-F238E27FC236}">
+                  <a16:creationId xmlns:a16="http://schemas.microsoft.com/office/drawing/2014/main" id="{3A79A714-CB74-4EFD-9BC1-A7F2F993842A}"/>
+                </a:ext>
+              </a:extLst>
+            </p:cNvPr>
+            <p:cNvSpPr/>
+            <p:nvPr/>
+          </p:nvSpPr>
+          <p:spPr>
+            <a:xfrm>
+              <a:off x="-9337032" y="-1"/>
+              <a:ext cx="9923504" cy="6858000"/>
+            </a:xfrm>
+            <a:prstGeom prst="rect">
+              <a:avLst/>
+            </a:prstGeom>
+            <a:solidFill>
+              <a:srgbClr val="F0EEF0"/>
+            </a:solidFill>
+            <a:ln>
+              <a:noFill/>
+            </a:ln>
+            <a:effectLst>
+              <a:outerShdw blurRad="215900" dist="38100" sx="101000" sy="101000" algn="l" rotWithShape="0">
+                <a:schemeClr val="tx1">
+                  <a:lumMod val="65000"/>
+                  <a:lumOff val="35000"/>
+                  <a:alpha val="35000"/>
+                </a:schemeClr>
+              </a:outerShdw>
+            </a:effectLst>
+          </p:spPr>
+          <p:style>
+            <a:lnRef idx="2">
+              <a:schemeClr val="accent1">
+                <a:shade val="50000"/>
+              </a:schemeClr>
+            </a:lnRef>
+            <a:fillRef idx="1">
+              <a:schemeClr val="accent1"/>
+            </a:fillRef>
+            <a:effectRef idx="0">
+              <a:schemeClr val="accent1"/>
+            </a:effectRef>
+            <a:fontRef idx="minor">
+              <a:schemeClr val="lt1"/>
+            </a:fontRef>
+          </p:style>
+          <p:txBody>
+            <a:bodyPr rtlCol="0" anchor="ctr"/>
+            <a:lstStyle/>
+            <a:p>
+              <a:pPr algn="ctr"/>
+              <a:endParaRPr lang="en-US" dirty="0"/>
+            </a:p>
+          </p:txBody>
+        </p:sp>
+        <p:sp>
+          <p:nvSpPr>
+            <p:cNvPr id="78" name="Freeform: Shape 77">
+              <a:extLst>
+                <a:ext uri="{FF2B5EF4-FFF2-40B4-BE49-F238E27FC236}">
+                  <a16:creationId xmlns:a16="http://schemas.microsoft.com/office/drawing/2014/main" id="{B006C60A-833A-41C2-A553-8132E7B3A7DB}"/>
+                </a:ext>
+              </a:extLst>
+            </p:cNvPr>
+            <p:cNvSpPr/>
+            <p:nvPr/>
+          </p:nvSpPr>
+          <p:spPr>
+            <a:xfrm>
+              <a:off x="-577928" y="2337438"/>
+              <a:ext cx="1168400" cy="2360918"/>
+            </a:xfrm>
+            <a:custGeom>
+              <a:avLst/>
+              <a:gdLst>
+                <a:gd name="connsiteX0" fmla="*/ 1168400 w 1168400"/>
+                <a:gd name="connsiteY0" fmla="*/ 0 h 2360918"/>
+                <a:gd name="connsiteX1" fmla="*/ 1168400 w 1168400"/>
+                <a:gd name="connsiteY1" fmla="*/ 2360918 h 2360918"/>
+                <a:gd name="connsiteX2" fmla="*/ 1060340 w 1168400"/>
+                <a:gd name="connsiteY2" fmla="*/ 2355461 h 2360918"/>
+                <a:gd name="connsiteX3" fmla="*/ 0 w 1168400"/>
+                <a:gd name="connsiteY3" fmla="*/ 1180459 h 2360918"/>
+                <a:gd name="connsiteX4" fmla="*/ 1060340 w 1168400"/>
+                <a:gd name="connsiteY4" fmla="*/ 5457 h 2360918"/>
+              </a:gdLst>
+              <a:ahLst/>
+              <a:cxnLst>
+                <a:cxn ang="0">
+                  <a:pos x="connsiteX0" y="connsiteY0"/>
+                </a:cxn>
+                <a:cxn ang="0">
+                  <a:pos x="connsiteX1" y="connsiteY1"/>
+                </a:cxn>
+                <a:cxn ang="0">
+                  <a:pos x="connsiteX2" y="connsiteY2"/>
+                </a:cxn>
+                <a:cxn ang="0">
+                  <a:pos x="connsiteX3" y="connsiteY3"/>
+                </a:cxn>
+                <a:cxn ang="0">
+                  <a:pos x="connsiteX4" y="connsiteY4"/>
+                </a:cxn>
+              </a:cxnLst>
+              <a:rect l="l" t="t" r="r" b="b"/>
+              <a:pathLst>
+                <a:path w="1168400" h="2360918">
+                  <a:moveTo>
+                    <a:pt x="1168400" y="0"/>
+                  </a:moveTo>
+                  <a:lnTo>
+                    <a:pt x="1168400" y="2360918"/>
+                  </a:lnTo>
+                  <a:lnTo>
+                    <a:pt x="1060340" y="2355461"/>
+                  </a:lnTo>
+                  <a:cubicBezTo>
+                    <a:pt x="464762" y="2294977"/>
+                    <a:pt x="0" y="1791994"/>
+                    <a:pt x="0" y="1180459"/>
+                  </a:cubicBezTo>
+                  <a:cubicBezTo>
+                    <a:pt x="0" y="568924"/>
+                    <a:pt x="464762" y="65941"/>
+                    <a:pt x="1060340" y="5457"/>
+                  </a:cubicBezTo>
+                  <a:close/>
+                </a:path>
+              </a:pathLst>
+            </a:custGeom>
+            <a:solidFill>
+              <a:srgbClr val="00A0A8"/>
+            </a:solidFill>
+            <a:ln>
+              <a:noFill/>
+            </a:ln>
+          </p:spPr>
+          <p:style>
+            <a:lnRef idx="2">
+              <a:schemeClr val="accent1">
+                <a:shade val="50000"/>
+              </a:schemeClr>
+            </a:lnRef>
+            <a:fillRef idx="1">
+              <a:schemeClr val="accent1"/>
+            </a:fillRef>
+            <a:effectRef idx="0">
+              <a:schemeClr val="accent1"/>
+            </a:effectRef>
+            <a:fontRef idx="minor">
+              <a:schemeClr val="lt1"/>
+            </a:fontRef>
+          </p:style>
+          <p:txBody>
+            <a:bodyPr rtlCol="0" anchor="ctr"/>
+            <a:lstStyle/>
+            <a:p>
+              <a:pPr algn="ctr"/>
+              <a:endParaRPr lang="en-US" dirty="0"/>
+            </a:p>
+          </p:txBody>
+        </p:sp>
+        <p:sp>
+          <p:nvSpPr>
+            <p:cNvPr id="79" name="TextBox 78">
+              <a:extLst>
+                <a:ext uri="{FF2B5EF4-FFF2-40B4-BE49-F238E27FC236}">
+                  <a16:creationId xmlns:a16="http://schemas.microsoft.com/office/drawing/2014/main" id="{95AECC6C-A520-4756-9163-08D14835D791}"/>
+                </a:ext>
+              </a:extLst>
+            </p:cNvPr>
+            <p:cNvSpPr txBox="1"/>
+            <p:nvPr/>
+          </p:nvSpPr>
+          <p:spPr>
+            <a:xfrm rot="16200000">
+              <a:off x="-738260" y="3189608"/>
+              <a:ext cx="1992086" cy="646331"/>
+            </a:xfrm>
+            <a:prstGeom prst="rect">
+              <a:avLst/>
+            </a:prstGeom>
+            <a:noFill/>
+          </p:spPr>
+          <p:txBody>
+            <a:bodyPr wrap="square" rtlCol="0">
+              <a:spAutoFit/>
+            </a:bodyPr>
+            <a:lstStyle/>
+            <a:p>
+              <a:pPr algn="ctr"/>
+              <a:r>
+                <a:rPr lang="en-US" sz="3600" b="1" dirty="0">
+                  <a:solidFill>
+                    <a:srgbClr val="F0EEF0"/>
+                  </a:solidFill>
+                  <a:latin typeface="Tw Cen MT" panose="020B0602020104020603" pitchFamily="34" charset="0"/>
+                </a:rPr>
+                <a:t>iOS</a:t>
+              </a:r>
+            </a:p>
+          </p:txBody>
+        </p:sp>
+        <p:pic>
+          <p:nvPicPr>
+            <p:cNvPr id="80" name="Picture 79">
+              <a:extLst>
+                <a:ext uri="{FF2B5EF4-FFF2-40B4-BE49-F238E27FC236}">
+                  <a16:creationId xmlns:a16="http://schemas.microsoft.com/office/drawing/2014/main" id="{0F8A56B9-A504-4035-8439-53ED4617B8B4}"/>
+                </a:ext>
+              </a:extLst>
+            </p:cNvPr>
+            <p:cNvPicPr>
+              <a:picLocks noChangeAspect="1"/>
+            </p:cNvPicPr>
+            <p:nvPr/>
+          </p:nvPicPr>
+          <p:blipFill>
+            <a:blip r:embed="rId7">
+              <a:extLst>
+                <a:ext uri="{28A0092B-C50C-407E-A947-70E740481C1C}">
+                  <a14:useLocalDpi xmlns:a14="http://schemas.microsoft.com/office/drawing/2010/main" val="0"/>
+                </a:ext>
+              </a:extLst>
+            </a:blip>
+            <a:srcRect/>
+            <a:stretch/>
+          </p:blipFill>
+          <p:spPr>
+            <a:xfrm rot="16200000">
+              <a:off x="-491912" y="3247473"/>
+              <a:ext cx="530600" cy="530600"/>
+            </a:xfrm>
+            <a:prstGeom prst="rect">
+              <a:avLst/>
+            </a:prstGeom>
+          </p:spPr>
+        </p:pic>
+      </p:grpSp>
+      <p:sp>
+        <p:nvSpPr>
+          <p:cNvPr id="33" name="Título 31">
+            <a:extLst>
+              <a:ext uri="{FF2B5EF4-FFF2-40B4-BE49-F238E27FC236}">
+                <a16:creationId xmlns:a16="http://schemas.microsoft.com/office/drawing/2014/main" id="{9B07722A-5C77-43D3-95A3-A2A860036411}"/>
+              </a:ext>
+            </a:extLst>
+          </p:cNvPr>
+          <p:cNvSpPr txBox="1">
+            <a:spLocks/>
+          </p:cNvSpPr>
+          <p:nvPr/>
+        </p:nvSpPr>
+        <p:spPr>
+          <a:xfrm>
+            <a:off x="2804367" y="378374"/>
+            <a:ext cx="6063483" cy="777766"/>
+          </a:xfrm>
+          <a:prstGeom prst="rect">
+            <a:avLst/>
+          </a:prstGeom>
+        </p:spPr>
+        <p:txBody>
+          <a:bodyPr>
+            <a:noAutofit/>
+          </a:bodyPr>
+          <a:lstStyle>
+            <a:lvl1pPr algn="l" defTabSz="914400" rtl="0" eaLnBrk="1" latinLnBrk="0" hangingPunct="1">
+              <a:lnSpc>
+                <a:spcPct val="90000"/>
+              </a:lnSpc>
+              <a:spcBef>
+                <a:spcPct val="0"/>
+              </a:spcBef>
+              <a:buNone/>
+              <a:defRPr sz="4400" kern="1200">
+                <a:solidFill>
+                  <a:schemeClr val="tx1"/>
+                </a:solidFill>
+                <a:latin typeface="+mj-lt"/>
+                <a:ea typeface="+mj-ea"/>
+                <a:cs typeface="+mj-cs"/>
+              </a:defRPr>
+            </a:lvl1pPr>
+          </a:lstStyle>
+          <a:p>
+            <a:r>
+              <a:rPr lang="es-MX" sz="6600" dirty="0">
+                <a:solidFill>
+                  <a:srgbClr val="FF0000"/>
+                </a:solidFill>
+                <a:latin typeface="Tw Cen MT" panose="020B0602020104020603" pitchFamily="34" charset="0"/>
+              </a:rPr>
+              <a:t>Siguiente paso…</a:t>
+            </a:r>
+          </a:p>
+        </p:txBody>
+      </p:sp>
+      <p:pic>
+        <p:nvPicPr>
+          <p:cNvPr id="3" name="Imagen 2" descr="Imagen que contiene dibujo&#10;&#10;Descripción generada automáticamente">
+            <a:extLst>
+              <a:ext uri="{FF2B5EF4-FFF2-40B4-BE49-F238E27FC236}">
+                <a16:creationId xmlns:a16="http://schemas.microsoft.com/office/drawing/2014/main" id="{DC1025F5-B402-443C-BA80-8FE1D833A65E}"/>
+              </a:ext>
+            </a:extLst>
+          </p:cNvPr>
+          <p:cNvPicPr>
+            <a:picLocks noChangeAspect="1"/>
+          </p:cNvPicPr>
+          <p:nvPr/>
+        </p:nvPicPr>
+        <p:blipFill rotWithShape="1">
+          <a:blip r:embed="rId8">
+            <a:extLst>
+              <a:ext uri="{28A0092B-C50C-407E-A947-70E740481C1C}">
+                <a14:useLocalDpi xmlns:a14="http://schemas.microsoft.com/office/drawing/2010/main" val="0"/>
+              </a:ext>
+            </a:extLst>
+          </a:blip>
+          <a:srcRect l="15290" r="12199"/>
+          <a:stretch/>
+        </p:blipFill>
+        <p:spPr>
+          <a:xfrm>
+            <a:off x="2379149" y="2208763"/>
+            <a:ext cx="2502093" cy="2608016"/>
+          </a:xfrm>
+          <a:prstGeom prst="ellipse">
+            <a:avLst/>
+          </a:prstGeom>
+          <a:ln w="63500" cap="rnd">
+            <a:solidFill>
+              <a:srgbClr val="333333"/>
+            </a:solidFill>
+          </a:ln>
+          <a:effectLst>
+            <a:outerShdw blurRad="381000" dist="292100" dir="5400000" sx="-80000" sy="-18000" rotWithShape="0">
+              <a:srgbClr val="000000">
+                <a:alpha val="22000"/>
+              </a:srgbClr>
+            </a:outerShdw>
+          </a:effectLst>
+          <a:scene3d>
+            <a:camera prst="orthographicFront"/>
+            <a:lightRig rig="contrasting" dir="t">
+              <a:rot lat="0" lon="0" rev="3000000"/>
+            </a:lightRig>
+          </a:scene3d>
+          <a:sp3d contourW="7620">
+            <a:bevelT w="95250" h="31750"/>
+            <a:contourClr>
+              <a:srgbClr val="333333"/>
+            </a:contourClr>
+          </a:sp3d>
+        </p:spPr>
+      </p:pic>
+      <p:pic>
+        <p:nvPicPr>
+          <p:cNvPr id="7" name="Imagen 6">
+            <a:extLst>
+              <a:ext uri="{FF2B5EF4-FFF2-40B4-BE49-F238E27FC236}">
+                <a16:creationId xmlns:a16="http://schemas.microsoft.com/office/drawing/2014/main" id="{8C188B98-4224-44B7-BDBB-03DAF6F7712B}"/>
+              </a:ext>
+            </a:extLst>
+          </p:cNvPr>
+          <p:cNvPicPr>
+            <a:picLocks noChangeAspect="1"/>
+          </p:cNvPicPr>
+          <p:nvPr/>
+        </p:nvPicPr>
+        <p:blipFill rotWithShape="1">
+          <a:blip r:embed="rId9">
+            <a:extLst>
+              <a:ext uri="{28A0092B-C50C-407E-A947-70E740481C1C}">
+                <a14:useLocalDpi xmlns:a14="http://schemas.microsoft.com/office/drawing/2010/main" val="0"/>
+              </a:ext>
+            </a:extLst>
+          </a:blip>
+          <a:srcRect l="33258" r="23129" b="31336"/>
+          <a:stretch/>
+        </p:blipFill>
+        <p:spPr>
+          <a:xfrm>
+            <a:off x="6300749" y="2135231"/>
+            <a:ext cx="2502093" cy="2587531"/>
+          </a:xfrm>
+          <a:prstGeom prst="ellipse">
+            <a:avLst/>
+          </a:prstGeom>
+          <a:ln w="63500" cap="rnd">
+            <a:solidFill>
+              <a:srgbClr val="333333"/>
+            </a:solidFill>
+          </a:ln>
+          <a:effectLst>
+            <a:outerShdw blurRad="381000" dist="292100" dir="5400000" sx="-80000" sy="-18000" rotWithShape="0">
+              <a:srgbClr val="000000">
+                <a:alpha val="22000"/>
+              </a:srgbClr>
+            </a:outerShdw>
+          </a:effectLst>
+          <a:scene3d>
+            <a:camera prst="orthographicFront"/>
+            <a:lightRig rig="contrasting" dir="t">
+              <a:rot lat="0" lon="0" rev="3000000"/>
+            </a:lightRig>
+          </a:scene3d>
+          <a:sp3d contourW="7620">
+            <a:bevelT w="95250" h="31750"/>
+            <a:contourClr>
+              <a:srgbClr val="333333"/>
+            </a:contourClr>
+          </a:sp3d>
+        </p:spPr>
+      </p:pic>
+    </p:spTree>
+    <p:extLst>
+      <p:ext uri="{BB962C8B-B14F-4D97-AF65-F5344CB8AC3E}">
+        <p14:creationId xmlns:p14="http://schemas.microsoft.com/office/powerpoint/2010/main" val="1993253767"/>
+      </p:ext>
+    </p:extLst>
+  </p:cSld>
+  <p:clrMapOvr>
+    <a:masterClrMapping/>
+  </p:clrMapOvr>
+  <mc:AlternateContent xmlns:mc="http://schemas.openxmlformats.org/markup-compatibility/2006" xmlns:p159="http://schemas.microsoft.com/office/powerpoint/2015/09/main">
+    <mc:Choice Requires="p159">
+      <p:transition spd="med">
+        <p159:morph option="byObject"/>
+      </p:transition>
+    </mc:Choice>
+    <mc:Fallback xmlns="">
+      <p:transition spd="med">
+        <p:fade/>
+      </p:transition>
+    </mc:Fallback>
+  </mc:AlternateContent>
+  <p:timing>
+    <p:tnLst>
+      <p:par>
+        <p:cTn id="1" dur="indefinite" restart="never" nodeType="tmRoot">
+          <p:childTnLst>
+            <p:seq concurrent="1" nextAc="seek">
+              <p:cTn id="2" dur="indefinite" nodeType="mainSeq">
+                <p:childTnLst>
+                  <p:par>
+                    <p:cTn id="3" fill="hold">
+                      <p:stCondLst>
+                        <p:cond delay="indefinite"/>
+                      </p:stCondLst>
+                      <p:childTnLst>
+                        <p:par>
+                          <p:cTn id="4" fill="hold">
+                            <p:stCondLst>
+                              <p:cond delay="0"/>
+                            </p:stCondLst>
+                            <p:childTnLst>
+                              <p:par>
+                                <p:cTn id="5" presetID="53" presetClass="entr" presetSubtype="16" fill="hold" grpId="0" nodeType="clickEffect">
+                                  <p:stCondLst>
+                                    <p:cond delay="0"/>
+                                  </p:stCondLst>
+                                  <p:childTnLst>
+                                    <p:set>
+                                      <p:cBhvr>
+                                        <p:cTn id="6" dur="1" fill="hold">
+                                          <p:stCondLst>
+                                            <p:cond delay="0"/>
+                                          </p:stCondLst>
+                                        </p:cTn>
+                                        <p:tgtEl>
+                                          <p:spTgt spid="33"/>
+                                        </p:tgtEl>
+                                        <p:attrNameLst>
+                                          <p:attrName>style.visibility</p:attrName>
+                                        </p:attrNameLst>
+                                      </p:cBhvr>
+                                      <p:to>
+                                        <p:strVal val="visible"/>
+                                      </p:to>
+                                    </p:set>
+                                    <p:anim calcmode="lin" valueType="num">
+                                      <p:cBhvr>
+                                        <p:cTn id="7" dur="500" fill="hold"/>
+                                        <p:tgtEl>
+                                          <p:spTgt spid="33"/>
+                                        </p:tgtEl>
+                                        <p:attrNameLst>
+                                          <p:attrName>ppt_w</p:attrName>
+                                        </p:attrNameLst>
+                                      </p:cBhvr>
+                                      <p:tavLst>
+                                        <p:tav tm="0">
+                                          <p:val>
+                                            <p:fltVal val="0"/>
+                                          </p:val>
+                                        </p:tav>
+                                        <p:tav tm="100000">
+                                          <p:val>
+                                            <p:strVal val="#ppt_w"/>
+                                          </p:val>
+                                        </p:tav>
+                                      </p:tavLst>
+                                    </p:anim>
+                                    <p:anim calcmode="lin" valueType="num">
+                                      <p:cBhvr>
+                                        <p:cTn id="8" dur="500" fill="hold"/>
+                                        <p:tgtEl>
+                                          <p:spTgt spid="33"/>
+                                        </p:tgtEl>
+                                        <p:attrNameLst>
+                                          <p:attrName>ppt_h</p:attrName>
+                                        </p:attrNameLst>
+                                      </p:cBhvr>
+                                      <p:tavLst>
+                                        <p:tav tm="0">
+                                          <p:val>
+                                            <p:fltVal val="0"/>
+                                          </p:val>
+                                        </p:tav>
+                                        <p:tav tm="100000">
+                                          <p:val>
+                                            <p:strVal val="#ppt_h"/>
+                                          </p:val>
+                                        </p:tav>
+                                      </p:tavLst>
+                                    </p:anim>
+                                    <p:animEffect transition="in" filter="fade">
+                                      <p:cBhvr>
+                                        <p:cTn id="9" dur="500"/>
+                                        <p:tgtEl>
+                                          <p:spTgt spid="33"/>
+                                        </p:tgtEl>
+                                      </p:cBhvr>
+                                    </p:animEffect>
+                                  </p:childTnLst>
+                                </p:cTn>
+                              </p:par>
+                            </p:childTnLst>
+                          </p:cTn>
+                        </p:par>
+                        <p:par>
+                          <p:cTn id="10" fill="hold">
+                            <p:stCondLst>
+                              <p:cond delay="500"/>
+                            </p:stCondLst>
+                            <p:childTnLst>
+                              <p:par>
+                                <p:cTn id="11" presetID="45" presetClass="entr" presetSubtype="0" fill="hold" nodeType="afterEffect">
+                                  <p:stCondLst>
+                                    <p:cond delay="0"/>
+                                  </p:stCondLst>
+                                  <p:childTnLst>
+                                    <p:set>
+                                      <p:cBhvr>
+                                        <p:cTn id="12" dur="1" fill="hold">
+                                          <p:stCondLst>
+                                            <p:cond delay="0"/>
+                                          </p:stCondLst>
+                                        </p:cTn>
+                                        <p:tgtEl>
+                                          <p:spTgt spid="3"/>
+                                        </p:tgtEl>
+                                        <p:attrNameLst>
+                                          <p:attrName>style.visibility</p:attrName>
+                                        </p:attrNameLst>
+                                      </p:cBhvr>
+                                      <p:to>
+                                        <p:strVal val="visible"/>
+                                      </p:to>
+                                    </p:set>
+                                    <p:animEffect transition="in" filter="fade">
+                                      <p:cBhvr>
+                                        <p:cTn id="13" dur="1250"/>
+                                        <p:tgtEl>
+                                          <p:spTgt spid="3"/>
+                                        </p:tgtEl>
+                                      </p:cBhvr>
+                                    </p:animEffect>
+                                    <p:anim calcmode="lin" valueType="num">
+                                      <p:cBhvr>
+                                        <p:cTn id="14" dur="1250" fill="hold"/>
+                                        <p:tgtEl>
+                                          <p:spTgt spid="3"/>
+                                        </p:tgtEl>
+                                        <p:attrNameLst>
+                                          <p:attrName>ppt_w</p:attrName>
+                                        </p:attrNameLst>
+                                      </p:cBhvr>
+                                      <p:tavLst>
+                                        <p:tav tm="0" fmla="#ppt_w*sin(2.5*pi*$)">
+                                          <p:val>
+                                            <p:fltVal val="0"/>
+                                          </p:val>
+                                        </p:tav>
+                                        <p:tav tm="100000">
+                                          <p:val>
+                                            <p:fltVal val="1"/>
+                                          </p:val>
+                                        </p:tav>
+                                      </p:tavLst>
+                                    </p:anim>
+                                    <p:anim calcmode="lin" valueType="num">
+                                      <p:cBhvr>
+                                        <p:cTn id="15" dur="1250" fill="hold"/>
+                                        <p:tgtEl>
+                                          <p:spTgt spid="3"/>
+                                        </p:tgtEl>
+                                        <p:attrNameLst>
+                                          <p:attrName>ppt_h</p:attrName>
+                                        </p:attrNameLst>
+                                      </p:cBhvr>
+                                      <p:tavLst>
+                                        <p:tav tm="0">
+                                          <p:val>
+                                            <p:strVal val="#ppt_h"/>
+                                          </p:val>
+                                        </p:tav>
+                                        <p:tav tm="100000">
+                                          <p:val>
+                                            <p:strVal val="#ppt_h"/>
+                                          </p:val>
+                                        </p:tav>
+                                      </p:tavLst>
+                                    </p:anim>
+                                  </p:childTnLst>
+                                </p:cTn>
+                              </p:par>
+                            </p:childTnLst>
+                          </p:cTn>
+                        </p:par>
+                        <p:par>
+                          <p:cTn id="16" fill="hold">
+                            <p:stCondLst>
+                              <p:cond delay="1750"/>
+                            </p:stCondLst>
+                            <p:childTnLst>
+                              <p:par>
+                                <p:cTn id="17" presetID="45" presetClass="entr" presetSubtype="0" fill="hold" nodeType="afterEffect">
+                                  <p:stCondLst>
+                                    <p:cond delay="0"/>
+                                  </p:stCondLst>
+                                  <p:childTnLst>
+                                    <p:set>
+                                      <p:cBhvr>
+                                        <p:cTn id="18" dur="1" fill="hold">
+                                          <p:stCondLst>
+                                            <p:cond delay="0"/>
+                                          </p:stCondLst>
+                                        </p:cTn>
+                                        <p:tgtEl>
+                                          <p:spTgt spid="7"/>
+                                        </p:tgtEl>
+                                        <p:attrNameLst>
+                                          <p:attrName>style.visibility</p:attrName>
+                                        </p:attrNameLst>
+                                      </p:cBhvr>
+                                      <p:to>
+                                        <p:strVal val="visible"/>
+                                      </p:to>
+                                    </p:set>
+                                    <p:animEffect transition="in" filter="fade">
+                                      <p:cBhvr>
+                                        <p:cTn id="19" dur="1250"/>
+                                        <p:tgtEl>
+                                          <p:spTgt spid="7"/>
+                                        </p:tgtEl>
+                                      </p:cBhvr>
+                                    </p:animEffect>
+                                    <p:anim calcmode="lin" valueType="num">
+                                      <p:cBhvr>
+                                        <p:cTn id="20" dur="1250" fill="hold"/>
+                                        <p:tgtEl>
+                                          <p:spTgt spid="7"/>
+                                        </p:tgtEl>
+                                        <p:attrNameLst>
+                                          <p:attrName>ppt_w</p:attrName>
+                                        </p:attrNameLst>
+                                      </p:cBhvr>
+                                      <p:tavLst>
+                                        <p:tav tm="0" fmla="#ppt_w*sin(2.5*pi*$)">
+                                          <p:val>
+                                            <p:fltVal val="0"/>
+                                          </p:val>
+                                        </p:tav>
+                                        <p:tav tm="100000">
+                                          <p:val>
+                                            <p:fltVal val="1"/>
+                                          </p:val>
+                                        </p:tav>
+                                      </p:tavLst>
+                                    </p:anim>
+                                    <p:anim calcmode="lin" valueType="num">
+                                      <p:cBhvr>
+                                        <p:cTn id="21" dur="1250" fill="hold"/>
+                                        <p:tgtEl>
+                                          <p:spTgt spid="7"/>
+                                        </p:tgtEl>
+                                        <p:attrNameLst>
+                                          <p:attrName>ppt_h</p:attrName>
+                                        </p:attrNameLst>
+                                      </p:cBhvr>
+                                      <p:tavLst>
+                                        <p:tav tm="0">
+                                          <p:val>
+                                            <p:strVal val="#ppt_h"/>
+                                          </p:val>
+                                        </p:tav>
+                                        <p:tav tm="100000">
+                                          <p:val>
+                                            <p:strVal val="#ppt_h"/>
+                                          </p:val>
+                                        </p:tav>
+                                      </p:tavLst>
+                                    </p:anim>
+                                  </p:childTnLst>
+                                </p:cTn>
+                              </p:par>
+                            </p:childTnLst>
+                          </p:cTn>
+                        </p:par>
+                      </p:childTnLst>
+                    </p:cTn>
+                  </p:par>
+                </p:childTnLst>
+              </p:cTn>
+              <p:prevCondLst>
+                <p:cond evt="onPrev" delay="0">
+                  <p:tgtEl>
+                    <p:sldTgt/>
+                  </p:tgtEl>
+                </p:cond>
+              </p:prevCondLst>
+              <p:nextCondLst>
+                <p:cond evt="onNext" delay="0">
+                  <p:tgtEl>
+                    <p:sldTgt/>
+                  </p:tgtEl>
+                </p:cond>
+              </p:nextCondLst>
+            </p:seq>
+          </p:childTnLst>
+        </p:cTn>
+      </p:par>
+    </p:tnLst>
+    <p:bldLst>
+      <p:bldP spid="33" grpId="0"/>
+    </p:bldLst>
+  </p:timing>
+</p:sld>
+</file>
+
+<file path=ppt/slides/slide14.xml><?xml version="1.0" encoding="utf-8"?>
+<p:sld xmlns:a="http://schemas.openxmlformats.org/drawingml/2006/main" xmlns:r="http://schemas.openxmlformats.org/officeDocument/2006/relationships" xmlns:p="http://schemas.openxmlformats.org/presentationml/2006/main">
+  <p:cSld>
+    <p:spTree>
+      <p:nvGrpSpPr>
+        <p:cNvPr id="1" name=""/>
+        <p:cNvGrpSpPr/>
+        <p:nvPr/>
+      </p:nvGrpSpPr>
+      <p:grpSpPr>
+        <a:xfrm>
+          <a:off x="0" y="0"/>
+          <a:ext cx="0" cy="0"/>
+          <a:chOff x="0" y="0"/>
+          <a:chExt cx="0" cy="0"/>
+        </a:xfrm>
+      </p:grpSpPr>
+      <p:grpSp>
+        <p:nvGrpSpPr>
+          <p:cNvPr id="50" name="Group 49">
+            <a:extLst>
+              <a:ext uri="{FF2B5EF4-FFF2-40B4-BE49-F238E27FC236}">
+                <a16:creationId xmlns:a16="http://schemas.microsoft.com/office/drawing/2014/main" id="{10781169-B7A4-446E-BD33-B9650367A7F9}"/>
+              </a:ext>
+            </a:extLst>
+          </p:cNvPr>
+          <p:cNvGrpSpPr/>
+          <p:nvPr/>
+        </p:nvGrpSpPr>
+        <p:grpSpPr>
+          <a:xfrm>
+            <a:off x="-189320" y="0"/>
+            <a:ext cx="12482920" cy="6858000"/>
+            <a:chOff x="-290920" y="0"/>
+            <a:chExt cx="12482920" cy="6858000"/>
+          </a:xfrm>
+        </p:grpSpPr>
+        <p:sp>
+          <p:nvSpPr>
+            <p:cNvPr id="51" name="Rectangle 50">
+              <a:extLst>
+                <a:ext uri="{FF2B5EF4-FFF2-40B4-BE49-F238E27FC236}">
+                  <a16:creationId xmlns:a16="http://schemas.microsoft.com/office/drawing/2014/main" id="{CED3AF08-30FC-4AFF-9C5C-99D0A7099514}"/>
+                </a:ext>
+              </a:extLst>
+            </p:cNvPr>
+            <p:cNvSpPr/>
+            <p:nvPr/>
+          </p:nvSpPr>
+          <p:spPr>
+            <a:xfrm>
+              <a:off x="-290920" y="0"/>
+              <a:ext cx="12482920" cy="6858000"/>
+            </a:xfrm>
+            <a:prstGeom prst="rect">
+              <a:avLst/>
+            </a:prstGeom>
+            <a:solidFill>
+              <a:srgbClr val="F0EEF0"/>
+            </a:solidFill>
+            <a:ln>
+              <a:noFill/>
+            </a:ln>
+            <a:effectLst>
+              <a:outerShdw blurRad="215900" dist="38100" sx="101000" sy="101000" algn="l" rotWithShape="0">
+                <a:schemeClr val="tx1">
+                  <a:lumMod val="65000"/>
+                  <a:lumOff val="35000"/>
+                  <a:alpha val="35000"/>
+                </a:schemeClr>
+              </a:outerShdw>
+            </a:effectLst>
+          </p:spPr>
+          <p:style>
+            <a:lnRef idx="2">
+              <a:schemeClr val="accent1">
+                <a:shade val="50000"/>
+              </a:schemeClr>
+            </a:lnRef>
+            <a:fillRef idx="1">
+              <a:schemeClr val="accent1"/>
+            </a:fillRef>
+            <a:effectRef idx="0">
+              <a:schemeClr val="accent1"/>
+            </a:effectRef>
+            <a:fontRef idx="minor">
+              <a:schemeClr val="lt1"/>
+            </a:fontRef>
+          </p:style>
+          <p:txBody>
+            <a:bodyPr rtlCol="0" anchor="ctr"/>
+            <a:lstStyle/>
+            <a:p>
+              <a:pPr algn="ctr"/>
+              <a:endParaRPr lang="en-US" dirty="0"/>
+            </a:p>
+          </p:txBody>
+        </p:sp>
+        <p:sp>
+          <p:nvSpPr>
+            <p:cNvPr id="52" name="Freeform: Shape 51">
+              <a:extLst>
+                <a:ext uri="{FF2B5EF4-FFF2-40B4-BE49-F238E27FC236}">
+                  <a16:creationId xmlns:a16="http://schemas.microsoft.com/office/drawing/2014/main" id="{99AF1FBA-9557-484A-B305-EE590A192E96}"/>
+                </a:ext>
+              </a:extLst>
+            </p:cNvPr>
+            <p:cNvSpPr/>
+            <p:nvPr/>
+          </p:nvSpPr>
+          <p:spPr>
+            <a:xfrm>
+              <a:off x="11023600" y="2337441"/>
+              <a:ext cx="1168400" cy="2360918"/>
+            </a:xfrm>
+            <a:custGeom>
+              <a:avLst/>
+              <a:gdLst>
+                <a:gd name="connsiteX0" fmla="*/ 1168400 w 1168400"/>
+                <a:gd name="connsiteY0" fmla="*/ 0 h 2360918"/>
+                <a:gd name="connsiteX1" fmla="*/ 1168400 w 1168400"/>
+                <a:gd name="connsiteY1" fmla="*/ 2360918 h 2360918"/>
+                <a:gd name="connsiteX2" fmla="*/ 1060340 w 1168400"/>
+                <a:gd name="connsiteY2" fmla="*/ 2355461 h 2360918"/>
+                <a:gd name="connsiteX3" fmla="*/ 0 w 1168400"/>
+                <a:gd name="connsiteY3" fmla="*/ 1180459 h 2360918"/>
+                <a:gd name="connsiteX4" fmla="*/ 1060340 w 1168400"/>
+                <a:gd name="connsiteY4" fmla="*/ 5457 h 2360918"/>
+              </a:gdLst>
+              <a:ahLst/>
+              <a:cxnLst>
+                <a:cxn ang="0">
+                  <a:pos x="connsiteX0" y="connsiteY0"/>
+                </a:cxn>
+                <a:cxn ang="0">
+                  <a:pos x="connsiteX1" y="connsiteY1"/>
+                </a:cxn>
+                <a:cxn ang="0">
+                  <a:pos x="connsiteX2" y="connsiteY2"/>
+                </a:cxn>
+                <a:cxn ang="0">
+                  <a:pos x="connsiteX3" y="connsiteY3"/>
+                </a:cxn>
+                <a:cxn ang="0">
+                  <a:pos x="connsiteX4" y="connsiteY4"/>
+                </a:cxn>
+              </a:cxnLst>
+              <a:rect l="l" t="t" r="r" b="b"/>
+              <a:pathLst>
+                <a:path w="1168400" h="2360918">
+                  <a:moveTo>
+                    <a:pt x="1168400" y="0"/>
+                  </a:moveTo>
+                  <a:lnTo>
+                    <a:pt x="1168400" y="2360918"/>
+                  </a:lnTo>
+                  <a:lnTo>
+                    <a:pt x="1060340" y="2355461"/>
+                  </a:lnTo>
+                  <a:cubicBezTo>
+                    <a:pt x="464762" y="2294977"/>
+                    <a:pt x="0" y="1791994"/>
+                    <a:pt x="0" y="1180459"/>
+                  </a:cubicBezTo>
+                  <a:cubicBezTo>
+                    <a:pt x="0" y="568924"/>
+                    <a:pt x="464762" y="65941"/>
+                    <a:pt x="1060340" y="5457"/>
+                  </a:cubicBezTo>
+                  <a:close/>
+                </a:path>
+              </a:pathLst>
+            </a:custGeom>
+            <a:solidFill>
+              <a:srgbClr val="E565F3"/>
+            </a:solidFill>
+            <a:ln>
+              <a:noFill/>
+            </a:ln>
+          </p:spPr>
+          <p:style>
+            <a:lnRef idx="2">
+              <a:schemeClr val="accent1">
+                <a:shade val="50000"/>
+              </a:schemeClr>
+            </a:lnRef>
+            <a:fillRef idx="1">
+              <a:schemeClr val="accent1"/>
+            </a:fillRef>
+            <a:effectRef idx="0">
+              <a:schemeClr val="accent1"/>
+            </a:effectRef>
+            <a:fontRef idx="minor">
+              <a:schemeClr val="lt1"/>
+            </a:fontRef>
+          </p:style>
+          <p:txBody>
+            <a:bodyPr rtlCol="0" anchor="ctr"/>
+            <a:lstStyle/>
+            <a:p>
+              <a:pPr algn="ctr"/>
+              <a:endParaRPr lang="en-US" dirty="0"/>
+            </a:p>
+          </p:txBody>
+        </p:sp>
+        <p:sp>
+          <p:nvSpPr>
+            <p:cNvPr id="53" name="TextBox 52">
+              <a:extLst>
+                <a:ext uri="{FF2B5EF4-FFF2-40B4-BE49-F238E27FC236}">
+                  <a16:creationId xmlns:a16="http://schemas.microsoft.com/office/drawing/2014/main" id="{407E3AA2-679E-4924-AC1B-FE6C3A02C251}"/>
+                </a:ext>
+              </a:extLst>
+            </p:cNvPr>
+            <p:cNvSpPr txBox="1"/>
+            <p:nvPr/>
+          </p:nvSpPr>
+          <p:spPr>
+            <a:xfrm rot="16200000">
+              <a:off x="10872792" y="3194734"/>
+              <a:ext cx="1992086" cy="646331"/>
+            </a:xfrm>
+            <a:prstGeom prst="rect">
+              <a:avLst/>
+            </a:prstGeom>
+            <a:noFill/>
+          </p:spPr>
+          <p:txBody>
+            <a:bodyPr wrap="square" rtlCol="0">
+              <a:spAutoFit/>
+            </a:bodyPr>
+            <a:lstStyle/>
+            <a:p>
+              <a:pPr algn="ctr"/>
+              <a:r>
+                <a:rPr lang="en-US" sz="3600" b="1" dirty="0">
+                  <a:solidFill>
+                    <a:srgbClr val="F0EEF0"/>
+                  </a:solidFill>
+                  <a:latin typeface="Tw Cen MT" panose="020B0602020104020603" pitchFamily="34" charset="0"/>
+                </a:rPr>
+                <a:t>Equipo</a:t>
+              </a:r>
+            </a:p>
+          </p:txBody>
+        </p:sp>
+        <p:pic>
+          <p:nvPicPr>
+            <p:cNvPr id="54" name="Picture 53">
+              <a:extLst>
+                <a:ext uri="{FF2B5EF4-FFF2-40B4-BE49-F238E27FC236}">
+                  <a16:creationId xmlns:a16="http://schemas.microsoft.com/office/drawing/2014/main" id="{CD9846FC-755F-4A0E-BAD3-A5D51C0E1EBE}"/>
+                </a:ext>
+              </a:extLst>
+            </p:cNvPr>
+            <p:cNvPicPr>
+              <a:picLocks noChangeAspect="1"/>
+            </p:cNvPicPr>
+            <p:nvPr/>
+          </p:nvPicPr>
+          <p:blipFill>
+            <a:blip r:embed="rId2">
+              <a:extLst>
+                <a:ext uri="{28A0092B-C50C-407E-A947-70E740481C1C}">
+                  <a14:useLocalDpi xmlns:a14="http://schemas.microsoft.com/office/drawing/2010/main" val="0"/>
+                </a:ext>
+              </a:extLst>
+            </a:blip>
+            <a:srcRect/>
+            <a:stretch/>
+          </p:blipFill>
+          <p:spPr>
+            <a:xfrm rot="16200000">
+              <a:off x="11129999" y="3247473"/>
+              <a:ext cx="530600" cy="530600"/>
+            </a:xfrm>
+            <a:prstGeom prst="rect">
+              <a:avLst/>
+            </a:prstGeom>
+          </p:spPr>
+        </p:pic>
+      </p:grpSp>
+      <p:grpSp>
+        <p:nvGrpSpPr>
+          <p:cNvPr id="55" name="Group 54">
+            <a:extLst>
+              <a:ext uri="{FF2B5EF4-FFF2-40B4-BE49-F238E27FC236}">
+                <a16:creationId xmlns:a16="http://schemas.microsoft.com/office/drawing/2014/main" id="{F00A67C9-4929-4EFF-9CB6-292640CD2738}"/>
+              </a:ext>
+            </a:extLst>
+          </p:cNvPr>
+          <p:cNvGrpSpPr/>
+          <p:nvPr/>
+        </p:nvGrpSpPr>
+        <p:grpSpPr>
+          <a:xfrm>
+            <a:off x="239488" y="-2"/>
+            <a:ext cx="11447503" cy="6858000"/>
+            <a:chOff x="213096" y="0"/>
+            <a:chExt cx="11447503" cy="6858000"/>
+          </a:xfrm>
+        </p:grpSpPr>
+        <p:sp>
+          <p:nvSpPr>
+            <p:cNvPr id="56" name="Rectangle 55">
+              <a:extLst>
+                <a:ext uri="{FF2B5EF4-FFF2-40B4-BE49-F238E27FC236}">
+                  <a16:creationId xmlns:a16="http://schemas.microsoft.com/office/drawing/2014/main" id="{3E8CDB02-4760-4298-BC44-93A18EB02F13}"/>
+                </a:ext>
+              </a:extLst>
+            </p:cNvPr>
+            <p:cNvSpPr/>
+            <p:nvPr/>
+          </p:nvSpPr>
+          <p:spPr>
+            <a:xfrm>
+              <a:off x="213096" y="0"/>
+              <a:ext cx="11447501" cy="6858000"/>
+            </a:xfrm>
+            <a:prstGeom prst="rect">
+              <a:avLst/>
+            </a:prstGeom>
+            <a:solidFill>
+              <a:srgbClr val="F0EEF0"/>
+            </a:solidFill>
+            <a:ln>
+              <a:noFill/>
+            </a:ln>
+            <a:effectLst>
+              <a:outerShdw blurRad="215900" dist="38100" sx="101000" sy="101000" algn="l" rotWithShape="0">
+                <a:schemeClr val="tx1">
+                  <a:lumMod val="65000"/>
+                  <a:lumOff val="35000"/>
+                  <a:alpha val="35000"/>
+                </a:schemeClr>
+              </a:outerShdw>
+            </a:effectLst>
+          </p:spPr>
+          <p:style>
+            <a:lnRef idx="2">
+              <a:schemeClr val="accent1">
+                <a:shade val="50000"/>
+              </a:schemeClr>
+            </a:lnRef>
+            <a:fillRef idx="1">
+              <a:schemeClr val="accent1"/>
+            </a:fillRef>
+            <a:effectRef idx="0">
+              <a:schemeClr val="accent1"/>
+            </a:effectRef>
+            <a:fontRef idx="minor">
+              <a:schemeClr val="lt1"/>
+            </a:fontRef>
+          </p:style>
+          <p:txBody>
+            <a:bodyPr rtlCol="0" anchor="ctr"/>
+            <a:lstStyle/>
+            <a:p>
+              <a:pPr algn="ctr"/>
+              <a:endParaRPr lang="en-US" dirty="0"/>
+            </a:p>
+          </p:txBody>
+        </p:sp>
+        <p:sp>
+          <p:nvSpPr>
+            <p:cNvPr id="57" name="Freeform: Shape 56">
+              <a:extLst>
+                <a:ext uri="{FF2B5EF4-FFF2-40B4-BE49-F238E27FC236}">
+                  <a16:creationId xmlns:a16="http://schemas.microsoft.com/office/drawing/2014/main" id="{57C0FD50-5E69-463E-A01B-65E9D864A386}"/>
+                </a:ext>
+              </a:extLst>
+            </p:cNvPr>
+            <p:cNvSpPr/>
+            <p:nvPr/>
+          </p:nvSpPr>
+          <p:spPr>
+            <a:xfrm>
+              <a:off x="10492197" y="2337441"/>
+              <a:ext cx="1168400" cy="2360918"/>
+            </a:xfrm>
+            <a:custGeom>
+              <a:avLst/>
+              <a:gdLst>
+                <a:gd name="connsiteX0" fmla="*/ 1168400 w 1168400"/>
+                <a:gd name="connsiteY0" fmla="*/ 0 h 2360918"/>
+                <a:gd name="connsiteX1" fmla="*/ 1168400 w 1168400"/>
+                <a:gd name="connsiteY1" fmla="*/ 2360918 h 2360918"/>
+                <a:gd name="connsiteX2" fmla="*/ 1060340 w 1168400"/>
+                <a:gd name="connsiteY2" fmla="*/ 2355461 h 2360918"/>
+                <a:gd name="connsiteX3" fmla="*/ 0 w 1168400"/>
+                <a:gd name="connsiteY3" fmla="*/ 1180459 h 2360918"/>
+                <a:gd name="connsiteX4" fmla="*/ 1060340 w 1168400"/>
+                <a:gd name="connsiteY4" fmla="*/ 5457 h 2360918"/>
+              </a:gdLst>
+              <a:ahLst/>
+              <a:cxnLst>
+                <a:cxn ang="0">
+                  <a:pos x="connsiteX0" y="connsiteY0"/>
+                </a:cxn>
+                <a:cxn ang="0">
+                  <a:pos x="connsiteX1" y="connsiteY1"/>
+                </a:cxn>
+                <a:cxn ang="0">
+                  <a:pos x="connsiteX2" y="connsiteY2"/>
+                </a:cxn>
+                <a:cxn ang="0">
+                  <a:pos x="connsiteX3" y="connsiteY3"/>
+                </a:cxn>
+                <a:cxn ang="0">
+                  <a:pos x="connsiteX4" y="connsiteY4"/>
+                </a:cxn>
+              </a:cxnLst>
+              <a:rect l="l" t="t" r="r" b="b"/>
+              <a:pathLst>
+                <a:path w="1168400" h="2360918">
+                  <a:moveTo>
+                    <a:pt x="1168400" y="0"/>
+                  </a:moveTo>
+                  <a:lnTo>
+                    <a:pt x="1168400" y="2360918"/>
+                  </a:lnTo>
+                  <a:lnTo>
+                    <a:pt x="1060340" y="2355461"/>
+                  </a:lnTo>
+                  <a:cubicBezTo>
+                    <a:pt x="464762" y="2294977"/>
+                    <a:pt x="0" y="1791994"/>
+                    <a:pt x="0" y="1180459"/>
+                  </a:cubicBezTo>
+                  <a:cubicBezTo>
+                    <a:pt x="0" y="568924"/>
+                    <a:pt x="464762" y="65941"/>
+                    <a:pt x="1060340" y="5457"/>
+                  </a:cubicBezTo>
+                  <a:close/>
+                </a:path>
+              </a:pathLst>
+            </a:custGeom>
+            <a:solidFill>
+              <a:srgbClr val="52CDC0"/>
+            </a:solidFill>
+            <a:ln>
+              <a:noFill/>
+            </a:ln>
+          </p:spPr>
+          <p:style>
+            <a:lnRef idx="2">
+              <a:schemeClr val="accent1">
+                <a:shade val="50000"/>
+              </a:schemeClr>
+            </a:lnRef>
+            <a:fillRef idx="1">
+              <a:schemeClr val="accent1"/>
+            </a:fillRef>
+            <a:effectRef idx="0">
+              <a:schemeClr val="accent1"/>
+            </a:effectRef>
+            <a:fontRef idx="minor">
+              <a:schemeClr val="lt1"/>
+            </a:fontRef>
+          </p:style>
+          <p:txBody>
+            <a:bodyPr rtlCol="0" anchor="ctr"/>
+            <a:lstStyle/>
+            <a:p>
+              <a:pPr algn="ctr"/>
+              <a:endParaRPr lang="en-US" dirty="0"/>
+            </a:p>
+          </p:txBody>
+        </p:sp>
+        <p:sp>
+          <p:nvSpPr>
+            <p:cNvPr id="58" name="TextBox 57">
+              <a:extLst>
+                <a:ext uri="{FF2B5EF4-FFF2-40B4-BE49-F238E27FC236}">
+                  <a16:creationId xmlns:a16="http://schemas.microsoft.com/office/drawing/2014/main" id="{04CBFB1D-37FD-419F-B98C-860BF5217905}"/>
+                </a:ext>
+              </a:extLst>
+            </p:cNvPr>
+            <p:cNvSpPr txBox="1"/>
+            <p:nvPr/>
+          </p:nvSpPr>
+          <p:spPr>
+            <a:xfrm rot="16200000">
+              <a:off x="10341391" y="3105834"/>
+              <a:ext cx="1992086" cy="646331"/>
+            </a:xfrm>
+            <a:prstGeom prst="rect">
+              <a:avLst/>
+            </a:prstGeom>
+            <a:noFill/>
+          </p:spPr>
+          <p:txBody>
+            <a:bodyPr wrap="square" rtlCol="0">
+              <a:spAutoFit/>
+            </a:bodyPr>
+            <a:lstStyle/>
+            <a:p>
+              <a:pPr algn="ctr"/>
+              <a:r>
+                <a:rPr lang="en-US" sz="3600" b="1" dirty="0">
+                  <a:solidFill>
+                    <a:srgbClr val="F0EEF0"/>
+                  </a:solidFill>
+                  <a:latin typeface="Tw Cen MT" panose="020B0602020104020603" pitchFamily="34" charset="0"/>
+                </a:rPr>
+                <a:t>Contexto</a:t>
+              </a:r>
+            </a:p>
+          </p:txBody>
+        </p:sp>
+        <p:pic>
+          <p:nvPicPr>
+            <p:cNvPr id="59" name="Picture 58">
+              <a:extLst>
+                <a:ext uri="{FF2B5EF4-FFF2-40B4-BE49-F238E27FC236}">
+                  <a16:creationId xmlns:a16="http://schemas.microsoft.com/office/drawing/2014/main" id="{60B383F7-52C5-4FB7-AEC3-35A48D7354A0}"/>
+                </a:ext>
+              </a:extLst>
+            </p:cNvPr>
+            <p:cNvPicPr>
+              <a:picLocks noChangeAspect="1"/>
+            </p:cNvPicPr>
+            <p:nvPr/>
+          </p:nvPicPr>
+          <p:blipFill>
+            <a:blip r:embed="rId3">
+              <a:extLst>
+                <a:ext uri="{28A0092B-C50C-407E-A947-70E740481C1C}">
+                  <a14:useLocalDpi xmlns:a14="http://schemas.microsoft.com/office/drawing/2010/main" val="0"/>
+                </a:ext>
+              </a:extLst>
+            </a:blip>
+            <a:srcRect/>
+            <a:stretch/>
+          </p:blipFill>
+          <p:spPr>
+            <a:xfrm rot="16200000">
+              <a:off x="10600933" y="3247473"/>
+              <a:ext cx="530600" cy="530600"/>
+            </a:xfrm>
+            <a:prstGeom prst="rect">
+              <a:avLst/>
+            </a:prstGeom>
+          </p:spPr>
+        </p:pic>
+      </p:grpSp>
+      <p:grpSp>
+        <p:nvGrpSpPr>
+          <p:cNvPr id="60" name="Group 59">
+            <a:extLst>
+              <a:ext uri="{FF2B5EF4-FFF2-40B4-BE49-F238E27FC236}">
+                <a16:creationId xmlns:a16="http://schemas.microsoft.com/office/drawing/2014/main" id="{6F7667A6-1C16-4F0A-A162-61BD16E6BE6B}"/>
+              </a:ext>
+            </a:extLst>
+          </p:cNvPr>
+          <p:cNvGrpSpPr/>
+          <p:nvPr/>
+        </p:nvGrpSpPr>
+        <p:grpSpPr>
+          <a:xfrm>
+            <a:off x="1196833" y="0"/>
+            <a:ext cx="9961092" cy="6858000"/>
+            <a:chOff x="491575" y="0"/>
+            <a:chExt cx="9961092" cy="6858000"/>
+          </a:xfrm>
+        </p:grpSpPr>
+        <p:sp>
+          <p:nvSpPr>
+            <p:cNvPr id="61" name="Rectangle 60">
+              <a:extLst>
+                <a:ext uri="{FF2B5EF4-FFF2-40B4-BE49-F238E27FC236}">
+                  <a16:creationId xmlns:a16="http://schemas.microsoft.com/office/drawing/2014/main" id="{0E8C29A9-4AAB-442C-A7A4-40DCCE0A9694}"/>
+                </a:ext>
+              </a:extLst>
+            </p:cNvPr>
+            <p:cNvSpPr/>
+            <p:nvPr/>
+          </p:nvSpPr>
+          <p:spPr>
+            <a:xfrm>
+              <a:off x="491575" y="0"/>
+              <a:ext cx="9961092" cy="6858000"/>
+            </a:xfrm>
+            <a:prstGeom prst="rect">
+              <a:avLst/>
+            </a:prstGeom>
+            <a:solidFill>
+              <a:srgbClr val="F0EEF0"/>
+            </a:solidFill>
+            <a:ln>
+              <a:noFill/>
+            </a:ln>
+            <a:effectLst>
+              <a:outerShdw blurRad="215900" dist="38100" sx="101000" sy="101000" algn="l" rotWithShape="0">
+                <a:schemeClr val="tx1">
+                  <a:lumMod val="65000"/>
+                  <a:lumOff val="35000"/>
+                  <a:alpha val="35000"/>
+                </a:schemeClr>
+              </a:outerShdw>
+            </a:effectLst>
+          </p:spPr>
+          <p:style>
+            <a:lnRef idx="2">
+              <a:schemeClr val="accent1">
+                <a:shade val="50000"/>
+              </a:schemeClr>
+            </a:lnRef>
+            <a:fillRef idx="1">
+              <a:schemeClr val="accent1"/>
+            </a:fillRef>
+            <a:effectRef idx="0">
+              <a:schemeClr val="accent1"/>
+            </a:effectRef>
+            <a:fontRef idx="minor">
+              <a:schemeClr val="lt1"/>
+            </a:fontRef>
+          </p:style>
+          <p:txBody>
+            <a:bodyPr rtlCol="0" anchor="ctr"/>
+            <a:lstStyle/>
+            <a:p>
+              <a:pPr algn="ctr"/>
+              <a:endParaRPr lang="en-US" dirty="0"/>
+            </a:p>
+          </p:txBody>
+        </p:sp>
+        <p:sp>
+          <p:nvSpPr>
+            <p:cNvPr id="62" name="Freeform: Shape 61">
+              <a:extLst>
+                <a:ext uri="{FF2B5EF4-FFF2-40B4-BE49-F238E27FC236}">
+                  <a16:creationId xmlns:a16="http://schemas.microsoft.com/office/drawing/2014/main" id="{81520FE7-5699-4290-9C3C-51E0C60ECC6B}"/>
+                </a:ext>
+              </a:extLst>
+            </p:cNvPr>
+            <p:cNvSpPr/>
+            <p:nvPr/>
+          </p:nvSpPr>
+          <p:spPr>
+            <a:xfrm>
+              <a:off x="9284267" y="2337440"/>
+              <a:ext cx="1168400" cy="2360918"/>
+            </a:xfrm>
+            <a:custGeom>
+              <a:avLst/>
+              <a:gdLst>
+                <a:gd name="connsiteX0" fmla="*/ 1168400 w 1168400"/>
+                <a:gd name="connsiteY0" fmla="*/ 0 h 2360918"/>
+                <a:gd name="connsiteX1" fmla="*/ 1168400 w 1168400"/>
+                <a:gd name="connsiteY1" fmla="*/ 2360918 h 2360918"/>
+                <a:gd name="connsiteX2" fmla="*/ 1060340 w 1168400"/>
+                <a:gd name="connsiteY2" fmla="*/ 2355461 h 2360918"/>
+                <a:gd name="connsiteX3" fmla="*/ 0 w 1168400"/>
+                <a:gd name="connsiteY3" fmla="*/ 1180459 h 2360918"/>
+                <a:gd name="connsiteX4" fmla="*/ 1060340 w 1168400"/>
+                <a:gd name="connsiteY4" fmla="*/ 5457 h 2360918"/>
+              </a:gdLst>
+              <a:ahLst/>
+              <a:cxnLst>
+                <a:cxn ang="0">
+                  <a:pos x="connsiteX0" y="connsiteY0"/>
+                </a:cxn>
+                <a:cxn ang="0">
+                  <a:pos x="connsiteX1" y="connsiteY1"/>
+                </a:cxn>
+                <a:cxn ang="0">
+                  <a:pos x="connsiteX2" y="connsiteY2"/>
+                </a:cxn>
+                <a:cxn ang="0">
+                  <a:pos x="connsiteX3" y="connsiteY3"/>
+                </a:cxn>
+                <a:cxn ang="0">
+                  <a:pos x="connsiteX4" y="connsiteY4"/>
+                </a:cxn>
+              </a:cxnLst>
+              <a:rect l="l" t="t" r="r" b="b"/>
+              <a:pathLst>
+                <a:path w="1168400" h="2360918">
+                  <a:moveTo>
+                    <a:pt x="1168400" y="0"/>
+                  </a:moveTo>
+                  <a:lnTo>
+                    <a:pt x="1168400" y="2360918"/>
+                  </a:lnTo>
+                  <a:lnTo>
+                    <a:pt x="1060340" y="2355461"/>
+                  </a:lnTo>
+                  <a:cubicBezTo>
+                    <a:pt x="464762" y="2294977"/>
+                    <a:pt x="0" y="1791994"/>
+                    <a:pt x="0" y="1180459"/>
+                  </a:cubicBezTo>
+                  <a:cubicBezTo>
+                    <a:pt x="0" y="568924"/>
+                    <a:pt x="464762" y="65941"/>
+                    <a:pt x="1060340" y="5457"/>
+                  </a:cubicBezTo>
+                  <a:close/>
+                </a:path>
+              </a:pathLst>
+            </a:custGeom>
+            <a:solidFill>
+              <a:srgbClr val="FFC730"/>
+            </a:solidFill>
+            <a:ln>
+              <a:noFill/>
+            </a:ln>
+          </p:spPr>
+          <p:style>
+            <a:lnRef idx="2">
+              <a:schemeClr val="accent1">
+                <a:shade val="50000"/>
+              </a:schemeClr>
+            </a:lnRef>
+            <a:fillRef idx="1">
+              <a:schemeClr val="accent1"/>
+            </a:fillRef>
+            <a:effectRef idx="0">
+              <a:schemeClr val="accent1"/>
+            </a:effectRef>
+            <a:fontRef idx="minor">
+              <a:schemeClr val="lt1"/>
+            </a:fontRef>
+          </p:style>
+          <p:txBody>
+            <a:bodyPr rtlCol="0" anchor="ctr"/>
+            <a:lstStyle/>
+            <a:p>
+              <a:pPr algn="ctr"/>
+              <a:endParaRPr lang="en-US" dirty="0"/>
+            </a:p>
+          </p:txBody>
+        </p:sp>
+        <p:sp>
+          <p:nvSpPr>
+            <p:cNvPr id="63" name="TextBox 62">
+              <a:extLst>
+                <a:ext uri="{FF2B5EF4-FFF2-40B4-BE49-F238E27FC236}">
+                  <a16:creationId xmlns:a16="http://schemas.microsoft.com/office/drawing/2014/main" id="{AFD50D6F-822B-4109-8B0C-BA004A0B7145}"/>
+                </a:ext>
+              </a:extLst>
+            </p:cNvPr>
+            <p:cNvSpPr txBox="1"/>
+            <p:nvPr/>
+          </p:nvSpPr>
+          <p:spPr>
+            <a:xfrm rot="16200000">
+              <a:off x="9117129" y="3189611"/>
+              <a:ext cx="1992086" cy="646331"/>
+            </a:xfrm>
+            <a:prstGeom prst="rect">
+              <a:avLst/>
+            </a:prstGeom>
+            <a:noFill/>
+          </p:spPr>
+          <p:txBody>
+            <a:bodyPr wrap="square" rtlCol="0">
+              <a:spAutoFit/>
+            </a:bodyPr>
+            <a:lstStyle/>
+            <a:p>
+              <a:pPr algn="ctr"/>
+              <a:r>
+                <a:rPr lang="en-US" sz="3600" b="1" dirty="0">
+                  <a:solidFill>
+                    <a:srgbClr val="F0EEF0"/>
+                  </a:solidFill>
+                  <a:latin typeface="Tw Cen MT" panose="020B0602020104020603" pitchFamily="34" charset="0"/>
+                </a:rPr>
+                <a:t>Plan</a:t>
+              </a:r>
+            </a:p>
+          </p:txBody>
+        </p:sp>
+        <p:pic>
+          <p:nvPicPr>
+            <p:cNvPr id="64" name="Picture 63">
+              <a:extLst>
+                <a:ext uri="{FF2B5EF4-FFF2-40B4-BE49-F238E27FC236}">
+                  <a16:creationId xmlns:a16="http://schemas.microsoft.com/office/drawing/2014/main" id="{0376C61F-147B-441E-B32E-45D5BC1B66B5}"/>
+                </a:ext>
+              </a:extLst>
+            </p:cNvPr>
+            <p:cNvPicPr>
+              <a:picLocks noChangeAspect="1"/>
+            </p:cNvPicPr>
+            <p:nvPr/>
+          </p:nvPicPr>
+          <p:blipFill>
+            <a:blip r:embed="rId4">
+              <a:extLst>
+                <a:ext uri="{28A0092B-C50C-407E-A947-70E740481C1C}">
+                  <a14:useLocalDpi xmlns:a14="http://schemas.microsoft.com/office/drawing/2010/main" val="0"/>
+                </a:ext>
+              </a:extLst>
+            </a:blip>
+            <a:stretch>
+              <a:fillRect/>
+            </a:stretch>
+          </p:blipFill>
+          <p:spPr>
+            <a:xfrm rot="16200000">
+              <a:off x="9385467" y="3247473"/>
+              <a:ext cx="530600" cy="530600"/>
+            </a:xfrm>
+            <a:prstGeom prst="rect">
+              <a:avLst/>
+            </a:prstGeom>
+          </p:spPr>
+        </p:pic>
+      </p:grpSp>
+      <p:sp>
+        <p:nvSpPr>
+          <p:cNvPr id="70" name="Rectangle 69">
+            <a:extLst>
+              <a:ext uri="{FF2B5EF4-FFF2-40B4-BE49-F238E27FC236}">
+                <a16:creationId xmlns:a16="http://schemas.microsoft.com/office/drawing/2014/main" id="{990CE96C-B0E8-49CB-B717-EBFFECB66027}"/>
+              </a:ext>
+            </a:extLst>
+          </p:cNvPr>
+          <p:cNvSpPr/>
+          <p:nvPr/>
+        </p:nvSpPr>
+        <p:spPr>
+          <a:xfrm>
+            <a:off x="-7962177" y="-1"/>
+            <a:ext cx="5781368" cy="6858000"/>
+          </a:xfrm>
+          <a:prstGeom prst="rect">
+            <a:avLst/>
+          </a:prstGeom>
+          <a:solidFill>
+            <a:srgbClr val="F0EEF0"/>
+          </a:solidFill>
+          <a:ln>
+            <a:noFill/>
+          </a:ln>
+          <a:effectLst>
+            <a:outerShdw blurRad="215900" dist="38100" sx="101000" sy="101000" algn="l" rotWithShape="0">
+              <a:schemeClr val="tx1">
+                <a:lumMod val="65000"/>
+                <a:lumOff val="35000"/>
+                <a:alpha val="35000"/>
+              </a:schemeClr>
+            </a:outerShdw>
+          </a:effectLst>
+        </p:spPr>
+        <p:style>
+          <a:lnRef idx="2">
+            <a:schemeClr val="accent1">
+              <a:shade val="50000"/>
+            </a:schemeClr>
+          </a:lnRef>
+          <a:fillRef idx="1">
+            <a:schemeClr val="accent1"/>
+          </a:fillRef>
+          <a:effectRef idx="0">
+            <a:schemeClr val="accent1"/>
+          </a:effectRef>
+          <a:fontRef idx="minor">
+            <a:schemeClr val="lt1"/>
+          </a:fontRef>
+        </p:style>
+        <p:txBody>
+          <a:bodyPr rtlCol="0" anchor="ctr"/>
+          <a:lstStyle/>
+          <a:p>
+            <a:pPr algn="ctr"/>
+            <a:endParaRPr lang="en-US" dirty="0"/>
+          </a:p>
+        </p:txBody>
+      </p:sp>
+      <p:grpSp>
+        <p:nvGrpSpPr>
+          <p:cNvPr id="95" name="Group 94">
+            <a:extLst>
+              <a:ext uri="{FF2B5EF4-FFF2-40B4-BE49-F238E27FC236}">
+                <a16:creationId xmlns:a16="http://schemas.microsoft.com/office/drawing/2014/main" id="{4E70D3F9-D583-4ACD-8480-0F4A65ED3C83}"/>
+              </a:ext>
+            </a:extLst>
+          </p:cNvPr>
+          <p:cNvGrpSpPr/>
+          <p:nvPr/>
+        </p:nvGrpSpPr>
+        <p:grpSpPr>
+          <a:xfrm>
+            <a:off x="1049062" y="0"/>
+            <a:ext cx="9574094" cy="6858000"/>
+            <a:chOff x="491575" y="0"/>
+            <a:chExt cx="9574094" cy="6858000"/>
+          </a:xfrm>
+        </p:grpSpPr>
+        <p:sp>
+          <p:nvSpPr>
+            <p:cNvPr id="96" name="Rectangle 95">
+              <a:extLst>
+                <a:ext uri="{FF2B5EF4-FFF2-40B4-BE49-F238E27FC236}">
+                  <a16:creationId xmlns:a16="http://schemas.microsoft.com/office/drawing/2014/main" id="{321108FC-08B5-45CC-AB47-1104119B25FD}"/>
+                </a:ext>
+              </a:extLst>
+            </p:cNvPr>
+            <p:cNvSpPr/>
+            <p:nvPr/>
+          </p:nvSpPr>
+          <p:spPr>
+            <a:xfrm>
+              <a:off x="491575" y="0"/>
+              <a:ext cx="9574094" cy="6858000"/>
+            </a:xfrm>
+            <a:prstGeom prst="rect">
+              <a:avLst/>
+            </a:prstGeom>
+            <a:solidFill>
+              <a:srgbClr val="F0EEF0"/>
+            </a:solidFill>
+            <a:ln>
+              <a:noFill/>
+            </a:ln>
+            <a:effectLst>
+              <a:outerShdw blurRad="215900" dist="38100" sx="101000" sy="101000" algn="l" rotWithShape="0">
+                <a:schemeClr val="tx1">
+                  <a:lumMod val="65000"/>
+                  <a:lumOff val="35000"/>
+                  <a:alpha val="35000"/>
+                </a:schemeClr>
+              </a:outerShdw>
+            </a:effectLst>
+          </p:spPr>
+          <p:style>
+            <a:lnRef idx="2">
+              <a:schemeClr val="accent1">
+                <a:shade val="50000"/>
+              </a:schemeClr>
+            </a:lnRef>
+            <a:fillRef idx="1">
+              <a:schemeClr val="accent1"/>
+            </a:fillRef>
+            <a:effectRef idx="0">
+              <a:schemeClr val="accent1"/>
+            </a:effectRef>
+            <a:fontRef idx="minor">
+              <a:schemeClr val="lt1"/>
+            </a:fontRef>
+          </p:style>
+          <p:txBody>
+            <a:bodyPr rtlCol="0" anchor="ctr"/>
+            <a:lstStyle/>
+            <a:p>
+              <a:pPr algn="ctr"/>
+              <a:endParaRPr lang="en-US" dirty="0"/>
+            </a:p>
+          </p:txBody>
+        </p:sp>
+        <p:sp>
+          <p:nvSpPr>
+            <p:cNvPr id="97" name="Freeform: Shape 96">
+              <a:extLst>
+                <a:ext uri="{FF2B5EF4-FFF2-40B4-BE49-F238E27FC236}">
+                  <a16:creationId xmlns:a16="http://schemas.microsoft.com/office/drawing/2014/main" id="{96A47C8C-7F88-484E-817B-572BEDC2BC69}"/>
+                </a:ext>
+              </a:extLst>
+            </p:cNvPr>
+            <p:cNvSpPr/>
+            <p:nvPr/>
+          </p:nvSpPr>
+          <p:spPr>
+            <a:xfrm>
+              <a:off x="8897260" y="2337440"/>
+              <a:ext cx="1168400" cy="2360918"/>
+            </a:xfrm>
+            <a:custGeom>
+              <a:avLst/>
+              <a:gdLst>
+                <a:gd name="connsiteX0" fmla="*/ 1168400 w 1168400"/>
+                <a:gd name="connsiteY0" fmla="*/ 0 h 2360918"/>
+                <a:gd name="connsiteX1" fmla="*/ 1168400 w 1168400"/>
+                <a:gd name="connsiteY1" fmla="*/ 2360918 h 2360918"/>
+                <a:gd name="connsiteX2" fmla="*/ 1060340 w 1168400"/>
+                <a:gd name="connsiteY2" fmla="*/ 2355461 h 2360918"/>
+                <a:gd name="connsiteX3" fmla="*/ 0 w 1168400"/>
+                <a:gd name="connsiteY3" fmla="*/ 1180459 h 2360918"/>
+                <a:gd name="connsiteX4" fmla="*/ 1060340 w 1168400"/>
+                <a:gd name="connsiteY4" fmla="*/ 5457 h 2360918"/>
+              </a:gdLst>
+              <a:ahLst/>
+              <a:cxnLst>
+                <a:cxn ang="0">
+                  <a:pos x="connsiteX0" y="connsiteY0"/>
+                </a:cxn>
+                <a:cxn ang="0">
+                  <a:pos x="connsiteX1" y="connsiteY1"/>
+                </a:cxn>
+                <a:cxn ang="0">
+                  <a:pos x="connsiteX2" y="connsiteY2"/>
+                </a:cxn>
+                <a:cxn ang="0">
+                  <a:pos x="connsiteX3" y="connsiteY3"/>
+                </a:cxn>
+                <a:cxn ang="0">
+                  <a:pos x="connsiteX4" y="connsiteY4"/>
+                </a:cxn>
+              </a:cxnLst>
+              <a:rect l="l" t="t" r="r" b="b"/>
+              <a:pathLst>
+                <a:path w="1168400" h="2360918">
+                  <a:moveTo>
+                    <a:pt x="1168400" y="0"/>
+                  </a:moveTo>
+                  <a:lnTo>
+                    <a:pt x="1168400" y="2360918"/>
+                  </a:lnTo>
+                  <a:lnTo>
+                    <a:pt x="1060340" y="2355461"/>
+                  </a:lnTo>
+                  <a:cubicBezTo>
+                    <a:pt x="464762" y="2294977"/>
+                    <a:pt x="0" y="1791994"/>
+                    <a:pt x="0" y="1180459"/>
+                  </a:cubicBezTo>
+                  <a:cubicBezTo>
+                    <a:pt x="0" y="568924"/>
+                    <a:pt x="464762" y="65941"/>
+                    <a:pt x="1060340" y="5457"/>
+                  </a:cubicBezTo>
+                  <a:close/>
+                </a:path>
+              </a:pathLst>
+            </a:custGeom>
+            <a:solidFill>
+              <a:srgbClr val="FF0000"/>
+            </a:solidFill>
+            <a:ln>
+              <a:noFill/>
+            </a:ln>
+          </p:spPr>
+          <p:style>
+            <a:lnRef idx="2">
+              <a:schemeClr val="accent1">
+                <a:shade val="50000"/>
+              </a:schemeClr>
+            </a:lnRef>
+            <a:fillRef idx="1">
+              <a:schemeClr val="accent1"/>
+            </a:fillRef>
+            <a:effectRef idx="0">
+              <a:schemeClr val="accent1"/>
+            </a:effectRef>
+            <a:fontRef idx="minor">
+              <a:schemeClr val="lt1"/>
+            </a:fontRef>
+          </p:style>
+          <p:txBody>
+            <a:bodyPr rtlCol="0" anchor="ctr"/>
+            <a:lstStyle/>
+            <a:p>
+              <a:pPr algn="ctr"/>
+              <a:endParaRPr lang="en-US" dirty="0"/>
+            </a:p>
+          </p:txBody>
+        </p:sp>
+        <p:sp>
+          <p:nvSpPr>
+            <p:cNvPr id="98" name="TextBox 97">
+              <a:extLst>
+                <a:ext uri="{FF2B5EF4-FFF2-40B4-BE49-F238E27FC236}">
+                  <a16:creationId xmlns:a16="http://schemas.microsoft.com/office/drawing/2014/main" id="{E3DB5570-AC77-4396-9748-4183DF7C8396}"/>
+                </a:ext>
+              </a:extLst>
+            </p:cNvPr>
+            <p:cNvSpPr txBox="1"/>
+            <p:nvPr/>
+          </p:nvSpPr>
+          <p:spPr>
+            <a:xfrm rot="16200000">
+              <a:off x="8746453" y="3189610"/>
+              <a:ext cx="1992086" cy="646331"/>
+            </a:xfrm>
+            <a:prstGeom prst="rect">
+              <a:avLst/>
+            </a:prstGeom>
+            <a:noFill/>
+          </p:spPr>
+          <p:txBody>
+            <a:bodyPr wrap="square" rtlCol="0">
+              <a:spAutoFit/>
+            </a:bodyPr>
+            <a:lstStyle/>
+            <a:p>
+              <a:pPr algn="ctr"/>
+              <a:r>
+                <a:rPr lang="en-US" sz="3600" b="1">
+                  <a:solidFill>
+                    <a:srgbClr val="F0EEF0"/>
+                  </a:solidFill>
+                  <a:latin typeface="Tw Cen MT" panose="020B0602020104020603" pitchFamily="34" charset="0"/>
+                </a:rPr>
+                <a:t>Servicios</a:t>
+              </a:r>
+              <a:endParaRPr lang="en-US" sz="3600" b="1" dirty="0">
+                <a:solidFill>
+                  <a:srgbClr val="F0EEF0"/>
+                </a:solidFill>
+                <a:latin typeface="Tw Cen MT" panose="020B0602020104020603" pitchFamily="34" charset="0"/>
+              </a:endParaRPr>
+            </a:p>
+          </p:txBody>
+        </p:sp>
+        <p:pic>
+          <p:nvPicPr>
+            <p:cNvPr id="99" name="Picture 98">
+              <a:extLst>
+                <a:ext uri="{FF2B5EF4-FFF2-40B4-BE49-F238E27FC236}">
+                  <a16:creationId xmlns:a16="http://schemas.microsoft.com/office/drawing/2014/main" id="{F6ED4041-CDD9-443D-802E-47D4387906FA}"/>
+                </a:ext>
+              </a:extLst>
+            </p:cNvPr>
+            <p:cNvPicPr>
+              <a:picLocks noChangeAspect="1"/>
+            </p:cNvPicPr>
+            <p:nvPr/>
+          </p:nvPicPr>
+          <p:blipFill>
+            <a:blip r:embed="rId5">
+              <a:extLst>
+                <a:ext uri="{28A0092B-C50C-407E-A947-70E740481C1C}">
+                  <a14:useLocalDpi xmlns:a14="http://schemas.microsoft.com/office/drawing/2010/main" val="0"/>
+                </a:ext>
+              </a:extLst>
+            </a:blip>
+            <a:srcRect/>
+            <a:stretch/>
+          </p:blipFill>
+          <p:spPr>
+            <a:xfrm rot="16200000">
+              <a:off x="8992269" y="3247473"/>
+              <a:ext cx="530600" cy="530600"/>
+            </a:xfrm>
+            <a:prstGeom prst="rect">
+              <a:avLst/>
+            </a:prstGeom>
+          </p:spPr>
+        </p:pic>
+      </p:grpSp>
+      <p:grpSp>
+        <p:nvGrpSpPr>
+          <p:cNvPr id="71" name="Group 70">
+            <a:extLst>
+              <a:ext uri="{FF2B5EF4-FFF2-40B4-BE49-F238E27FC236}">
+                <a16:creationId xmlns:a16="http://schemas.microsoft.com/office/drawing/2014/main" id="{E7044FAB-DB4A-4E59-B111-8CA4168E7FA4}"/>
+              </a:ext>
+            </a:extLst>
+          </p:cNvPr>
+          <p:cNvGrpSpPr/>
+          <p:nvPr/>
+        </p:nvGrpSpPr>
+        <p:grpSpPr>
+          <a:xfrm>
+            <a:off x="-1780364" y="-1"/>
+            <a:ext cx="11860720" cy="6858000"/>
+            <a:chOff x="-2449883" y="-1"/>
+            <a:chExt cx="11860720" cy="6858000"/>
+          </a:xfrm>
+        </p:grpSpPr>
+        <p:sp>
+          <p:nvSpPr>
+            <p:cNvPr id="72" name="Rectangle 71">
+              <a:extLst>
+                <a:ext uri="{FF2B5EF4-FFF2-40B4-BE49-F238E27FC236}">
+                  <a16:creationId xmlns:a16="http://schemas.microsoft.com/office/drawing/2014/main" id="{824F072A-08CC-4CC6-B5EF-C1833A244FA3}"/>
+                </a:ext>
+              </a:extLst>
+            </p:cNvPr>
+            <p:cNvSpPr/>
+            <p:nvPr/>
+          </p:nvSpPr>
+          <p:spPr>
+            <a:xfrm>
+              <a:off x="-2449883" y="-1"/>
+              <a:ext cx="11860720" cy="6858000"/>
+            </a:xfrm>
+            <a:prstGeom prst="rect">
+              <a:avLst/>
+            </a:prstGeom>
+            <a:solidFill>
+              <a:srgbClr val="F0EEF0"/>
+            </a:solidFill>
+            <a:ln>
+              <a:noFill/>
+            </a:ln>
+            <a:effectLst>
+              <a:outerShdw blurRad="215900" dist="38100" sx="101000" sy="101000" algn="l" rotWithShape="0">
+                <a:schemeClr val="tx1">
+                  <a:lumMod val="65000"/>
+                  <a:lumOff val="35000"/>
+                  <a:alpha val="35000"/>
+                </a:schemeClr>
+              </a:outerShdw>
+            </a:effectLst>
+          </p:spPr>
+          <p:style>
+            <a:lnRef idx="2">
+              <a:schemeClr val="accent1">
+                <a:shade val="50000"/>
+              </a:schemeClr>
+            </a:lnRef>
+            <a:fillRef idx="1">
+              <a:schemeClr val="accent1"/>
+            </a:fillRef>
+            <a:effectRef idx="0">
+              <a:schemeClr val="accent1"/>
+            </a:effectRef>
+            <a:fontRef idx="minor">
+              <a:schemeClr val="lt1"/>
+            </a:fontRef>
+          </p:style>
+          <p:txBody>
+            <a:bodyPr rtlCol="0" anchor="ctr"/>
+            <a:lstStyle/>
+            <a:p>
+              <a:pPr algn="ctr"/>
+              <a:endParaRPr lang="en-US" dirty="0"/>
+            </a:p>
+          </p:txBody>
+        </p:sp>
+        <p:sp>
+          <p:nvSpPr>
+            <p:cNvPr id="73" name="Freeform: Shape 72">
+              <a:extLst>
+                <a:ext uri="{FF2B5EF4-FFF2-40B4-BE49-F238E27FC236}">
+                  <a16:creationId xmlns:a16="http://schemas.microsoft.com/office/drawing/2014/main" id="{A3C6C4A9-8B6A-429B-980E-26CD0C3A573E}"/>
+                </a:ext>
+              </a:extLst>
+            </p:cNvPr>
+            <p:cNvSpPr/>
+            <p:nvPr/>
+          </p:nvSpPr>
+          <p:spPr>
+            <a:xfrm>
+              <a:off x="8242436" y="2337439"/>
+              <a:ext cx="1168400" cy="2360918"/>
+            </a:xfrm>
+            <a:custGeom>
+              <a:avLst/>
+              <a:gdLst>
+                <a:gd name="connsiteX0" fmla="*/ 1168400 w 1168400"/>
+                <a:gd name="connsiteY0" fmla="*/ 0 h 2360918"/>
+                <a:gd name="connsiteX1" fmla="*/ 1168400 w 1168400"/>
+                <a:gd name="connsiteY1" fmla="*/ 2360918 h 2360918"/>
+                <a:gd name="connsiteX2" fmla="*/ 1060340 w 1168400"/>
+                <a:gd name="connsiteY2" fmla="*/ 2355461 h 2360918"/>
+                <a:gd name="connsiteX3" fmla="*/ 0 w 1168400"/>
+                <a:gd name="connsiteY3" fmla="*/ 1180459 h 2360918"/>
+                <a:gd name="connsiteX4" fmla="*/ 1060340 w 1168400"/>
+                <a:gd name="connsiteY4" fmla="*/ 5457 h 2360918"/>
+              </a:gdLst>
+              <a:ahLst/>
+              <a:cxnLst>
+                <a:cxn ang="0">
+                  <a:pos x="connsiteX0" y="connsiteY0"/>
+                </a:cxn>
+                <a:cxn ang="0">
+                  <a:pos x="connsiteX1" y="connsiteY1"/>
+                </a:cxn>
+                <a:cxn ang="0">
+                  <a:pos x="connsiteX2" y="connsiteY2"/>
+                </a:cxn>
+                <a:cxn ang="0">
+                  <a:pos x="connsiteX3" y="connsiteY3"/>
+                </a:cxn>
+                <a:cxn ang="0">
+                  <a:pos x="connsiteX4" y="connsiteY4"/>
+                </a:cxn>
+              </a:cxnLst>
+              <a:rect l="l" t="t" r="r" b="b"/>
+              <a:pathLst>
+                <a:path w="1168400" h="2360918">
+                  <a:moveTo>
+                    <a:pt x="1168400" y="0"/>
+                  </a:moveTo>
+                  <a:lnTo>
+                    <a:pt x="1168400" y="2360918"/>
+                  </a:lnTo>
+                  <a:lnTo>
+                    <a:pt x="1060340" y="2355461"/>
+                  </a:lnTo>
+                  <a:cubicBezTo>
+                    <a:pt x="464762" y="2294977"/>
+                    <a:pt x="0" y="1791994"/>
+                    <a:pt x="0" y="1180459"/>
+                  </a:cubicBezTo>
+                  <a:cubicBezTo>
+                    <a:pt x="0" y="568924"/>
+                    <a:pt x="464762" y="65941"/>
+                    <a:pt x="1060340" y="5457"/>
+                  </a:cubicBezTo>
+                  <a:close/>
+                </a:path>
+              </a:pathLst>
+            </a:custGeom>
+            <a:solidFill>
+              <a:srgbClr val="92D050"/>
+            </a:solidFill>
+            <a:ln>
+              <a:noFill/>
+            </a:ln>
+          </p:spPr>
+          <p:style>
+            <a:lnRef idx="2">
+              <a:schemeClr val="accent1">
+                <a:shade val="50000"/>
+              </a:schemeClr>
+            </a:lnRef>
+            <a:fillRef idx="1">
+              <a:schemeClr val="accent1"/>
+            </a:fillRef>
+            <a:effectRef idx="0">
+              <a:schemeClr val="accent1"/>
+            </a:effectRef>
+            <a:fontRef idx="minor">
+              <a:schemeClr val="lt1"/>
+            </a:fontRef>
+          </p:style>
+          <p:txBody>
+            <a:bodyPr rtlCol="0" anchor="ctr"/>
+            <a:lstStyle/>
+            <a:p>
+              <a:pPr algn="ctr"/>
+              <a:endParaRPr lang="en-US" dirty="0"/>
+            </a:p>
+          </p:txBody>
+        </p:sp>
+        <p:sp>
+          <p:nvSpPr>
+            <p:cNvPr id="74" name="TextBox 73">
+              <a:extLst>
+                <a:ext uri="{FF2B5EF4-FFF2-40B4-BE49-F238E27FC236}">
+                  <a16:creationId xmlns:a16="http://schemas.microsoft.com/office/drawing/2014/main" id="{858AC381-BFD1-4A89-AE49-8ADC853A6849}"/>
+                </a:ext>
+              </a:extLst>
+            </p:cNvPr>
+            <p:cNvSpPr txBox="1"/>
+            <p:nvPr/>
+          </p:nvSpPr>
+          <p:spPr>
+            <a:xfrm rot="16200000">
+              <a:off x="8091629" y="3189609"/>
+              <a:ext cx="1992086" cy="646331"/>
+            </a:xfrm>
+            <a:prstGeom prst="rect">
+              <a:avLst/>
+            </a:prstGeom>
+            <a:noFill/>
+          </p:spPr>
+          <p:txBody>
+            <a:bodyPr wrap="square" rtlCol="0">
+              <a:spAutoFit/>
+            </a:bodyPr>
+            <a:lstStyle/>
+            <a:p>
+              <a:pPr algn="ctr"/>
+              <a:r>
+                <a:rPr lang="en-US" sz="3600" b="1" dirty="0">
+                  <a:solidFill>
+                    <a:srgbClr val="F0EEF0"/>
+                  </a:solidFill>
+                  <a:latin typeface="Tw Cen MT" panose="020B0602020104020603" pitchFamily="34" charset="0"/>
+                </a:rPr>
+                <a:t>Android</a:t>
+              </a:r>
+            </a:p>
+          </p:txBody>
+        </p:sp>
+        <p:pic>
+          <p:nvPicPr>
+            <p:cNvPr id="75" name="Picture 74">
+              <a:extLst>
+                <a:ext uri="{FF2B5EF4-FFF2-40B4-BE49-F238E27FC236}">
+                  <a16:creationId xmlns:a16="http://schemas.microsoft.com/office/drawing/2014/main" id="{9DF2E944-82FA-495B-8A5C-9BDE26355383}"/>
+                </a:ext>
+              </a:extLst>
+            </p:cNvPr>
+            <p:cNvPicPr>
+              <a:picLocks noChangeAspect="1"/>
+            </p:cNvPicPr>
+            <p:nvPr/>
+          </p:nvPicPr>
+          <p:blipFill>
+            <a:blip r:embed="rId6">
+              <a:extLst>
+                <a:ext uri="{28A0092B-C50C-407E-A947-70E740481C1C}">
+                  <a14:useLocalDpi xmlns:a14="http://schemas.microsoft.com/office/drawing/2010/main" val="0"/>
+                </a:ext>
+              </a:extLst>
+            </a:blip>
+            <a:srcRect/>
+            <a:stretch/>
+          </p:blipFill>
+          <p:spPr>
+            <a:xfrm rot="16200000">
+              <a:off x="8340472" y="3247473"/>
+              <a:ext cx="530600" cy="530600"/>
+            </a:xfrm>
+            <a:prstGeom prst="rect">
+              <a:avLst/>
+            </a:prstGeom>
+          </p:spPr>
+        </p:pic>
+      </p:grpSp>
+      <p:grpSp>
+        <p:nvGrpSpPr>
+          <p:cNvPr id="76" name="Group 75">
+            <a:extLst>
+              <a:ext uri="{FF2B5EF4-FFF2-40B4-BE49-F238E27FC236}">
+                <a16:creationId xmlns:a16="http://schemas.microsoft.com/office/drawing/2014/main" id="{60E31D48-090A-4A9C-AF5C-4B0C49C47C7D}"/>
+              </a:ext>
+            </a:extLst>
+          </p:cNvPr>
+          <p:cNvGrpSpPr/>
+          <p:nvPr/>
+        </p:nvGrpSpPr>
+        <p:grpSpPr>
+          <a:xfrm>
+            <a:off x="-9395082" y="-1"/>
+            <a:ext cx="9927504" cy="6858000"/>
+            <a:chOff x="-9337032" y="-1"/>
+            <a:chExt cx="9927504" cy="6858000"/>
+          </a:xfrm>
+        </p:grpSpPr>
+        <p:sp>
+          <p:nvSpPr>
+            <p:cNvPr id="77" name="Rectangle 76">
+              <a:extLst>
+                <a:ext uri="{FF2B5EF4-FFF2-40B4-BE49-F238E27FC236}">
+                  <a16:creationId xmlns:a16="http://schemas.microsoft.com/office/drawing/2014/main" id="{3A79A714-CB74-4EFD-9BC1-A7F2F993842A}"/>
+                </a:ext>
+              </a:extLst>
+            </p:cNvPr>
+            <p:cNvSpPr/>
+            <p:nvPr/>
+          </p:nvSpPr>
+          <p:spPr>
+            <a:xfrm>
+              <a:off x="-9337032" y="-1"/>
+              <a:ext cx="9923504" cy="6858000"/>
+            </a:xfrm>
+            <a:prstGeom prst="rect">
+              <a:avLst/>
+            </a:prstGeom>
+            <a:solidFill>
+              <a:srgbClr val="F0EEF0"/>
+            </a:solidFill>
+            <a:ln>
+              <a:noFill/>
+            </a:ln>
+            <a:effectLst>
+              <a:outerShdw blurRad="215900" dist="38100" sx="101000" sy="101000" algn="l" rotWithShape="0">
+                <a:schemeClr val="tx1">
+                  <a:lumMod val="65000"/>
+                  <a:lumOff val="35000"/>
+                  <a:alpha val="35000"/>
+                </a:schemeClr>
+              </a:outerShdw>
+            </a:effectLst>
+          </p:spPr>
+          <p:style>
+            <a:lnRef idx="2">
+              <a:schemeClr val="accent1">
+                <a:shade val="50000"/>
+              </a:schemeClr>
+            </a:lnRef>
+            <a:fillRef idx="1">
+              <a:schemeClr val="accent1"/>
+            </a:fillRef>
+            <a:effectRef idx="0">
+              <a:schemeClr val="accent1"/>
+            </a:effectRef>
+            <a:fontRef idx="minor">
+              <a:schemeClr val="lt1"/>
+            </a:fontRef>
+          </p:style>
+          <p:txBody>
+            <a:bodyPr rtlCol="0" anchor="ctr"/>
+            <a:lstStyle/>
+            <a:p>
+              <a:pPr algn="ctr"/>
+              <a:endParaRPr lang="en-US" dirty="0"/>
+            </a:p>
+          </p:txBody>
+        </p:sp>
+        <p:sp>
+          <p:nvSpPr>
+            <p:cNvPr id="78" name="Freeform: Shape 77">
+              <a:extLst>
+                <a:ext uri="{FF2B5EF4-FFF2-40B4-BE49-F238E27FC236}">
+                  <a16:creationId xmlns:a16="http://schemas.microsoft.com/office/drawing/2014/main" id="{B006C60A-833A-41C2-A553-8132E7B3A7DB}"/>
+                </a:ext>
+              </a:extLst>
+            </p:cNvPr>
+            <p:cNvSpPr/>
+            <p:nvPr/>
+          </p:nvSpPr>
+          <p:spPr>
+            <a:xfrm>
+              <a:off x="-577928" y="2337438"/>
+              <a:ext cx="1168400" cy="2360918"/>
+            </a:xfrm>
+            <a:custGeom>
+              <a:avLst/>
+              <a:gdLst>
+                <a:gd name="connsiteX0" fmla="*/ 1168400 w 1168400"/>
+                <a:gd name="connsiteY0" fmla="*/ 0 h 2360918"/>
+                <a:gd name="connsiteX1" fmla="*/ 1168400 w 1168400"/>
+                <a:gd name="connsiteY1" fmla="*/ 2360918 h 2360918"/>
+                <a:gd name="connsiteX2" fmla="*/ 1060340 w 1168400"/>
+                <a:gd name="connsiteY2" fmla="*/ 2355461 h 2360918"/>
+                <a:gd name="connsiteX3" fmla="*/ 0 w 1168400"/>
+                <a:gd name="connsiteY3" fmla="*/ 1180459 h 2360918"/>
+                <a:gd name="connsiteX4" fmla="*/ 1060340 w 1168400"/>
+                <a:gd name="connsiteY4" fmla="*/ 5457 h 2360918"/>
+              </a:gdLst>
+              <a:ahLst/>
+              <a:cxnLst>
+                <a:cxn ang="0">
+                  <a:pos x="connsiteX0" y="connsiteY0"/>
+                </a:cxn>
+                <a:cxn ang="0">
+                  <a:pos x="connsiteX1" y="connsiteY1"/>
+                </a:cxn>
+                <a:cxn ang="0">
+                  <a:pos x="connsiteX2" y="connsiteY2"/>
+                </a:cxn>
+                <a:cxn ang="0">
+                  <a:pos x="connsiteX3" y="connsiteY3"/>
+                </a:cxn>
+                <a:cxn ang="0">
+                  <a:pos x="connsiteX4" y="connsiteY4"/>
+                </a:cxn>
+              </a:cxnLst>
+              <a:rect l="l" t="t" r="r" b="b"/>
+              <a:pathLst>
+                <a:path w="1168400" h="2360918">
+                  <a:moveTo>
+                    <a:pt x="1168400" y="0"/>
+                  </a:moveTo>
+                  <a:lnTo>
+                    <a:pt x="1168400" y="2360918"/>
+                  </a:lnTo>
+                  <a:lnTo>
+                    <a:pt x="1060340" y="2355461"/>
+                  </a:lnTo>
+                  <a:cubicBezTo>
+                    <a:pt x="464762" y="2294977"/>
+                    <a:pt x="0" y="1791994"/>
+                    <a:pt x="0" y="1180459"/>
+                  </a:cubicBezTo>
+                  <a:cubicBezTo>
+                    <a:pt x="0" y="568924"/>
+                    <a:pt x="464762" y="65941"/>
+                    <a:pt x="1060340" y="5457"/>
+                  </a:cubicBezTo>
+                  <a:close/>
+                </a:path>
+              </a:pathLst>
+            </a:custGeom>
+            <a:solidFill>
+              <a:srgbClr val="00A0A8"/>
+            </a:solidFill>
+            <a:ln>
+              <a:noFill/>
+            </a:ln>
+          </p:spPr>
+          <p:style>
+            <a:lnRef idx="2">
+              <a:schemeClr val="accent1">
+                <a:shade val="50000"/>
+              </a:schemeClr>
+            </a:lnRef>
+            <a:fillRef idx="1">
+              <a:schemeClr val="accent1"/>
+            </a:fillRef>
+            <a:effectRef idx="0">
+              <a:schemeClr val="accent1"/>
+            </a:effectRef>
+            <a:fontRef idx="minor">
+              <a:schemeClr val="lt1"/>
+            </a:fontRef>
+          </p:style>
+          <p:txBody>
+            <a:bodyPr rtlCol="0" anchor="ctr"/>
+            <a:lstStyle/>
+            <a:p>
+              <a:pPr algn="ctr"/>
+              <a:endParaRPr lang="en-US" dirty="0"/>
+            </a:p>
+          </p:txBody>
+        </p:sp>
+        <p:sp>
+          <p:nvSpPr>
+            <p:cNvPr id="79" name="TextBox 78">
+              <a:extLst>
+                <a:ext uri="{FF2B5EF4-FFF2-40B4-BE49-F238E27FC236}">
+                  <a16:creationId xmlns:a16="http://schemas.microsoft.com/office/drawing/2014/main" id="{95AECC6C-A520-4756-9163-08D14835D791}"/>
+                </a:ext>
+              </a:extLst>
+            </p:cNvPr>
+            <p:cNvSpPr txBox="1"/>
+            <p:nvPr/>
+          </p:nvSpPr>
+          <p:spPr>
+            <a:xfrm rot="16200000">
+              <a:off x="-738260" y="3189608"/>
+              <a:ext cx="1992086" cy="646331"/>
+            </a:xfrm>
+            <a:prstGeom prst="rect">
+              <a:avLst/>
+            </a:prstGeom>
+            <a:noFill/>
+          </p:spPr>
+          <p:txBody>
+            <a:bodyPr wrap="square" rtlCol="0">
+              <a:spAutoFit/>
+            </a:bodyPr>
+            <a:lstStyle/>
+            <a:p>
+              <a:pPr algn="ctr"/>
+              <a:r>
+                <a:rPr lang="en-US" sz="3600" b="1" dirty="0">
+                  <a:solidFill>
+                    <a:srgbClr val="F0EEF0"/>
+                  </a:solidFill>
+                  <a:latin typeface="Tw Cen MT" panose="020B0602020104020603" pitchFamily="34" charset="0"/>
+                </a:rPr>
+                <a:t>iOS</a:t>
+              </a:r>
+            </a:p>
+          </p:txBody>
+        </p:sp>
+        <p:pic>
+          <p:nvPicPr>
+            <p:cNvPr id="80" name="Picture 79">
+              <a:extLst>
+                <a:ext uri="{FF2B5EF4-FFF2-40B4-BE49-F238E27FC236}">
+                  <a16:creationId xmlns:a16="http://schemas.microsoft.com/office/drawing/2014/main" id="{0F8A56B9-A504-4035-8439-53ED4617B8B4}"/>
+                </a:ext>
+              </a:extLst>
+            </p:cNvPr>
+            <p:cNvPicPr>
+              <a:picLocks noChangeAspect="1"/>
+            </p:cNvPicPr>
+            <p:nvPr/>
+          </p:nvPicPr>
+          <p:blipFill>
+            <a:blip r:embed="rId7">
+              <a:extLst>
+                <a:ext uri="{28A0092B-C50C-407E-A947-70E740481C1C}">
+                  <a14:useLocalDpi xmlns:a14="http://schemas.microsoft.com/office/drawing/2010/main" val="0"/>
+                </a:ext>
+              </a:extLst>
+            </a:blip>
+            <a:srcRect/>
+            <a:stretch/>
+          </p:blipFill>
+          <p:spPr>
+            <a:xfrm rot="16200000">
+              <a:off x="-491912" y="3247473"/>
+              <a:ext cx="530600" cy="530600"/>
+            </a:xfrm>
+            <a:prstGeom prst="rect">
+              <a:avLst/>
+            </a:prstGeom>
+          </p:spPr>
+        </p:pic>
+      </p:grpSp>
+    </p:spTree>
+    <p:extLst>
+      <p:ext uri="{BB962C8B-B14F-4D97-AF65-F5344CB8AC3E}">
+        <p14:creationId xmlns:p14="http://schemas.microsoft.com/office/powerpoint/2010/main" val="3557959593"/>
+      </p:ext>
+    </p:extLst>
+  </p:cSld>
+  <p:clrMapOvr>
+    <a:masterClrMapping/>
+  </p:clrMapOvr>
+  <mc:AlternateContent xmlns:mc="http://schemas.openxmlformats.org/markup-compatibility/2006" xmlns:p159="http://schemas.microsoft.com/office/powerpoint/2015/09/main">
+    <mc:Choice Requires="p159">
+      <p:transition spd="med">
+        <p159:morph option="byObject"/>
+      </p:transition>
+    </mc:Choice>
+    <mc:Fallback xmlns="">
+      <p:transition spd="med">
+        <p:fade/>
+      </p:transition>
+    </mc:Fallback>
+  </mc:AlternateContent>
+</p:sld>
+</file>
+
+<file path=ppt/slides/slide15.xml><?xml version="1.0" encoding="utf-8"?>
+<p:sld xmlns:a="http://schemas.openxmlformats.org/drawingml/2006/main" xmlns:r="http://schemas.openxmlformats.org/officeDocument/2006/relationships" xmlns:p="http://schemas.openxmlformats.org/presentationml/2006/main">
+  <p:cSld>
+    <p:spTree>
+      <p:nvGrpSpPr>
+        <p:cNvPr id="1" name=""/>
+        <p:cNvGrpSpPr/>
+        <p:nvPr/>
+      </p:nvGrpSpPr>
+      <p:grpSpPr>
+        <a:xfrm>
+          <a:off x="0" y="0"/>
+          <a:ext cx="0" cy="0"/>
+          <a:chOff x="0" y="0"/>
+          <a:chExt cx="0" cy="0"/>
+        </a:xfrm>
+      </p:grpSpPr>
+      <p:grpSp>
+        <p:nvGrpSpPr>
+          <p:cNvPr id="50" name="Group 49">
+            <a:extLst>
+              <a:ext uri="{FF2B5EF4-FFF2-40B4-BE49-F238E27FC236}">
+                <a16:creationId xmlns:a16="http://schemas.microsoft.com/office/drawing/2014/main" id="{10781169-B7A4-446E-BD33-B9650367A7F9}"/>
+              </a:ext>
+            </a:extLst>
+          </p:cNvPr>
+          <p:cNvGrpSpPr/>
+          <p:nvPr/>
+        </p:nvGrpSpPr>
+        <p:grpSpPr>
+          <a:xfrm>
+            <a:off x="-176620" y="0"/>
+            <a:ext cx="12482920" cy="6858000"/>
+            <a:chOff x="-290920" y="0"/>
+            <a:chExt cx="12482920" cy="6858000"/>
+          </a:xfrm>
+        </p:grpSpPr>
+        <p:sp>
+          <p:nvSpPr>
+            <p:cNvPr id="51" name="Rectangle 50">
+              <a:extLst>
+                <a:ext uri="{FF2B5EF4-FFF2-40B4-BE49-F238E27FC236}">
+                  <a16:creationId xmlns:a16="http://schemas.microsoft.com/office/drawing/2014/main" id="{CED3AF08-30FC-4AFF-9C5C-99D0A7099514}"/>
+                </a:ext>
+              </a:extLst>
+            </p:cNvPr>
+            <p:cNvSpPr/>
+            <p:nvPr/>
+          </p:nvSpPr>
+          <p:spPr>
+            <a:xfrm>
+              <a:off x="-290920" y="0"/>
+              <a:ext cx="12482920" cy="6858000"/>
+            </a:xfrm>
+            <a:prstGeom prst="rect">
+              <a:avLst/>
+            </a:prstGeom>
+            <a:solidFill>
+              <a:srgbClr val="F0EEF0"/>
+            </a:solidFill>
+            <a:ln>
+              <a:noFill/>
+            </a:ln>
+            <a:effectLst>
+              <a:outerShdw blurRad="215900" dist="38100" sx="101000" sy="101000" algn="l" rotWithShape="0">
+                <a:schemeClr val="tx1">
+                  <a:lumMod val="65000"/>
+                  <a:lumOff val="35000"/>
+                  <a:alpha val="35000"/>
+                </a:schemeClr>
+              </a:outerShdw>
+            </a:effectLst>
+          </p:spPr>
+          <p:style>
+            <a:lnRef idx="2">
+              <a:schemeClr val="accent1">
+                <a:shade val="50000"/>
+              </a:schemeClr>
+            </a:lnRef>
+            <a:fillRef idx="1">
+              <a:schemeClr val="accent1"/>
+            </a:fillRef>
+            <a:effectRef idx="0">
+              <a:schemeClr val="accent1"/>
+            </a:effectRef>
+            <a:fontRef idx="minor">
+              <a:schemeClr val="lt1"/>
+            </a:fontRef>
+          </p:style>
+          <p:txBody>
+            <a:bodyPr rtlCol="0" anchor="ctr"/>
+            <a:lstStyle/>
+            <a:p>
+              <a:pPr algn="ctr"/>
+              <a:endParaRPr lang="en-US" dirty="0"/>
+            </a:p>
+          </p:txBody>
+        </p:sp>
+        <p:sp>
+          <p:nvSpPr>
+            <p:cNvPr id="52" name="Freeform: Shape 51">
+              <a:extLst>
+                <a:ext uri="{FF2B5EF4-FFF2-40B4-BE49-F238E27FC236}">
+                  <a16:creationId xmlns:a16="http://schemas.microsoft.com/office/drawing/2014/main" id="{99AF1FBA-9557-484A-B305-EE590A192E96}"/>
+                </a:ext>
+              </a:extLst>
+            </p:cNvPr>
+            <p:cNvSpPr/>
+            <p:nvPr/>
+          </p:nvSpPr>
+          <p:spPr>
+            <a:xfrm>
+              <a:off x="11023600" y="2337441"/>
+              <a:ext cx="1168400" cy="2360918"/>
+            </a:xfrm>
+            <a:custGeom>
+              <a:avLst/>
+              <a:gdLst>
+                <a:gd name="connsiteX0" fmla="*/ 1168400 w 1168400"/>
+                <a:gd name="connsiteY0" fmla="*/ 0 h 2360918"/>
+                <a:gd name="connsiteX1" fmla="*/ 1168400 w 1168400"/>
+                <a:gd name="connsiteY1" fmla="*/ 2360918 h 2360918"/>
+                <a:gd name="connsiteX2" fmla="*/ 1060340 w 1168400"/>
+                <a:gd name="connsiteY2" fmla="*/ 2355461 h 2360918"/>
+                <a:gd name="connsiteX3" fmla="*/ 0 w 1168400"/>
+                <a:gd name="connsiteY3" fmla="*/ 1180459 h 2360918"/>
+                <a:gd name="connsiteX4" fmla="*/ 1060340 w 1168400"/>
+                <a:gd name="connsiteY4" fmla="*/ 5457 h 2360918"/>
+              </a:gdLst>
+              <a:ahLst/>
+              <a:cxnLst>
+                <a:cxn ang="0">
+                  <a:pos x="connsiteX0" y="connsiteY0"/>
+                </a:cxn>
+                <a:cxn ang="0">
+                  <a:pos x="connsiteX1" y="connsiteY1"/>
+                </a:cxn>
+                <a:cxn ang="0">
+                  <a:pos x="connsiteX2" y="connsiteY2"/>
+                </a:cxn>
+                <a:cxn ang="0">
+                  <a:pos x="connsiteX3" y="connsiteY3"/>
+                </a:cxn>
+                <a:cxn ang="0">
+                  <a:pos x="connsiteX4" y="connsiteY4"/>
+                </a:cxn>
+              </a:cxnLst>
+              <a:rect l="l" t="t" r="r" b="b"/>
+              <a:pathLst>
+                <a:path w="1168400" h="2360918">
+                  <a:moveTo>
+                    <a:pt x="1168400" y="0"/>
+                  </a:moveTo>
+                  <a:lnTo>
+                    <a:pt x="1168400" y="2360918"/>
+                  </a:lnTo>
+                  <a:lnTo>
+                    <a:pt x="1060340" y="2355461"/>
+                  </a:lnTo>
+                  <a:cubicBezTo>
+                    <a:pt x="464762" y="2294977"/>
+                    <a:pt x="0" y="1791994"/>
+                    <a:pt x="0" y="1180459"/>
+                  </a:cubicBezTo>
+                  <a:cubicBezTo>
+                    <a:pt x="0" y="568924"/>
+                    <a:pt x="464762" y="65941"/>
+                    <a:pt x="1060340" y="5457"/>
+                  </a:cubicBezTo>
+                  <a:close/>
+                </a:path>
+              </a:pathLst>
+            </a:custGeom>
+            <a:solidFill>
+              <a:srgbClr val="E565F3"/>
+            </a:solidFill>
+            <a:ln>
+              <a:noFill/>
+            </a:ln>
+          </p:spPr>
+          <p:style>
+            <a:lnRef idx="2">
+              <a:schemeClr val="accent1">
+                <a:shade val="50000"/>
+              </a:schemeClr>
+            </a:lnRef>
+            <a:fillRef idx="1">
+              <a:schemeClr val="accent1"/>
+            </a:fillRef>
+            <a:effectRef idx="0">
+              <a:schemeClr val="accent1"/>
+            </a:effectRef>
+            <a:fontRef idx="minor">
+              <a:schemeClr val="lt1"/>
+            </a:fontRef>
+          </p:style>
+          <p:txBody>
+            <a:bodyPr rtlCol="0" anchor="ctr"/>
+            <a:lstStyle/>
+            <a:p>
+              <a:pPr algn="ctr"/>
+              <a:endParaRPr lang="en-US" dirty="0"/>
+            </a:p>
+          </p:txBody>
+        </p:sp>
+        <p:sp>
+          <p:nvSpPr>
+            <p:cNvPr id="53" name="TextBox 52">
+              <a:extLst>
+                <a:ext uri="{FF2B5EF4-FFF2-40B4-BE49-F238E27FC236}">
+                  <a16:creationId xmlns:a16="http://schemas.microsoft.com/office/drawing/2014/main" id="{407E3AA2-679E-4924-AC1B-FE6C3A02C251}"/>
+                </a:ext>
+              </a:extLst>
+            </p:cNvPr>
+            <p:cNvSpPr txBox="1"/>
+            <p:nvPr/>
+          </p:nvSpPr>
+          <p:spPr>
+            <a:xfrm rot="16200000">
+              <a:off x="10872792" y="3194734"/>
+              <a:ext cx="1992086" cy="646331"/>
+            </a:xfrm>
+            <a:prstGeom prst="rect">
+              <a:avLst/>
+            </a:prstGeom>
+            <a:noFill/>
+          </p:spPr>
+          <p:txBody>
+            <a:bodyPr wrap="square" rtlCol="0">
+              <a:spAutoFit/>
+            </a:bodyPr>
+            <a:lstStyle/>
+            <a:p>
+              <a:pPr algn="ctr"/>
+              <a:r>
+                <a:rPr lang="en-US" sz="3600" b="1" dirty="0">
+                  <a:solidFill>
+                    <a:srgbClr val="F0EEF0"/>
+                  </a:solidFill>
+                  <a:latin typeface="Tw Cen MT" panose="020B0602020104020603" pitchFamily="34" charset="0"/>
+                </a:rPr>
+                <a:t>Equipo</a:t>
+              </a:r>
+            </a:p>
+          </p:txBody>
+        </p:sp>
+        <p:pic>
+          <p:nvPicPr>
+            <p:cNvPr id="54" name="Picture 53">
+              <a:extLst>
+                <a:ext uri="{FF2B5EF4-FFF2-40B4-BE49-F238E27FC236}">
+                  <a16:creationId xmlns:a16="http://schemas.microsoft.com/office/drawing/2014/main" id="{CD9846FC-755F-4A0E-BAD3-A5D51C0E1EBE}"/>
+                </a:ext>
+              </a:extLst>
+            </p:cNvPr>
+            <p:cNvPicPr>
+              <a:picLocks noChangeAspect="1"/>
+            </p:cNvPicPr>
+            <p:nvPr/>
+          </p:nvPicPr>
+          <p:blipFill>
+            <a:blip r:embed="rId2">
+              <a:extLst>
+                <a:ext uri="{28A0092B-C50C-407E-A947-70E740481C1C}">
+                  <a14:useLocalDpi xmlns:a14="http://schemas.microsoft.com/office/drawing/2010/main" val="0"/>
+                </a:ext>
+              </a:extLst>
+            </a:blip>
+            <a:srcRect/>
+            <a:stretch/>
+          </p:blipFill>
+          <p:spPr>
+            <a:xfrm rot="16200000">
+              <a:off x="11129999" y="3247473"/>
+              <a:ext cx="530600" cy="530600"/>
+            </a:xfrm>
+            <a:prstGeom prst="rect">
+              <a:avLst/>
+            </a:prstGeom>
+          </p:spPr>
+        </p:pic>
+      </p:grpSp>
+      <p:grpSp>
+        <p:nvGrpSpPr>
+          <p:cNvPr id="55" name="Group 54">
+            <a:extLst>
+              <a:ext uri="{FF2B5EF4-FFF2-40B4-BE49-F238E27FC236}">
+                <a16:creationId xmlns:a16="http://schemas.microsoft.com/office/drawing/2014/main" id="{F00A67C9-4929-4EFF-9CB6-292640CD2738}"/>
+              </a:ext>
+            </a:extLst>
+          </p:cNvPr>
+          <p:cNvGrpSpPr/>
+          <p:nvPr/>
+        </p:nvGrpSpPr>
+        <p:grpSpPr>
+          <a:xfrm>
+            <a:off x="252188" y="-2"/>
+            <a:ext cx="11447503" cy="6858000"/>
+            <a:chOff x="213096" y="0"/>
+            <a:chExt cx="11447503" cy="6858000"/>
+          </a:xfrm>
+        </p:grpSpPr>
+        <p:sp>
+          <p:nvSpPr>
+            <p:cNvPr id="56" name="Rectangle 55">
+              <a:extLst>
+                <a:ext uri="{FF2B5EF4-FFF2-40B4-BE49-F238E27FC236}">
+                  <a16:creationId xmlns:a16="http://schemas.microsoft.com/office/drawing/2014/main" id="{3E8CDB02-4760-4298-BC44-93A18EB02F13}"/>
+                </a:ext>
+              </a:extLst>
+            </p:cNvPr>
+            <p:cNvSpPr/>
+            <p:nvPr/>
+          </p:nvSpPr>
+          <p:spPr>
+            <a:xfrm>
+              <a:off x="213096" y="0"/>
+              <a:ext cx="11447501" cy="6858000"/>
+            </a:xfrm>
+            <a:prstGeom prst="rect">
+              <a:avLst/>
+            </a:prstGeom>
+            <a:solidFill>
+              <a:srgbClr val="F0EEF0"/>
+            </a:solidFill>
+            <a:ln>
+              <a:noFill/>
+            </a:ln>
+            <a:effectLst>
+              <a:outerShdw blurRad="215900" dist="38100" sx="101000" sy="101000" algn="l" rotWithShape="0">
+                <a:schemeClr val="tx1">
+                  <a:lumMod val="65000"/>
+                  <a:lumOff val="35000"/>
+                  <a:alpha val="35000"/>
+                </a:schemeClr>
+              </a:outerShdw>
+            </a:effectLst>
+          </p:spPr>
+          <p:style>
+            <a:lnRef idx="2">
+              <a:schemeClr val="accent1">
+                <a:shade val="50000"/>
+              </a:schemeClr>
+            </a:lnRef>
+            <a:fillRef idx="1">
+              <a:schemeClr val="accent1"/>
+            </a:fillRef>
+            <a:effectRef idx="0">
+              <a:schemeClr val="accent1"/>
+            </a:effectRef>
+            <a:fontRef idx="minor">
+              <a:schemeClr val="lt1"/>
+            </a:fontRef>
+          </p:style>
+          <p:txBody>
+            <a:bodyPr rtlCol="0" anchor="ctr"/>
+            <a:lstStyle/>
+            <a:p>
+              <a:pPr algn="ctr"/>
+              <a:endParaRPr lang="en-US" dirty="0"/>
+            </a:p>
+          </p:txBody>
+        </p:sp>
+        <p:sp>
+          <p:nvSpPr>
+            <p:cNvPr id="57" name="Freeform: Shape 56">
+              <a:extLst>
+                <a:ext uri="{FF2B5EF4-FFF2-40B4-BE49-F238E27FC236}">
+                  <a16:creationId xmlns:a16="http://schemas.microsoft.com/office/drawing/2014/main" id="{57C0FD50-5E69-463E-A01B-65E9D864A386}"/>
+                </a:ext>
+              </a:extLst>
+            </p:cNvPr>
+            <p:cNvSpPr/>
+            <p:nvPr/>
+          </p:nvSpPr>
+          <p:spPr>
+            <a:xfrm>
+              <a:off x="10492197" y="2337441"/>
+              <a:ext cx="1168400" cy="2360918"/>
+            </a:xfrm>
+            <a:custGeom>
+              <a:avLst/>
+              <a:gdLst>
+                <a:gd name="connsiteX0" fmla="*/ 1168400 w 1168400"/>
+                <a:gd name="connsiteY0" fmla="*/ 0 h 2360918"/>
+                <a:gd name="connsiteX1" fmla="*/ 1168400 w 1168400"/>
+                <a:gd name="connsiteY1" fmla="*/ 2360918 h 2360918"/>
+                <a:gd name="connsiteX2" fmla="*/ 1060340 w 1168400"/>
+                <a:gd name="connsiteY2" fmla="*/ 2355461 h 2360918"/>
+                <a:gd name="connsiteX3" fmla="*/ 0 w 1168400"/>
+                <a:gd name="connsiteY3" fmla="*/ 1180459 h 2360918"/>
+                <a:gd name="connsiteX4" fmla="*/ 1060340 w 1168400"/>
+                <a:gd name="connsiteY4" fmla="*/ 5457 h 2360918"/>
+              </a:gdLst>
+              <a:ahLst/>
+              <a:cxnLst>
+                <a:cxn ang="0">
+                  <a:pos x="connsiteX0" y="connsiteY0"/>
+                </a:cxn>
+                <a:cxn ang="0">
+                  <a:pos x="connsiteX1" y="connsiteY1"/>
+                </a:cxn>
+                <a:cxn ang="0">
+                  <a:pos x="connsiteX2" y="connsiteY2"/>
+                </a:cxn>
+                <a:cxn ang="0">
+                  <a:pos x="connsiteX3" y="connsiteY3"/>
+                </a:cxn>
+                <a:cxn ang="0">
+                  <a:pos x="connsiteX4" y="connsiteY4"/>
+                </a:cxn>
+              </a:cxnLst>
+              <a:rect l="l" t="t" r="r" b="b"/>
+              <a:pathLst>
+                <a:path w="1168400" h="2360918">
+                  <a:moveTo>
+                    <a:pt x="1168400" y="0"/>
+                  </a:moveTo>
+                  <a:lnTo>
+                    <a:pt x="1168400" y="2360918"/>
+                  </a:lnTo>
+                  <a:lnTo>
+                    <a:pt x="1060340" y="2355461"/>
+                  </a:lnTo>
+                  <a:cubicBezTo>
+                    <a:pt x="464762" y="2294977"/>
+                    <a:pt x="0" y="1791994"/>
+                    <a:pt x="0" y="1180459"/>
+                  </a:cubicBezTo>
+                  <a:cubicBezTo>
+                    <a:pt x="0" y="568924"/>
+                    <a:pt x="464762" y="65941"/>
+                    <a:pt x="1060340" y="5457"/>
+                  </a:cubicBezTo>
+                  <a:close/>
+                </a:path>
+              </a:pathLst>
+            </a:custGeom>
+            <a:solidFill>
+              <a:srgbClr val="52CDC0"/>
+            </a:solidFill>
+            <a:ln>
+              <a:noFill/>
+            </a:ln>
+          </p:spPr>
+          <p:style>
+            <a:lnRef idx="2">
+              <a:schemeClr val="accent1">
+                <a:shade val="50000"/>
+              </a:schemeClr>
+            </a:lnRef>
+            <a:fillRef idx="1">
+              <a:schemeClr val="accent1"/>
+            </a:fillRef>
+            <a:effectRef idx="0">
+              <a:schemeClr val="accent1"/>
+            </a:effectRef>
+            <a:fontRef idx="minor">
+              <a:schemeClr val="lt1"/>
+            </a:fontRef>
+          </p:style>
+          <p:txBody>
+            <a:bodyPr rtlCol="0" anchor="ctr"/>
+            <a:lstStyle/>
+            <a:p>
+              <a:pPr algn="ctr"/>
+              <a:endParaRPr lang="en-US" dirty="0"/>
+            </a:p>
+          </p:txBody>
+        </p:sp>
+        <p:sp>
+          <p:nvSpPr>
+            <p:cNvPr id="58" name="TextBox 57">
+              <a:extLst>
+                <a:ext uri="{FF2B5EF4-FFF2-40B4-BE49-F238E27FC236}">
+                  <a16:creationId xmlns:a16="http://schemas.microsoft.com/office/drawing/2014/main" id="{04CBFB1D-37FD-419F-B98C-860BF5217905}"/>
+                </a:ext>
+              </a:extLst>
+            </p:cNvPr>
+            <p:cNvSpPr txBox="1"/>
+            <p:nvPr/>
+          </p:nvSpPr>
+          <p:spPr>
+            <a:xfrm rot="16200000">
+              <a:off x="10341391" y="3105834"/>
+              <a:ext cx="1992086" cy="646331"/>
+            </a:xfrm>
+            <a:prstGeom prst="rect">
+              <a:avLst/>
+            </a:prstGeom>
+            <a:noFill/>
+          </p:spPr>
+          <p:txBody>
+            <a:bodyPr wrap="square" rtlCol="0">
+              <a:spAutoFit/>
+            </a:bodyPr>
+            <a:lstStyle/>
+            <a:p>
+              <a:pPr algn="ctr"/>
+              <a:r>
+                <a:rPr lang="en-US" sz="3600" b="1" dirty="0">
+                  <a:solidFill>
+                    <a:srgbClr val="F0EEF0"/>
+                  </a:solidFill>
+                  <a:latin typeface="Tw Cen MT" panose="020B0602020104020603" pitchFamily="34" charset="0"/>
+                </a:rPr>
+                <a:t>Contexto</a:t>
+              </a:r>
+            </a:p>
+          </p:txBody>
+        </p:sp>
+        <p:pic>
+          <p:nvPicPr>
+            <p:cNvPr id="59" name="Picture 58">
+              <a:extLst>
+                <a:ext uri="{FF2B5EF4-FFF2-40B4-BE49-F238E27FC236}">
+                  <a16:creationId xmlns:a16="http://schemas.microsoft.com/office/drawing/2014/main" id="{60B383F7-52C5-4FB7-AEC3-35A48D7354A0}"/>
+                </a:ext>
+              </a:extLst>
+            </p:cNvPr>
+            <p:cNvPicPr>
+              <a:picLocks noChangeAspect="1"/>
+            </p:cNvPicPr>
+            <p:nvPr/>
+          </p:nvPicPr>
+          <p:blipFill>
+            <a:blip r:embed="rId3">
+              <a:extLst>
+                <a:ext uri="{28A0092B-C50C-407E-A947-70E740481C1C}">
+                  <a14:useLocalDpi xmlns:a14="http://schemas.microsoft.com/office/drawing/2010/main" val="0"/>
+                </a:ext>
+              </a:extLst>
+            </a:blip>
+            <a:srcRect/>
+            <a:stretch/>
+          </p:blipFill>
+          <p:spPr>
+            <a:xfrm rot="16200000">
+              <a:off x="10600933" y="3247473"/>
+              <a:ext cx="530600" cy="530600"/>
+            </a:xfrm>
+            <a:prstGeom prst="rect">
+              <a:avLst/>
+            </a:prstGeom>
+          </p:spPr>
+        </p:pic>
+      </p:grpSp>
+      <p:grpSp>
+        <p:nvGrpSpPr>
+          <p:cNvPr id="60" name="Group 59">
+            <a:extLst>
+              <a:ext uri="{FF2B5EF4-FFF2-40B4-BE49-F238E27FC236}">
+                <a16:creationId xmlns:a16="http://schemas.microsoft.com/office/drawing/2014/main" id="{6F7667A6-1C16-4F0A-A162-61BD16E6BE6B}"/>
+              </a:ext>
+            </a:extLst>
+          </p:cNvPr>
+          <p:cNvGrpSpPr/>
+          <p:nvPr/>
+        </p:nvGrpSpPr>
+        <p:grpSpPr>
+          <a:xfrm>
+            <a:off x="1209533" y="0"/>
+            <a:ext cx="9961092" cy="6858000"/>
+            <a:chOff x="491575" y="0"/>
+            <a:chExt cx="9961092" cy="6858000"/>
+          </a:xfrm>
+        </p:grpSpPr>
+        <p:sp>
+          <p:nvSpPr>
+            <p:cNvPr id="61" name="Rectangle 60">
+              <a:extLst>
+                <a:ext uri="{FF2B5EF4-FFF2-40B4-BE49-F238E27FC236}">
+                  <a16:creationId xmlns:a16="http://schemas.microsoft.com/office/drawing/2014/main" id="{0E8C29A9-4AAB-442C-A7A4-40DCCE0A9694}"/>
+                </a:ext>
+              </a:extLst>
+            </p:cNvPr>
+            <p:cNvSpPr/>
+            <p:nvPr/>
+          </p:nvSpPr>
+          <p:spPr>
+            <a:xfrm>
+              <a:off x="491575" y="0"/>
+              <a:ext cx="9961092" cy="6858000"/>
+            </a:xfrm>
+            <a:prstGeom prst="rect">
+              <a:avLst/>
+            </a:prstGeom>
+            <a:solidFill>
+              <a:srgbClr val="F0EEF0"/>
+            </a:solidFill>
+            <a:ln>
+              <a:noFill/>
+            </a:ln>
+            <a:effectLst>
+              <a:outerShdw blurRad="215900" dist="38100" sx="101000" sy="101000" algn="l" rotWithShape="0">
+                <a:schemeClr val="tx1">
+                  <a:lumMod val="65000"/>
+                  <a:lumOff val="35000"/>
+                  <a:alpha val="35000"/>
+                </a:schemeClr>
+              </a:outerShdw>
+            </a:effectLst>
+          </p:spPr>
+          <p:style>
+            <a:lnRef idx="2">
+              <a:schemeClr val="accent1">
+                <a:shade val="50000"/>
+              </a:schemeClr>
+            </a:lnRef>
+            <a:fillRef idx="1">
+              <a:schemeClr val="accent1"/>
+            </a:fillRef>
+            <a:effectRef idx="0">
+              <a:schemeClr val="accent1"/>
+            </a:effectRef>
+            <a:fontRef idx="minor">
+              <a:schemeClr val="lt1"/>
+            </a:fontRef>
+          </p:style>
+          <p:txBody>
+            <a:bodyPr rtlCol="0" anchor="ctr"/>
+            <a:lstStyle/>
+            <a:p>
+              <a:pPr algn="ctr"/>
+              <a:endParaRPr lang="en-US" dirty="0"/>
+            </a:p>
+          </p:txBody>
+        </p:sp>
+        <p:sp>
+          <p:nvSpPr>
+            <p:cNvPr id="62" name="Freeform: Shape 61">
+              <a:extLst>
+                <a:ext uri="{FF2B5EF4-FFF2-40B4-BE49-F238E27FC236}">
+                  <a16:creationId xmlns:a16="http://schemas.microsoft.com/office/drawing/2014/main" id="{81520FE7-5699-4290-9C3C-51E0C60ECC6B}"/>
+                </a:ext>
+              </a:extLst>
+            </p:cNvPr>
+            <p:cNvSpPr/>
+            <p:nvPr/>
+          </p:nvSpPr>
+          <p:spPr>
+            <a:xfrm>
+              <a:off x="9284267" y="2337440"/>
+              <a:ext cx="1168400" cy="2360918"/>
+            </a:xfrm>
+            <a:custGeom>
+              <a:avLst/>
+              <a:gdLst>
+                <a:gd name="connsiteX0" fmla="*/ 1168400 w 1168400"/>
+                <a:gd name="connsiteY0" fmla="*/ 0 h 2360918"/>
+                <a:gd name="connsiteX1" fmla="*/ 1168400 w 1168400"/>
+                <a:gd name="connsiteY1" fmla="*/ 2360918 h 2360918"/>
+                <a:gd name="connsiteX2" fmla="*/ 1060340 w 1168400"/>
+                <a:gd name="connsiteY2" fmla="*/ 2355461 h 2360918"/>
+                <a:gd name="connsiteX3" fmla="*/ 0 w 1168400"/>
+                <a:gd name="connsiteY3" fmla="*/ 1180459 h 2360918"/>
+                <a:gd name="connsiteX4" fmla="*/ 1060340 w 1168400"/>
+                <a:gd name="connsiteY4" fmla="*/ 5457 h 2360918"/>
+              </a:gdLst>
+              <a:ahLst/>
+              <a:cxnLst>
+                <a:cxn ang="0">
+                  <a:pos x="connsiteX0" y="connsiteY0"/>
+                </a:cxn>
+                <a:cxn ang="0">
+                  <a:pos x="connsiteX1" y="connsiteY1"/>
+                </a:cxn>
+                <a:cxn ang="0">
+                  <a:pos x="connsiteX2" y="connsiteY2"/>
+                </a:cxn>
+                <a:cxn ang="0">
+                  <a:pos x="connsiteX3" y="connsiteY3"/>
+                </a:cxn>
+                <a:cxn ang="0">
+                  <a:pos x="connsiteX4" y="connsiteY4"/>
+                </a:cxn>
+              </a:cxnLst>
+              <a:rect l="l" t="t" r="r" b="b"/>
+              <a:pathLst>
+                <a:path w="1168400" h="2360918">
+                  <a:moveTo>
+                    <a:pt x="1168400" y="0"/>
+                  </a:moveTo>
+                  <a:lnTo>
+                    <a:pt x="1168400" y="2360918"/>
+                  </a:lnTo>
+                  <a:lnTo>
+                    <a:pt x="1060340" y="2355461"/>
+                  </a:lnTo>
+                  <a:cubicBezTo>
+                    <a:pt x="464762" y="2294977"/>
+                    <a:pt x="0" y="1791994"/>
+                    <a:pt x="0" y="1180459"/>
+                  </a:cubicBezTo>
+                  <a:cubicBezTo>
+                    <a:pt x="0" y="568924"/>
+                    <a:pt x="464762" y="65941"/>
+                    <a:pt x="1060340" y="5457"/>
+                  </a:cubicBezTo>
+                  <a:close/>
+                </a:path>
+              </a:pathLst>
+            </a:custGeom>
+            <a:solidFill>
+              <a:srgbClr val="FFC730"/>
+            </a:solidFill>
+            <a:ln>
+              <a:noFill/>
+            </a:ln>
+          </p:spPr>
+          <p:style>
+            <a:lnRef idx="2">
+              <a:schemeClr val="accent1">
+                <a:shade val="50000"/>
+              </a:schemeClr>
+            </a:lnRef>
+            <a:fillRef idx="1">
+              <a:schemeClr val="accent1"/>
+            </a:fillRef>
+            <a:effectRef idx="0">
+              <a:schemeClr val="accent1"/>
+            </a:effectRef>
+            <a:fontRef idx="minor">
+              <a:schemeClr val="lt1"/>
+            </a:fontRef>
+          </p:style>
+          <p:txBody>
+            <a:bodyPr rtlCol="0" anchor="ctr"/>
+            <a:lstStyle/>
+            <a:p>
+              <a:pPr algn="ctr"/>
+              <a:endParaRPr lang="en-US" dirty="0"/>
+            </a:p>
+          </p:txBody>
+        </p:sp>
+        <p:sp>
+          <p:nvSpPr>
+            <p:cNvPr id="63" name="TextBox 62">
+              <a:extLst>
+                <a:ext uri="{FF2B5EF4-FFF2-40B4-BE49-F238E27FC236}">
+                  <a16:creationId xmlns:a16="http://schemas.microsoft.com/office/drawing/2014/main" id="{AFD50D6F-822B-4109-8B0C-BA004A0B7145}"/>
+                </a:ext>
+              </a:extLst>
+            </p:cNvPr>
+            <p:cNvSpPr txBox="1"/>
+            <p:nvPr/>
+          </p:nvSpPr>
+          <p:spPr>
+            <a:xfrm rot="16200000">
+              <a:off x="9117129" y="3189611"/>
+              <a:ext cx="1992086" cy="646331"/>
+            </a:xfrm>
+            <a:prstGeom prst="rect">
+              <a:avLst/>
+            </a:prstGeom>
+            <a:noFill/>
+          </p:spPr>
+          <p:txBody>
+            <a:bodyPr wrap="square" rtlCol="0">
+              <a:spAutoFit/>
+            </a:bodyPr>
+            <a:lstStyle/>
+            <a:p>
+              <a:pPr algn="ctr"/>
+              <a:r>
+                <a:rPr lang="en-US" sz="3600" b="1" dirty="0">
+                  <a:solidFill>
+                    <a:srgbClr val="F0EEF0"/>
+                  </a:solidFill>
+                  <a:latin typeface="Tw Cen MT" panose="020B0602020104020603" pitchFamily="34" charset="0"/>
+                </a:rPr>
+                <a:t>Plan</a:t>
+              </a:r>
+            </a:p>
+          </p:txBody>
+        </p:sp>
+        <p:pic>
+          <p:nvPicPr>
+            <p:cNvPr id="64" name="Picture 63">
+              <a:extLst>
+                <a:ext uri="{FF2B5EF4-FFF2-40B4-BE49-F238E27FC236}">
+                  <a16:creationId xmlns:a16="http://schemas.microsoft.com/office/drawing/2014/main" id="{0376C61F-147B-441E-B32E-45D5BC1B66B5}"/>
+                </a:ext>
+              </a:extLst>
+            </p:cNvPr>
+            <p:cNvPicPr>
+              <a:picLocks noChangeAspect="1"/>
+            </p:cNvPicPr>
+            <p:nvPr/>
+          </p:nvPicPr>
+          <p:blipFill>
+            <a:blip r:embed="rId4">
+              <a:extLst>
+                <a:ext uri="{28A0092B-C50C-407E-A947-70E740481C1C}">
+                  <a14:useLocalDpi xmlns:a14="http://schemas.microsoft.com/office/drawing/2010/main" val="0"/>
+                </a:ext>
+              </a:extLst>
+            </a:blip>
+            <a:stretch>
+              <a:fillRect/>
+            </a:stretch>
+          </p:blipFill>
+          <p:spPr>
+            <a:xfrm rot="16200000">
+              <a:off x="9385467" y="3247473"/>
+              <a:ext cx="530600" cy="530600"/>
+            </a:xfrm>
+            <a:prstGeom prst="rect">
+              <a:avLst/>
+            </a:prstGeom>
+          </p:spPr>
+        </p:pic>
+      </p:grpSp>
+      <p:grpSp>
+        <p:nvGrpSpPr>
+          <p:cNvPr id="95" name="Group 94">
+            <a:extLst>
+              <a:ext uri="{FF2B5EF4-FFF2-40B4-BE49-F238E27FC236}">
+                <a16:creationId xmlns:a16="http://schemas.microsoft.com/office/drawing/2014/main" id="{4E70D3F9-D583-4ACD-8480-0F4A65ED3C83}"/>
+              </a:ext>
+            </a:extLst>
+          </p:cNvPr>
+          <p:cNvGrpSpPr/>
+          <p:nvPr/>
+        </p:nvGrpSpPr>
+        <p:grpSpPr>
+          <a:xfrm>
+            <a:off x="1061762" y="0"/>
+            <a:ext cx="9574094" cy="6858000"/>
+            <a:chOff x="491575" y="0"/>
+            <a:chExt cx="9574094" cy="6858000"/>
+          </a:xfrm>
+        </p:grpSpPr>
+        <p:sp>
+          <p:nvSpPr>
+            <p:cNvPr id="96" name="Rectangle 95">
+              <a:extLst>
+                <a:ext uri="{FF2B5EF4-FFF2-40B4-BE49-F238E27FC236}">
+                  <a16:creationId xmlns:a16="http://schemas.microsoft.com/office/drawing/2014/main" id="{321108FC-08B5-45CC-AB47-1104119B25FD}"/>
+                </a:ext>
+              </a:extLst>
+            </p:cNvPr>
+            <p:cNvSpPr/>
+            <p:nvPr/>
+          </p:nvSpPr>
+          <p:spPr>
+            <a:xfrm>
+              <a:off x="491575" y="0"/>
+              <a:ext cx="9574094" cy="6858000"/>
+            </a:xfrm>
+            <a:prstGeom prst="rect">
+              <a:avLst/>
+            </a:prstGeom>
+            <a:solidFill>
+              <a:srgbClr val="F0EEF0"/>
+            </a:solidFill>
+            <a:ln>
+              <a:noFill/>
+            </a:ln>
+            <a:effectLst>
+              <a:outerShdw blurRad="215900" dist="38100" sx="101000" sy="101000" algn="l" rotWithShape="0">
+                <a:schemeClr val="tx1">
+                  <a:lumMod val="65000"/>
+                  <a:lumOff val="35000"/>
+                  <a:alpha val="35000"/>
+                </a:schemeClr>
+              </a:outerShdw>
+            </a:effectLst>
+          </p:spPr>
+          <p:style>
+            <a:lnRef idx="2">
+              <a:schemeClr val="accent1">
+                <a:shade val="50000"/>
+              </a:schemeClr>
+            </a:lnRef>
+            <a:fillRef idx="1">
+              <a:schemeClr val="accent1"/>
+            </a:fillRef>
+            <a:effectRef idx="0">
+              <a:schemeClr val="accent1"/>
+            </a:effectRef>
+            <a:fontRef idx="minor">
+              <a:schemeClr val="lt1"/>
+            </a:fontRef>
+          </p:style>
+          <p:txBody>
+            <a:bodyPr rtlCol="0" anchor="ctr"/>
+            <a:lstStyle/>
+            <a:p>
+              <a:pPr algn="ctr"/>
+              <a:endParaRPr lang="en-US" dirty="0"/>
+            </a:p>
+          </p:txBody>
+        </p:sp>
+        <p:sp>
+          <p:nvSpPr>
+            <p:cNvPr id="97" name="Freeform: Shape 96">
+              <a:extLst>
+                <a:ext uri="{FF2B5EF4-FFF2-40B4-BE49-F238E27FC236}">
+                  <a16:creationId xmlns:a16="http://schemas.microsoft.com/office/drawing/2014/main" id="{96A47C8C-7F88-484E-817B-572BEDC2BC69}"/>
+                </a:ext>
+              </a:extLst>
+            </p:cNvPr>
+            <p:cNvSpPr/>
+            <p:nvPr/>
+          </p:nvSpPr>
+          <p:spPr>
+            <a:xfrm>
+              <a:off x="8897260" y="2337440"/>
+              <a:ext cx="1168400" cy="2360918"/>
+            </a:xfrm>
+            <a:custGeom>
+              <a:avLst/>
+              <a:gdLst>
+                <a:gd name="connsiteX0" fmla="*/ 1168400 w 1168400"/>
+                <a:gd name="connsiteY0" fmla="*/ 0 h 2360918"/>
+                <a:gd name="connsiteX1" fmla="*/ 1168400 w 1168400"/>
+                <a:gd name="connsiteY1" fmla="*/ 2360918 h 2360918"/>
+                <a:gd name="connsiteX2" fmla="*/ 1060340 w 1168400"/>
+                <a:gd name="connsiteY2" fmla="*/ 2355461 h 2360918"/>
+                <a:gd name="connsiteX3" fmla="*/ 0 w 1168400"/>
+                <a:gd name="connsiteY3" fmla="*/ 1180459 h 2360918"/>
+                <a:gd name="connsiteX4" fmla="*/ 1060340 w 1168400"/>
+                <a:gd name="connsiteY4" fmla="*/ 5457 h 2360918"/>
+              </a:gdLst>
+              <a:ahLst/>
+              <a:cxnLst>
+                <a:cxn ang="0">
+                  <a:pos x="connsiteX0" y="connsiteY0"/>
+                </a:cxn>
+                <a:cxn ang="0">
+                  <a:pos x="connsiteX1" y="connsiteY1"/>
+                </a:cxn>
+                <a:cxn ang="0">
+                  <a:pos x="connsiteX2" y="connsiteY2"/>
+                </a:cxn>
+                <a:cxn ang="0">
+                  <a:pos x="connsiteX3" y="connsiteY3"/>
+                </a:cxn>
+                <a:cxn ang="0">
+                  <a:pos x="connsiteX4" y="connsiteY4"/>
+                </a:cxn>
+              </a:cxnLst>
+              <a:rect l="l" t="t" r="r" b="b"/>
+              <a:pathLst>
+                <a:path w="1168400" h="2360918">
+                  <a:moveTo>
+                    <a:pt x="1168400" y="0"/>
+                  </a:moveTo>
+                  <a:lnTo>
+                    <a:pt x="1168400" y="2360918"/>
+                  </a:lnTo>
+                  <a:lnTo>
+                    <a:pt x="1060340" y="2355461"/>
+                  </a:lnTo>
+                  <a:cubicBezTo>
+                    <a:pt x="464762" y="2294977"/>
+                    <a:pt x="0" y="1791994"/>
+                    <a:pt x="0" y="1180459"/>
+                  </a:cubicBezTo>
+                  <a:cubicBezTo>
+                    <a:pt x="0" y="568924"/>
+                    <a:pt x="464762" y="65941"/>
+                    <a:pt x="1060340" y="5457"/>
+                  </a:cubicBezTo>
+                  <a:close/>
+                </a:path>
+              </a:pathLst>
+            </a:custGeom>
+            <a:solidFill>
+              <a:srgbClr val="FF0000"/>
+            </a:solidFill>
+            <a:ln>
+              <a:noFill/>
+            </a:ln>
+          </p:spPr>
+          <p:style>
+            <a:lnRef idx="2">
+              <a:schemeClr val="accent1">
+                <a:shade val="50000"/>
+              </a:schemeClr>
+            </a:lnRef>
+            <a:fillRef idx="1">
+              <a:schemeClr val="accent1"/>
+            </a:fillRef>
+            <a:effectRef idx="0">
+              <a:schemeClr val="accent1"/>
+            </a:effectRef>
+            <a:fontRef idx="minor">
+              <a:schemeClr val="lt1"/>
+            </a:fontRef>
+          </p:style>
+          <p:txBody>
+            <a:bodyPr rtlCol="0" anchor="ctr"/>
+            <a:lstStyle/>
+            <a:p>
+              <a:pPr algn="ctr"/>
+              <a:endParaRPr lang="en-US" dirty="0"/>
+            </a:p>
+          </p:txBody>
+        </p:sp>
+        <p:sp>
+          <p:nvSpPr>
+            <p:cNvPr id="98" name="TextBox 97">
+              <a:extLst>
+                <a:ext uri="{FF2B5EF4-FFF2-40B4-BE49-F238E27FC236}">
+                  <a16:creationId xmlns:a16="http://schemas.microsoft.com/office/drawing/2014/main" id="{E3DB5570-AC77-4396-9748-4183DF7C8396}"/>
+                </a:ext>
+              </a:extLst>
+            </p:cNvPr>
+            <p:cNvSpPr txBox="1"/>
+            <p:nvPr/>
+          </p:nvSpPr>
+          <p:spPr>
+            <a:xfrm rot="16200000">
+              <a:off x="8746453" y="3189610"/>
+              <a:ext cx="1992086" cy="646331"/>
+            </a:xfrm>
+            <a:prstGeom prst="rect">
+              <a:avLst/>
+            </a:prstGeom>
+            <a:noFill/>
+          </p:spPr>
+          <p:txBody>
+            <a:bodyPr wrap="square" rtlCol="0">
+              <a:spAutoFit/>
+            </a:bodyPr>
+            <a:lstStyle/>
+            <a:p>
+              <a:pPr algn="ctr"/>
+              <a:r>
+                <a:rPr lang="en-US" sz="3600" b="1">
+                  <a:solidFill>
+                    <a:srgbClr val="F0EEF0"/>
+                  </a:solidFill>
+                  <a:latin typeface="Tw Cen MT" panose="020B0602020104020603" pitchFamily="34" charset="0"/>
+                </a:rPr>
+                <a:t>Servicios</a:t>
+              </a:r>
+              <a:endParaRPr lang="en-US" sz="3600" b="1" dirty="0">
+                <a:solidFill>
+                  <a:srgbClr val="F0EEF0"/>
+                </a:solidFill>
+                <a:latin typeface="Tw Cen MT" panose="020B0602020104020603" pitchFamily="34" charset="0"/>
+              </a:endParaRPr>
+            </a:p>
+          </p:txBody>
+        </p:sp>
+        <p:pic>
+          <p:nvPicPr>
+            <p:cNvPr id="99" name="Picture 98">
+              <a:extLst>
+                <a:ext uri="{FF2B5EF4-FFF2-40B4-BE49-F238E27FC236}">
+                  <a16:creationId xmlns:a16="http://schemas.microsoft.com/office/drawing/2014/main" id="{F6ED4041-CDD9-443D-802E-47D4387906FA}"/>
+                </a:ext>
+              </a:extLst>
+            </p:cNvPr>
+            <p:cNvPicPr>
+              <a:picLocks noChangeAspect="1"/>
+            </p:cNvPicPr>
+            <p:nvPr/>
+          </p:nvPicPr>
+          <p:blipFill>
+            <a:blip r:embed="rId5">
+              <a:extLst>
+                <a:ext uri="{28A0092B-C50C-407E-A947-70E740481C1C}">
+                  <a14:useLocalDpi xmlns:a14="http://schemas.microsoft.com/office/drawing/2010/main" val="0"/>
+                </a:ext>
+              </a:extLst>
+            </a:blip>
+            <a:srcRect/>
+            <a:stretch/>
+          </p:blipFill>
+          <p:spPr>
+            <a:xfrm rot="16200000">
+              <a:off x="8992269" y="3247473"/>
+              <a:ext cx="530600" cy="530600"/>
+            </a:xfrm>
+            <a:prstGeom prst="rect">
+              <a:avLst/>
+            </a:prstGeom>
+          </p:spPr>
+        </p:pic>
+      </p:grpSp>
+      <p:grpSp>
+        <p:nvGrpSpPr>
+          <p:cNvPr id="71" name="Group 70">
+            <a:extLst>
+              <a:ext uri="{FF2B5EF4-FFF2-40B4-BE49-F238E27FC236}">
+                <a16:creationId xmlns:a16="http://schemas.microsoft.com/office/drawing/2014/main" id="{E7044FAB-DB4A-4E59-B111-8CA4168E7FA4}"/>
+              </a:ext>
+            </a:extLst>
+          </p:cNvPr>
+          <p:cNvGrpSpPr/>
+          <p:nvPr/>
+        </p:nvGrpSpPr>
+        <p:grpSpPr>
+          <a:xfrm>
+            <a:off x="-1767664" y="-1"/>
+            <a:ext cx="11860720" cy="6858000"/>
+            <a:chOff x="-2449883" y="-1"/>
+            <a:chExt cx="11860720" cy="6858000"/>
+          </a:xfrm>
+        </p:grpSpPr>
+        <p:sp>
+          <p:nvSpPr>
+            <p:cNvPr id="72" name="Rectangle 71">
+              <a:extLst>
+                <a:ext uri="{FF2B5EF4-FFF2-40B4-BE49-F238E27FC236}">
+                  <a16:creationId xmlns:a16="http://schemas.microsoft.com/office/drawing/2014/main" id="{824F072A-08CC-4CC6-B5EF-C1833A244FA3}"/>
+                </a:ext>
+              </a:extLst>
+            </p:cNvPr>
+            <p:cNvSpPr/>
+            <p:nvPr/>
+          </p:nvSpPr>
+          <p:spPr>
+            <a:xfrm>
+              <a:off x="-2449883" y="-1"/>
+              <a:ext cx="11860720" cy="6858000"/>
+            </a:xfrm>
+            <a:prstGeom prst="rect">
+              <a:avLst/>
+            </a:prstGeom>
+            <a:solidFill>
+              <a:srgbClr val="F0EEF0"/>
+            </a:solidFill>
+            <a:ln>
+              <a:noFill/>
+            </a:ln>
+            <a:effectLst>
+              <a:outerShdw blurRad="215900" dist="38100" sx="101000" sy="101000" algn="l" rotWithShape="0">
+                <a:schemeClr val="tx1">
+                  <a:lumMod val="65000"/>
+                  <a:lumOff val="35000"/>
+                  <a:alpha val="35000"/>
+                </a:schemeClr>
+              </a:outerShdw>
+            </a:effectLst>
+          </p:spPr>
+          <p:style>
+            <a:lnRef idx="2">
+              <a:schemeClr val="accent1">
+                <a:shade val="50000"/>
+              </a:schemeClr>
+            </a:lnRef>
+            <a:fillRef idx="1">
+              <a:schemeClr val="accent1"/>
+            </a:fillRef>
+            <a:effectRef idx="0">
+              <a:schemeClr val="accent1"/>
+            </a:effectRef>
+            <a:fontRef idx="minor">
+              <a:schemeClr val="lt1"/>
+            </a:fontRef>
+          </p:style>
+          <p:txBody>
+            <a:bodyPr rtlCol="0" anchor="ctr"/>
+            <a:lstStyle/>
+            <a:p>
+              <a:pPr algn="ctr"/>
+              <a:endParaRPr lang="en-US" dirty="0"/>
+            </a:p>
+          </p:txBody>
+        </p:sp>
+        <p:sp>
+          <p:nvSpPr>
+            <p:cNvPr id="73" name="Freeform: Shape 72">
+              <a:extLst>
+                <a:ext uri="{FF2B5EF4-FFF2-40B4-BE49-F238E27FC236}">
+                  <a16:creationId xmlns:a16="http://schemas.microsoft.com/office/drawing/2014/main" id="{A3C6C4A9-8B6A-429B-980E-26CD0C3A573E}"/>
+                </a:ext>
+              </a:extLst>
+            </p:cNvPr>
+            <p:cNvSpPr/>
+            <p:nvPr/>
+          </p:nvSpPr>
+          <p:spPr>
+            <a:xfrm>
+              <a:off x="8242436" y="2337439"/>
+              <a:ext cx="1168400" cy="2360918"/>
+            </a:xfrm>
+            <a:custGeom>
+              <a:avLst/>
+              <a:gdLst>
+                <a:gd name="connsiteX0" fmla="*/ 1168400 w 1168400"/>
+                <a:gd name="connsiteY0" fmla="*/ 0 h 2360918"/>
+                <a:gd name="connsiteX1" fmla="*/ 1168400 w 1168400"/>
+                <a:gd name="connsiteY1" fmla="*/ 2360918 h 2360918"/>
+                <a:gd name="connsiteX2" fmla="*/ 1060340 w 1168400"/>
+                <a:gd name="connsiteY2" fmla="*/ 2355461 h 2360918"/>
+                <a:gd name="connsiteX3" fmla="*/ 0 w 1168400"/>
+                <a:gd name="connsiteY3" fmla="*/ 1180459 h 2360918"/>
+                <a:gd name="connsiteX4" fmla="*/ 1060340 w 1168400"/>
+                <a:gd name="connsiteY4" fmla="*/ 5457 h 2360918"/>
+              </a:gdLst>
+              <a:ahLst/>
+              <a:cxnLst>
+                <a:cxn ang="0">
+                  <a:pos x="connsiteX0" y="connsiteY0"/>
+                </a:cxn>
+                <a:cxn ang="0">
+                  <a:pos x="connsiteX1" y="connsiteY1"/>
+                </a:cxn>
+                <a:cxn ang="0">
+                  <a:pos x="connsiteX2" y="connsiteY2"/>
+                </a:cxn>
+                <a:cxn ang="0">
+                  <a:pos x="connsiteX3" y="connsiteY3"/>
+                </a:cxn>
+                <a:cxn ang="0">
+                  <a:pos x="connsiteX4" y="connsiteY4"/>
+                </a:cxn>
+              </a:cxnLst>
+              <a:rect l="l" t="t" r="r" b="b"/>
+              <a:pathLst>
+                <a:path w="1168400" h="2360918">
+                  <a:moveTo>
+                    <a:pt x="1168400" y="0"/>
+                  </a:moveTo>
+                  <a:lnTo>
+                    <a:pt x="1168400" y="2360918"/>
+                  </a:lnTo>
+                  <a:lnTo>
+                    <a:pt x="1060340" y="2355461"/>
+                  </a:lnTo>
+                  <a:cubicBezTo>
+                    <a:pt x="464762" y="2294977"/>
+                    <a:pt x="0" y="1791994"/>
+                    <a:pt x="0" y="1180459"/>
+                  </a:cubicBezTo>
+                  <a:cubicBezTo>
+                    <a:pt x="0" y="568924"/>
+                    <a:pt x="464762" y="65941"/>
+                    <a:pt x="1060340" y="5457"/>
+                  </a:cubicBezTo>
+                  <a:close/>
+                </a:path>
+              </a:pathLst>
+            </a:custGeom>
+            <a:solidFill>
+              <a:srgbClr val="92D050"/>
+            </a:solidFill>
+            <a:ln>
+              <a:noFill/>
+            </a:ln>
+          </p:spPr>
+          <p:style>
+            <a:lnRef idx="2">
+              <a:schemeClr val="accent1">
+                <a:shade val="50000"/>
+              </a:schemeClr>
+            </a:lnRef>
+            <a:fillRef idx="1">
+              <a:schemeClr val="accent1"/>
+            </a:fillRef>
+            <a:effectRef idx="0">
+              <a:schemeClr val="accent1"/>
+            </a:effectRef>
+            <a:fontRef idx="minor">
+              <a:schemeClr val="lt1"/>
+            </a:fontRef>
+          </p:style>
+          <p:txBody>
+            <a:bodyPr rtlCol="0" anchor="ctr"/>
+            <a:lstStyle/>
+            <a:p>
+              <a:pPr algn="ctr"/>
+              <a:endParaRPr lang="en-US" dirty="0"/>
+            </a:p>
+          </p:txBody>
+        </p:sp>
+        <p:sp>
+          <p:nvSpPr>
+            <p:cNvPr id="74" name="TextBox 73">
+              <a:extLst>
+                <a:ext uri="{FF2B5EF4-FFF2-40B4-BE49-F238E27FC236}">
+                  <a16:creationId xmlns:a16="http://schemas.microsoft.com/office/drawing/2014/main" id="{858AC381-BFD1-4A89-AE49-8ADC853A6849}"/>
+                </a:ext>
+              </a:extLst>
+            </p:cNvPr>
+            <p:cNvSpPr txBox="1"/>
+            <p:nvPr/>
+          </p:nvSpPr>
+          <p:spPr>
+            <a:xfrm rot="16200000">
+              <a:off x="8091629" y="3189609"/>
+              <a:ext cx="1992086" cy="646331"/>
+            </a:xfrm>
+            <a:prstGeom prst="rect">
+              <a:avLst/>
+            </a:prstGeom>
+            <a:noFill/>
+          </p:spPr>
+          <p:txBody>
+            <a:bodyPr wrap="square" rtlCol="0">
+              <a:spAutoFit/>
+            </a:bodyPr>
+            <a:lstStyle/>
+            <a:p>
+              <a:pPr algn="ctr"/>
+              <a:r>
+                <a:rPr lang="en-US" sz="3600" b="1" dirty="0">
+                  <a:solidFill>
+                    <a:srgbClr val="F0EEF0"/>
+                  </a:solidFill>
+                  <a:latin typeface="Tw Cen MT" panose="020B0602020104020603" pitchFamily="34" charset="0"/>
+                </a:rPr>
+                <a:t>Android</a:t>
+              </a:r>
+            </a:p>
+          </p:txBody>
+        </p:sp>
+        <p:pic>
+          <p:nvPicPr>
+            <p:cNvPr id="75" name="Picture 74">
+              <a:extLst>
+                <a:ext uri="{FF2B5EF4-FFF2-40B4-BE49-F238E27FC236}">
+                  <a16:creationId xmlns:a16="http://schemas.microsoft.com/office/drawing/2014/main" id="{9DF2E944-82FA-495B-8A5C-9BDE26355383}"/>
+                </a:ext>
+              </a:extLst>
+            </p:cNvPr>
+            <p:cNvPicPr>
+              <a:picLocks noChangeAspect="1"/>
+            </p:cNvPicPr>
+            <p:nvPr/>
+          </p:nvPicPr>
+          <p:blipFill>
+            <a:blip r:embed="rId6">
+              <a:extLst>
+                <a:ext uri="{28A0092B-C50C-407E-A947-70E740481C1C}">
+                  <a14:useLocalDpi xmlns:a14="http://schemas.microsoft.com/office/drawing/2010/main" val="0"/>
+                </a:ext>
+              </a:extLst>
+            </a:blip>
+            <a:srcRect/>
+            <a:stretch/>
+          </p:blipFill>
+          <p:spPr>
+            <a:xfrm rot="16200000">
+              <a:off x="8340472" y="3247473"/>
+              <a:ext cx="530600" cy="530600"/>
+            </a:xfrm>
+            <a:prstGeom prst="rect">
+              <a:avLst/>
+            </a:prstGeom>
+          </p:spPr>
+        </p:pic>
+      </p:grpSp>
+      <p:grpSp>
+        <p:nvGrpSpPr>
+          <p:cNvPr id="76" name="Group 75">
+            <a:extLst>
+              <a:ext uri="{FF2B5EF4-FFF2-40B4-BE49-F238E27FC236}">
+                <a16:creationId xmlns:a16="http://schemas.microsoft.com/office/drawing/2014/main" id="{60E31D48-090A-4A9C-AF5C-4B0C49C47C7D}"/>
+              </a:ext>
+            </a:extLst>
+          </p:cNvPr>
+          <p:cNvGrpSpPr/>
+          <p:nvPr/>
+        </p:nvGrpSpPr>
+        <p:grpSpPr>
+          <a:xfrm>
+            <a:off x="-1786364" y="0"/>
+            <a:ext cx="11335017" cy="6858000"/>
+            <a:chOff x="-10744545" y="-1"/>
+            <a:chExt cx="11335017" cy="6858000"/>
+          </a:xfrm>
+        </p:grpSpPr>
+        <p:sp>
+          <p:nvSpPr>
+            <p:cNvPr id="77" name="Rectangle 76">
+              <a:extLst>
+                <a:ext uri="{FF2B5EF4-FFF2-40B4-BE49-F238E27FC236}">
+                  <a16:creationId xmlns:a16="http://schemas.microsoft.com/office/drawing/2014/main" id="{3A79A714-CB74-4EFD-9BC1-A7F2F993842A}"/>
+                </a:ext>
+              </a:extLst>
+            </p:cNvPr>
+            <p:cNvSpPr/>
+            <p:nvPr/>
+          </p:nvSpPr>
+          <p:spPr>
+            <a:xfrm>
+              <a:off x="-10744545" y="-1"/>
+              <a:ext cx="11331017" cy="6858000"/>
+            </a:xfrm>
+            <a:prstGeom prst="rect">
+              <a:avLst/>
+            </a:prstGeom>
+            <a:solidFill>
+              <a:srgbClr val="F0EEF0"/>
+            </a:solidFill>
+            <a:ln>
+              <a:noFill/>
+            </a:ln>
+            <a:effectLst>
+              <a:outerShdw blurRad="215900" dist="38100" sx="101000" sy="101000" algn="l" rotWithShape="0">
+                <a:schemeClr val="tx1">
+                  <a:lumMod val="65000"/>
+                  <a:lumOff val="35000"/>
+                  <a:alpha val="35000"/>
+                </a:schemeClr>
+              </a:outerShdw>
+            </a:effectLst>
+          </p:spPr>
+          <p:style>
+            <a:lnRef idx="2">
+              <a:schemeClr val="accent1">
+                <a:shade val="50000"/>
+              </a:schemeClr>
+            </a:lnRef>
+            <a:fillRef idx="1">
+              <a:schemeClr val="accent1"/>
+            </a:fillRef>
+            <a:effectRef idx="0">
+              <a:schemeClr val="accent1"/>
+            </a:effectRef>
+            <a:fontRef idx="minor">
+              <a:schemeClr val="lt1"/>
+            </a:fontRef>
+          </p:style>
+          <p:txBody>
+            <a:bodyPr rtlCol="0" anchor="ctr"/>
+            <a:lstStyle/>
+            <a:p>
+              <a:pPr algn="ctr"/>
+              <a:endParaRPr lang="en-US" dirty="0"/>
+            </a:p>
+          </p:txBody>
+        </p:sp>
+        <p:sp>
+          <p:nvSpPr>
+            <p:cNvPr id="78" name="Freeform: Shape 77">
+              <a:extLst>
+                <a:ext uri="{FF2B5EF4-FFF2-40B4-BE49-F238E27FC236}">
+                  <a16:creationId xmlns:a16="http://schemas.microsoft.com/office/drawing/2014/main" id="{B006C60A-833A-41C2-A553-8132E7B3A7DB}"/>
+                </a:ext>
+              </a:extLst>
+            </p:cNvPr>
+            <p:cNvSpPr/>
+            <p:nvPr/>
+          </p:nvSpPr>
+          <p:spPr>
+            <a:xfrm>
+              <a:off x="-577928" y="2337438"/>
+              <a:ext cx="1168400" cy="2360918"/>
+            </a:xfrm>
+            <a:custGeom>
+              <a:avLst/>
+              <a:gdLst>
+                <a:gd name="connsiteX0" fmla="*/ 1168400 w 1168400"/>
+                <a:gd name="connsiteY0" fmla="*/ 0 h 2360918"/>
+                <a:gd name="connsiteX1" fmla="*/ 1168400 w 1168400"/>
+                <a:gd name="connsiteY1" fmla="*/ 2360918 h 2360918"/>
+                <a:gd name="connsiteX2" fmla="*/ 1060340 w 1168400"/>
+                <a:gd name="connsiteY2" fmla="*/ 2355461 h 2360918"/>
+                <a:gd name="connsiteX3" fmla="*/ 0 w 1168400"/>
+                <a:gd name="connsiteY3" fmla="*/ 1180459 h 2360918"/>
+                <a:gd name="connsiteX4" fmla="*/ 1060340 w 1168400"/>
+                <a:gd name="connsiteY4" fmla="*/ 5457 h 2360918"/>
+              </a:gdLst>
+              <a:ahLst/>
+              <a:cxnLst>
+                <a:cxn ang="0">
+                  <a:pos x="connsiteX0" y="connsiteY0"/>
+                </a:cxn>
+                <a:cxn ang="0">
+                  <a:pos x="connsiteX1" y="connsiteY1"/>
+                </a:cxn>
+                <a:cxn ang="0">
+                  <a:pos x="connsiteX2" y="connsiteY2"/>
+                </a:cxn>
+                <a:cxn ang="0">
+                  <a:pos x="connsiteX3" y="connsiteY3"/>
+                </a:cxn>
+                <a:cxn ang="0">
+                  <a:pos x="connsiteX4" y="connsiteY4"/>
+                </a:cxn>
+              </a:cxnLst>
+              <a:rect l="l" t="t" r="r" b="b"/>
+              <a:pathLst>
+                <a:path w="1168400" h="2360918">
+                  <a:moveTo>
+                    <a:pt x="1168400" y="0"/>
+                  </a:moveTo>
+                  <a:lnTo>
+                    <a:pt x="1168400" y="2360918"/>
+                  </a:lnTo>
+                  <a:lnTo>
+                    <a:pt x="1060340" y="2355461"/>
+                  </a:lnTo>
+                  <a:cubicBezTo>
+                    <a:pt x="464762" y="2294977"/>
+                    <a:pt x="0" y="1791994"/>
+                    <a:pt x="0" y="1180459"/>
+                  </a:cubicBezTo>
+                  <a:cubicBezTo>
+                    <a:pt x="0" y="568924"/>
+                    <a:pt x="464762" y="65941"/>
+                    <a:pt x="1060340" y="5457"/>
+                  </a:cubicBezTo>
+                  <a:close/>
+                </a:path>
+              </a:pathLst>
+            </a:custGeom>
+            <a:solidFill>
+              <a:srgbClr val="00A0A8"/>
+            </a:solidFill>
+            <a:ln>
+              <a:noFill/>
+            </a:ln>
+          </p:spPr>
+          <p:style>
+            <a:lnRef idx="2">
+              <a:schemeClr val="accent1">
+                <a:shade val="50000"/>
+              </a:schemeClr>
+            </a:lnRef>
+            <a:fillRef idx="1">
+              <a:schemeClr val="accent1"/>
+            </a:fillRef>
+            <a:effectRef idx="0">
+              <a:schemeClr val="accent1"/>
+            </a:effectRef>
+            <a:fontRef idx="minor">
+              <a:schemeClr val="lt1"/>
+            </a:fontRef>
+          </p:style>
+          <p:txBody>
+            <a:bodyPr rtlCol="0" anchor="ctr"/>
+            <a:lstStyle/>
+            <a:p>
+              <a:pPr algn="ctr"/>
+              <a:endParaRPr lang="en-US" dirty="0"/>
+            </a:p>
+          </p:txBody>
+        </p:sp>
+        <p:sp>
+          <p:nvSpPr>
+            <p:cNvPr id="79" name="TextBox 78">
+              <a:extLst>
+                <a:ext uri="{FF2B5EF4-FFF2-40B4-BE49-F238E27FC236}">
+                  <a16:creationId xmlns:a16="http://schemas.microsoft.com/office/drawing/2014/main" id="{95AECC6C-A520-4756-9163-08D14835D791}"/>
+                </a:ext>
+              </a:extLst>
+            </p:cNvPr>
+            <p:cNvSpPr txBox="1"/>
+            <p:nvPr/>
+          </p:nvSpPr>
+          <p:spPr>
+            <a:xfrm rot="16200000">
+              <a:off x="-738260" y="3189608"/>
+              <a:ext cx="1992086" cy="646331"/>
+            </a:xfrm>
+            <a:prstGeom prst="rect">
+              <a:avLst/>
+            </a:prstGeom>
+            <a:noFill/>
+          </p:spPr>
+          <p:txBody>
+            <a:bodyPr wrap="square" rtlCol="0">
+              <a:spAutoFit/>
+            </a:bodyPr>
+            <a:lstStyle/>
+            <a:p>
+              <a:pPr algn="ctr"/>
+              <a:r>
+                <a:rPr lang="en-US" sz="3600" b="1" dirty="0">
+                  <a:solidFill>
+                    <a:srgbClr val="F0EEF0"/>
+                  </a:solidFill>
+                  <a:latin typeface="Tw Cen MT" panose="020B0602020104020603" pitchFamily="34" charset="0"/>
+                </a:rPr>
+                <a:t>iOS</a:t>
               </a:r>
             </a:p>
           </p:txBody>
@@ -10968,8 +17641,8 @@
           </p:nvSpPr>
           <p:spPr>
             <a:xfrm rot="16200000">
-              <a:off x="9117129" y="3281943"/>
-              <a:ext cx="1992086" cy="461665"/>
+              <a:off x="9117129" y="3189611"/>
+              <a:ext cx="1992086" cy="646331"/>
             </a:xfrm>
             <a:prstGeom prst="rect">
               <a:avLst/>
@@ -10984,20 +17657,14 @@
             <a:p>
               <a:pPr algn="ctr"/>
               <a:r>
-                <a:rPr lang="en-US" sz="2400" b="1" dirty="0">
+                <a:rPr lang="en-US" sz="3600" b="1" dirty="0">
                   <a:solidFill>
                     <a:srgbClr val="F0EEF0"/>
                   </a:solidFill>
                   <a:latin typeface="Tw Cen MT" panose="020B0602020104020603" pitchFamily="34" charset="0"/>
                 </a:rPr>
-                <a:t>Planificación</a:t>
+                <a:t>Plan</a:t>
               </a:r>
-              <a:endParaRPr lang="en-US" sz="3600" b="1" dirty="0">
-                <a:solidFill>
-                  <a:srgbClr val="F0EEF0"/>
-                </a:solidFill>
-                <a:latin typeface="Tw Cen MT" panose="020B0602020104020603" pitchFamily="34" charset="0"/>
-              </a:endParaRPr>
             </a:p>
           </p:txBody>
         </p:sp>
@@ -11256,7 +17923,7 @@
             <a:p>
               <a:pPr algn="ctr"/>
               <a:r>
-                <a:rPr lang="en-US" sz="3600" b="1" dirty="0">
+                <a:rPr lang="en-US" sz="3600" b="1">
                   <a:solidFill>
                     <a:srgbClr val="F0EEF0"/>
                   </a:solidFill>
@@ -11264,6 +17931,12 @@
                 </a:rPr>
                 <a:t>Servicios</a:t>
               </a:r>
+              <a:endParaRPr lang="en-US" sz="3600" b="1" dirty="0">
+                <a:solidFill>
+                  <a:srgbClr val="F0EEF0"/>
+                </a:solidFill>
+                <a:latin typeface="Tw Cen MT" panose="020B0602020104020603" pitchFamily="34" charset="0"/>
+              </a:endParaRPr>
             </a:p>
           </p:txBody>
         </p:sp>
@@ -11853,7 +18526,7 @@
                   </a:solidFill>
                   <a:latin typeface="Tw Cen MT" panose="020B0602020104020603" pitchFamily="34" charset="0"/>
                 </a:rPr>
-                <a:t>IOS</a:t>
+                <a:t>iOS</a:t>
               </a:r>
             </a:p>
           </p:txBody>
@@ -12021,7 +18694,7 @@
           <a:p>
             <a:pPr algn="ctr"/>
             <a:r>
-              <a:rPr lang="es-MX" sz="5400" dirty="0">
+              <a:rPr lang="es-MX" sz="5400">
                 <a:solidFill>
                   <a:srgbClr val="F80303"/>
                 </a:solidFill>
@@ -13232,8 +19905,8 @@
           </p:nvSpPr>
           <p:spPr>
             <a:xfrm rot="16200000">
-              <a:off x="9117129" y="3281943"/>
-              <a:ext cx="1992086" cy="461665"/>
+              <a:off x="9117129" y="3189611"/>
+              <a:ext cx="1992086" cy="646331"/>
             </a:xfrm>
             <a:prstGeom prst="rect">
               <a:avLst/>
@@ -13248,20 +19921,14 @@
             <a:p>
               <a:pPr algn="ctr"/>
               <a:r>
-                <a:rPr lang="en-US" sz="2400" b="1" dirty="0">
+                <a:rPr lang="en-US" sz="3600" b="1" dirty="0">
                   <a:solidFill>
                     <a:srgbClr val="F0EEF0"/>
                   </a:solidFill>
                   <a:latin typeface="Tw Cen MT" panose="020B0602020104020603" pitchFamily="34" charset="0"/>
                 </a:rPr>
-                <a:t>Planificación</a:t>
+                <a:t>Plan</a:t>
               </a:r>
-              <a:endParaRPr lang="en-US" sz="3600" b="1" dirty="0">
-                <a:solidFill>
-                  <a:srgbClr val="F0EEF0"/>
-                </a:solidFill>
-                <a:latin typeface="Tw Cen MT" panose="020B0602020104020603" pitchFamily="34" charset="0"/>
-              </a:endParaRPr>
             </a:p>
           </p:txBody>
         </p:sp>
@@ -13520,7 +20187,7 @@
             <a:p>
               <a:pPr algn="ctr"/>
               <a:r>
-                <a:rPr lang="en-US" sz="3600" b="1" dirty="0">
+                <a:rPr lang="en-US" sz="3600" b="1">
                   <a:solidFill>
                     <a:srgbClr val="F0EEF0"/>
                   </a:solidFill>
@@ -13528,6 +20195,12 @@
                 </a:rPr>
                 <a:t>Servicios</a:t>
               </a:r>
+              <a:endParaRPr lang="en-US" sz="3600" b="1" dirty="0">
+                <a:solidFill>
+                  <a:srgbClr val="F0EEF0"/>
+                </a:solidFill>
+                <a:latin typeface="Tw Cen MT" panose="020B0602020104020603" pitchFamily="34" charset="0"/>
+              </a:endParaRPr>
             </a:p>
           </p:txBody>
         </p:sp>
@@ -14117,7 +20790,7 @@
                   </a:solidFill>
                   <a:latin typeface="Tw Cen MT" panose="020B0602020104020603" pitchFamily="34" charset="0"/>
                 </a:rPr>
-                <a:t>IOS</a:t>
+                <a:t>iOS</a:t>
               </a:r>
             </a:p>
           </p:txBody>
@@ -15481,8 +22154,8 @@
           </p:nvSpPr>
           <p:spPr>
             <a:xfrm rot="16200000">
-              <a:off x="9117129" y="3281943"/>
-              <a:ext cx="1992086" cy="461665"/>
+              <a:off x="9117129" y="3189611"/>
+              <a:ext cx="1992086" cy="646331"/>
             </a:xfrm>
             <a:prstGeom prst="rect">
               <a:avLst/>
@@ -15497,20 +22170,14 @@
             <a:p>
               <a:pPr algn="ctr"/>
               <a:r>
-                <a:rPr lang="en-US" sz="2400" b="1" dirty="0">
+                <a:rPr lang="en-US" sz="3600" b="1" dirty="0">
                   <a:solidFill>
                     <a:srgbClr val="F0EEF0"/>
                   </a:solidFill>
                   <a:latin typeface="Tw Cen MT" panose="020B0602020104020603" pitchFamily="34" charset="0"/>
                 </a:rPr>
-                <a:t>Planificación</a:t>
+                <a:t>Plan</a:t>
               </a:r>
-              <a:endParaRPr lang="en-US" sz="3600" b="1" dirty="0">
-                <a:solidFill>
-                  <a:srgbClr val="F0EEF0"/>
-                </a:solidFill>
-                <a:latin typeface="Tw Cen MT" panose="020B0602020104020603" pitchFamily="34" charset="0"/>
-              </a:endParaRPr>
             </a:p>
           </p:txBody>
         </p:sp>
@@ -15769,7 +22436,7 @@
             <a:p>
               <a:pPr algn="ctr"/>
               <a:r>
-                <a:rPr lang="en-US" sz="3600" b="1" dirty="0">
+                <a:rPr lang="en-US" sz="3600" b="1">
                   <a:solidFill>
                     <a:srgbClr val="F0EEF0"/>
                   </a:solidFill>
@@ -15777,6 +22444,12 @@
                 </a:rPr>
                 <a:t>Servicios</a:t>
               </a:r>
+              <a:endParaRPr lang="en-US" sz="3600" b="1" dirty="0">
+                <a:solidFill>
+                  <a:srgbClr val="F0EEF0"/>
+                </a:solidFill>
+                <a:latin typeface="Tw Cen MT" panose="020B0602020104020603" pitchFamily="34" charset="0"/>
+              </a:endParaRPr>
             </a:p>
           </p:txBody>
         </p:sp>
@@ -16366,7 +23039,7 @@
                   </a:solidFill>
                   <a:latin typeface="Tw Cen MT" panose="020B0602020104020603" pitchFamily="34" charset="0"/>
                 </a:rPr>
-                <a:t>IOS</a:t>
+                <a:t>iOS</a:t>
               </a:r>
             </a:p>
           </p:txBody>
@@ -16540,7 +23213,7 @@
                 </a:solidFill>
                 <a:latin typeface="Tw Cen MT" panose="020B0602020104020603" pitchFamily="34" charset="0"/>
               </a:rPr>
-              <a:t>IOS</a:t>
+              <a:t>iOS</a:t>
             </a:r>
           </a:p>
         </p:txBody>
@@ -17533,8 +24206,8 @@
           </p:nvSpPr>
           <p:spPr>
             <a:xfrm rot="16200000">
-              <a:off x="9117129" y="3281943"/>
-              <a:ext cx="1992086" cy="461665"/>
+              <a:off x="9117129" y="3189611"/>
+              <a:ext cx="1992086" cy="646331"/>
             </a:xfrm>
             <a:prstGeom prst="rect">
               <a:avLst/>
@@ -17549,20 +24222,14 @@
             <a:p>
               <a:pPr algn="ctr"/>
               <a:r>
-                <a:rPr lang="en-US" sz="2400" b="1" dirty="0">
+                <a:rPr lang="en-US" sz="3600" b="1" dirty="0">
                   <a:solidFill>
                     <a:srgbClr val="F0EEF0"/>
                   </a:solidFill>
                   <a:latin typeface="Tw Cen MT" panose="020B0602020104020603" pitchFamily="34" charset="0"/>
                 </a:rPr>
-                <a:t>Planificación</a:t>
+                <a:t>Plan</a:t>
               </a:r>
-              <a:endParaRPr lang="en-US" sz="3600" b="1" dirty="0">
-                <a:solidFill>
-                  <a:srgbClr val="F0EEF0"/>
-                </a:solidFill>
-                <a:latin typeface="Tw Cen MT" panose="020B0602020104020603" pitchFamily="34" charset="0"/>
-              </a:endParaRPr>
             </a:p>
           </p:txBody>
         </p:sp>
@@ -17821,7 +24488,7 @@
             <a:p>
               <a:pPr algn="ctr"/>
               <a:r>
-                <a:rPr lang="en-US" sz="3600" b="1" dirty="0">
+                <a:rPr lang="en-US" sz="3600" b="1">
                   <a:solidFill>
                     <a:srgbClr val="F0EEF0"/>
                   </a:solidFill>
@@ -17829,6 +24496,12 @@
                 </a:rPr>
                 <a:t>Servicios</a:t>
               </a:r>
+              <a:endParaRPr lang="en-US" sz="3600" b="1" dirty="0">
+                <a:solidFill>
+                  <a:srgbClr val="F0EEF0"/>
+                </a:solidFill>
+                <a:latin typeface="Tw Cen MT" panose="020B0602020104020603" pitchFamily="34" charset="0"/>
+              </a:endParaRPr>
             </a:p>
           </p:txBody>
         </p:sp>
@@ -18418,7 +25091,7 @@
                   </a:solidFill>
                   <a:latin typeface="Tw Cen MT" panose="020B0602020104020603" pitchFamily="34" charset="0"/>
                 </a:rPr>
-                <a:t>IOS</a:t>
+                <a:t>iOS</a:t>
               </a:r>
             </a:p>
           </p:txBody>
@@ -18709,7 +25382,7 @@
         </p:nvSpPr>
         <p:spPr>
           <a:xfrm>
-            <a:off x="4108831" y="27926"/>
+            <a:off x="3781573" y="27926"/>
             <a:ext cx="6498463" cy="1446550"/>
           </a:xfrm>
           <a:prstGeom prst="rect">
@@ -20405,8 +27078,8 @@
           </p:nvSpPr>
           <p:spPr>
             <a:xfrm rot="16200000">
-              <a:off x="9117129" y="3281943"/>
-              <a:ext cx="1992086" cy="461665"/>
+              <a:off x="9117129" y="3189611"/>
+              <a:ext cx="1992086" cy="646331"/>
             </a:xfrm>
             <a:prstGeom prst="rect">
               <a:avLst/>
@@ -20421,20 +27094,14 @@
             <a:p>
               <a:pPr algn="ctr"/>
               <a:r>
-                <a:rPr lang="en-US" sz="2400" b="1" dirty="0">
+                <a:rPr lang="en-US" sz="3600" b="1" dirty="0">
                   <a:solidFill>
                     <a:srgbClr val="F0EEF0"/>
                   </a:solidFill>
                   <a:latin typeface="Tw Cen MT" panose="020B0602020104020603" pitchFamily="34" charset="0"/>
                 </a:rPr>
-                <a:t>Planificación</a:t>
+                <a:t>Plan</a:t>
               </a:r>
-              <a:endParaRPr lang="en-US" sz="3600" b="1" dirty="0">
-                <a:solidFill>
-                  <a:srgbClr val="F0EEF0"/>
-                </a:solidFill>
-                <a:latin typeface="Tw Cen MT" panose="020B0602020104020603" pitchFamily="34" charset="0"/>
-              </a:endParaRPr>
             </a:p>
           </p:txBody>
         </p:sp>
@@ -20489,7 +27156,7 @@
         </p:nvGrpSpPr>
         <p:grpSpPr>
           <a:xfrm>
-            <a:off x="-7955377" y="0"/>
+            <a:off x="-7957484" y="0"/>
             <a:ext cx="9574094" cy="6858000"/>
             <a:chOff x="491575" y="0"/>
             <a:chExt cx="9574094" cy="6858000"/>
@@ -20693,7 +27360,7 @@
             <a:p>
               <a:pPr algn="ctr"/>
               <a:r>
-                <a:rPr lang="en-US" sz="3600" b="1" dirty="0">
+                <a:rPr lang="en-US" sz="3600" b="1">
                   <a:solidFill>
                     <a:srgbClr val="F0EEF0"/>
                   </a:solidFill>
@@ -20701,6 +27368,12 @@
                 </a:rPr>
                 <a:t>Servicios</a:t>
               </a:r>
+              <a:endParaRPr lang="en-US" sz="3600" b="1" dirty="0">
+                <a:solidFill>
+                  <a:srgbClr val="F0EEF0"/>
+                </a:solidFill>
+                <a:latin typeface="Tw Cen MT" panose="020B0602020104020603" pitchFamily="34" charset="0"/>
+              </a:endParaRPr>
             </a:p>
           </p:txBody>
         </p:sp>
@@ -21290,7 +27963,7 @@
                   </a:solidFill>
                   <a:latin typeface="Tw Cen MT" panose="020B0602020104020603" pitchFamily="34" charset="0"/>
                 </a:rPr>
-                <a:t>IOS</a:t>
+                <a:t>iOS</a:t>
               </a:r>
             </a:p>
           </p:txBody>
@@ -22145,30 +28818,21 @@
                             </p:childTnLst>
                           </p:cTn>
                         </p:par>
-                      </p:childTnLst>
-                    </p:cTn>
-                  </p:par>
-                  <p:par>
-                    <p:cTn id="10" fill="hold">
-                      <p:stCondLst>
-                        <p:cond delay="indefinite"/>
-                      </p:stCondLst>
-                      <p:childTnLst>
                         <p:par>
-                          <p:cTn id="11" fill="hold">
+                          <p:cTn id="10" fill="hold">
                             <p:stCondLst>
-                              <p:cond delay="0"/>
+                              <p:cond delay="500"/>
                             </p:stCondLst>
                             <p:childTnLst>
                               <p:par>
-                                <p:cTn id="12" presetID="2" presetClass="entr" presetSubtype="4" fill="hold" nodeType="clickEffect">
+                                <p:cTn id="11" presetID="2" presetClass="entr" presetSubtype="4" fill="hold" nodeType="afterEffect">
                                   <p:stCondLst>
                                     <p:cond delay="0"/>
                                   </p:stCondLst>
                                   <p:childTnLst>
                                     <p:set>
                                       <p:cBhvr>
-                                        <p:cTn id="13" dur="1" fill="hold">
+                                        <p:cTn id="12" dur="1" fill="hold">
                                           <p:stCondLst>
                                             <p:cond delay="0"/>
                                           </p:stCondLst>
@@ -22186,7 +28850,7 @@
                                     </p:set>
                                     <p:anim calcmode="lin" valueType="num">
                                       <p:cBhvr additive="base">
-                                        <p:cTn id="14" dur="500" fill="hold"/>
+                                        <p:cTn id="13" dur="500" fill="hold"/>
                                         <p:tgtEl>
                                           <p:spTgt spid="51"/>
                                         </p:tgtEl>
@@ -22209,7 +28873,7 @@
                                     </p:anim>
                                     <p:anim calcmode="lin" valueType="num">
                                       <p:cBhvr additive="base">
-                                        <p:cTn id="15" dur="500" fill="hold"/>
+                                        <p:cTn id="14" dur="500" fill="hold"/>
                                         <p:tgtEl>
                                           <p:spTgt spid="51"/>
                                         </p:tgtEl>
@@ -22240,26 +28904,26 @@
                     </p:cTn>
                   </p:par>
                   <p:par>
-                    <p:cTn id="16" fill="hold">
+                    <p:cTn id="15" fill="hold">
                       <p:stCondLst>
                         <p:cond delay="indefinite"/>
                       </p:stCondLst>
                       <p:childTnLst>
                         <p:par>
-                          <p:cTn id="17" fill="hold">
+                          <p:cTn id="16" fill="hold">
                             <p:stCondLst>
                               <p:cond delay="0"/>
                             </p:stCondLst>
                             <p:childTnLst>
                               <p:par>
-                                <p:cTn id="18" presetID="2" presetClass="entr" presetSubtype="4" fill="hold" grpId="0" nodeType="clickEffect">
+                                <p:cTn id="17" presetID="2" presetClass="entr" presetSubtype="4" fill="hold" grpId="0" nodeType="clickEffect">
                                   <p:stCondLst>
                                     <p:cond delay="0"/>
                                   </p:stCondLst>
                                   <p:childTnLst>
                                     <p:set>
                                       <p:cBhvr>
-                                        <p:cTn id="19" dur="1" fill="hold">
+                                        <p:cTn id="18" dur="1" fill="hold">
                                           <p:stCondLst>
                                             <p:cond delay="0"/>
                                           </p:stCondLst>
@@ -22277,7 +28941,7 @@
                                     </p:set>
                                     <p:anim calcmode="lin" valueType="num">
                                       <p:cBhvr additive="base">
-                                        <p:cTn id="20" dur="500" fill="hold"/>
+                                        <p:cTn id="19" dur="500" fill="hold"/>
                                         <p:tgtEl>
                                           <p:spTgt spid="63"/>
                                         </p:tgtEl>
@@ -22300,7 +28964,7 @@
                                     </p:anim>
                                     <p:anim calcmode="lin" valueType="num">
                                       <p:cBhvr additive="base">
-                                        <p:cTn id="21" dur="500" fill="hold"/>
+                                        <p:cTn id="20" dur="500" fill="hold"/>
                                         <p:tgtEl>
                                           <p:spTgt spid="63"/>
                                         </p:tgtEl>
@@ -22331,26 +28995,26 @@
                     </p:cTn>
                   </p:par>
                   <p:par>
-                    <p:cTn id="22" fill="hold">
+                    <p:cTn id="21" fill="hold">
                       <p:stCondLst>
                         <p:cond delay="indefinite"/>
                       </p:stCondLst>
                       <p:childTnLst>
                         <p:par>
-                          <p:cTn id="23" fill="hold">
+                          <p:cTn id="22" fill="hold">
                             <p:stCondLst>
                               <p:cond delay="0"/>
                             </p:stCondLst>
                             <p:childTnLst>
                               <p:par>
-                                <p:cTn id="24" presetID="2" presetClass="entr" presetSubtype="4" fill="hold" nodeType="clickEffect">
+                                <p:cTn id="23" presetID="2" presetClass="entr" presetSubtype="4" fill="hold" nodeType="clickEffect">
                                   <p:stCondLst>
                                     <p:cond delay="0"/>
                                   </p:stCondLst>
                                   <p:childTnLst>
                                     <p:set>
                                       <p:cBhvr>
-                                        <p:cTn id="25" dur="1" fill="hold">
+                                        <p:cTn id="24" dur="1" fill="hold">
                                           <p:stCondLst>
                                             <p:cond delay="0"/>
                                           </p:stCondLst>
@@ -22368,7 +29032,7 @@
                                     </p:set>
                                     <p:anim calcmode="lin" valueType="num">
                                       <p:cBhvr additive="base">
-                                        <p:cTn id="26" dur="500" fill="hold"/>
+                                        <p:cTn id="25" dur="500" fill="hold"/>
                                         <p:tgtEl>
                                           <p:spTgt spid="55"/>
                                         </p:tgtEl>
@@ -22391,7 +29055,7 @@
                                     </p:anim>
                                     <p:anim calcmode="lin" valueType="num">
                                       <p:cBhvr additive="base">
-                                        <p:cTn id="27" dur="500" fill="hold"/>
+                                        <p:cTn id="26" dur="500" fill="hold"/>
                                         <p:tgtEl>
                                           <p:spTgt spid="55"/>
                                         </p:tgtEl>
@@ -22422,26 +29086,26 @@
                     </p:cTn>
                   </p:par>
                   <p:par>
-                    <p:cTn id="28" fill="hold">
+                    <p:cTn id="27" fill="hold">
                       <p:stCondLst>
                         <p:cond delay="indefinite"/>
                       </p:stCondLst>
                       <p:childTnLst>
                         <p:par>
-                          <p:cTn id="29" fill="hold">
+                          <p:cTn id="28" fill="hold">
                             <p:stCondLst>
                               <p:cond delay="0"/>
                             </p:stCondLst>
                             <p:childTnLst>
                               <p:par>
-                                <p:cTn id="30" presetID="2" presetClass="entr" presetSubtype="4" fill="hold" grpId="0" nodeType="clickEffect">
+                                <p:cTn id="29" presetID="2" presetClass="entr" presetSubtype="4" fill="hold" grpId="0" nodeType="clickEffect">
                                   <p:stCondLst>
                                     <p:cond delay="0"/>
                                   </p:stCondLst>
                                   <p:childTnLst>
                                     <p:set>
                                       <p:cBhvr>
-                                        <p:cTn id="31" dur="1" fill="hold">
+                                        <p:cTn id="30" dur="1" fill="hold">
                                           <p:stCondLst>
                                             <p:cond delay="0"/>
                                           </p:stCondLst>
@@ -22459,7 +29123,7 @@
                                     </p:set>
                                     <p:anim calcmode="lin" valueType="num">
                                       <p:cBhvr additive="base">
-                                        <p:cTn id="32" dur="500" fill="hold"/>
+                                        <p:cTn id="31" dur="500" fill="hold"/>
                                         <p:tgtEl>
                                           <p:spTgt spid="64"/>
                                         </p:tgtEl>
@@ -22482,7 +29146,7 @@
                                     </p:anim>
                                     <p:anim calcmode="lin" valueType="num">
                                       <p:cBhvr additive="base">
-                                        <p:cTn id="33" dur="500" fill="hold"/>
+                                        <p:cTn id="32" dur="500" fill="hold"/>
                                         <p:tgtEl>
                                           <p:spTgt spid="64"/>
                                         </p:tgtEl>
@@ -22513,26 +29177,26 @@
                     </p:cTn>
                   </p:par>
                   <p:par>
-                    <p:cTn id="34" fill="hold">
+                    <p:cTn id="33" fill="hold">
                       <p:stCondLst>
                         <p:cond delay="indefinite"/>
                       </p:stCondLst>
                       <p:childTnLst>
                         <p:par>
-                          <p:cTn id="35" fill="hold">
+                          <p:cTn id="34" fill="hold">
                             <p:stCondLst>
                               <p:cond delay="0"/>
                             </p:stCondLst>
                             <p:childTnLst>
                               <p:par>
-                                <p:cTn id="36" presetID="2" presetClass="entr" presetSubtype="4" fill="hold" nodeType="clickEffect">
+                                <p:cTn id="35" presetID="2" presetClass="entr" presetSubtype="4" fill="hold" nodeType="clickEffect">
                                   <p:stCondLst>
                                     <p:cond delay="0"/>
                                   </p:stCondLst>
                                   <p:childTnLst>
                                     <p:set>
                                       <p:cBhvr>
-                                        <p:cTn id="37" dur="1" fill="hold">
+                                        <p:cTn id="36" dur="1" fill="hold">
                                           <p:stCondLst>
                                             <p:cond delay="0"/>
                                           </p:stCondLst>
@@ -22550,7 +29214,7 @@
                                     </p:set>
                                     <p:anim calcmode="lin" valueType="num">
                                       <p:cBhvr additive="base">
-                                        <p:cTn id="38" dur="500" fill="hold"/>
+                                        <p:cTn id="37" dur="500" fill="hold"/>
                                         <p:tgtEl>
                                           <p:spTgt spid="59"/>
                                         </p:tgtEl>
@@ -22573,7 +29237,7 @@
                                     </p:anim>
                                     <p:anim calcmode="lin" valueType="num">
                                       <p:cBhvr additive="base">
-                                        <p:cTn id="39" dur="500" fill="hold"/>
+                                        <p:cTn id="38" dur="500" fill="hold"/>
                                         <p:tgtEl>
                                           <p:spTgt spid="59"/>
                                         </p:tgtEl>
@@ -23382,8 +30046,8 @@
           </p:nvSpPr>
           <p:spPr>
             <a:xfrm rot="16200000">
-              <a:off x="9117129" y="3281943"/>
-              <a:ext cx="1992086" cy="461665"/>
+              <a:off x="9117129" y="3189611"/>
+              <a:ext cx="1992086" cy="646331"/>
             </a:xfrm>
             <a:prstGeom prst="rect">
               <a:avLst/>
@@ -23398,20 +30062,14 @@
             <a:p>
               <a:pPr algn="ctr"/>
               <a:r>
-                <a:rPr lang="en-US" sz="2400" b="1" dirty="0">
+                <a:rPr lang="en-US" sz="3600" b="1" dirty="0">
                   <a:solidFill>
                     <a:srgbClr val="F0EEF0"/>
                   </a:solidFill>
                   <a:latin typeface="Tw Cen MT" panose="020B0602020104020603" pitchFamily="34" charset="0"/>
                 </a:rPr>
-                <a:t>Planificación</a:t>
+                <a:t>Plan</a:t>
               </a:r>
-              <a:endParaRPr lang="en-US" sz="3600" b="1" dirty="0">
-                <a:solidFill>
-                  <a:srgbClr val="F0EEF0"/>
-                </a:solidFill>
-                <a:latin typeface="Tw Cen MT" panose="020B0602020104020603" pitchFamily="34" charset="0"/>
-              </a:endParaRPr>
             </a:p>
           </p:txBody>
         </p:sp>
@@ -23670,7 +30328,7 @@
             <a:p>
               <a:pPr algn="ctr"/>
               <a:r>
-                <a:rPr lang="en-US" sz="3600" b="1" dirty="0">
+                <a:rPr lang="en-US" sz="3600" b="1">
                   <a:solidFill>
                     <a:srgbClr val="F0EEF0"/>
                   </a:solidFill>
@@ -23678,6 +30336,12 @@
                 </a:rPr>
                 <a:t>Servicios</a:t>
               </a:r>
+              <a:endParaRPr lang="en-US" sz="3600" b="1" dirty="0">
+                <a:solidFill>
+                  <a:srgbClr val="F0EEF0"/>
+                </a:solidFill>
+                <a:latin typeface="Tw Cen MT" panose="020B0602020104020603" pitchFamily="34" charset="0"/>
+              </a:endParaRPr>
             </a:p>
           </p:txBody>
         </p:sp>
@@ -24267,7 +30931,7 @@
                   </a:solidFill>
                   <a:latin typeface="Tw Cen MT" panose="020B0602020104020603" pitchFamily="34" charset="0"/>
                 </a:rPr>
-                <a:t>IOS</a:t>
+                <a:t>iOS</a:t>
               </a:r>
             </a:p>
           </p:txBody>
@@ -28847,8 +35511,8 @@
           </p:nvSpPr>
           <p:spPr>
             <a:xfrm rot="16200000">
-              <a:off x="9117129" y="3281943"/>
-              <a:ext cx="1992086" cy="461665"/>
+              <a:off x="9117129" y="3189611"/>
+              <a:ext cx="1992086" cy="646331"/>
             </a:xfrm>
             <a:prstGeom prst="rect">
               <a:avLst/>
@@ -28863,20 +35527,14 @@
             <a:p>
               <a:pPr algn="ctr"/>
               <a:r>
-                <a:rPr lang="en-US" sz="2400" b="1" dirty="0">
+                <a:rPr lang="en-US" sz="3600" b="1" dirty="0">
                   <a:solidFill>
                     <a:srgbClr val="F0EEF0"/>
                   </a:solidFill>
                   <a:latin typeface="Tw Cen MT" panose="020B0602020104020603" pitchFamily="34" charset="0"/>
                 </a:rPr>
-                <a:t>Planificación</a:t>
+                <a:t>Plan</a:t>
               </a:r>
-              <a:endParaRPr lang="en-US" sz="3600" b="1" dirty="0">
-                <a:solidFill>
-                  <a:srgbClr val="F0EEF0"/>
-                </a:solidFill>
-                <a:latin typeface="Tw Cen MT" panose="020B0602020104020603" pitchFamily="34" charset="0"/>
-              </a:endParaRPr>
             </a:p>
           </p:txBody>
         </p:sp>
@@ -29196,7 +35854,7 @@
             <a:p>
               <a:pPr algn="ctr"/>
               <a:r>
-                <a:rPr lang="en-US" sz="3600" b="1" dirty="0">
+                <a:rPr lang="en-US" sz="3600" b="1">
                   <a:solidFill>
                     <a:srgbClr val="F0EEF0"/>
                   </a:solidFill>
@@ -29204,6 +35862,12 @@
                 </a:rPr>
                 <a:t>Servicios</a:t>
               </a:r>
+              <a:endParaRPr lang="en-US" sz="3600" b="1" dirty="0">
+                <a:solidFill>
+                  <a:srgbClr val="F0EEF0"/>
+                </a:solidFill>
+                <a:latin typeface="Tw Cen MT" panose="020B0602020104020603" pitchFamily="34" charset="0"/>
+              </a:endParaRPr>
             </a:p>
           </p:txBody>
         </p:sp>
@@ -29732,7 +36396,7 @@
                   </a:solidFill>
                   <a:latin typeface="Tw Cen MT" panose="020B0602020104020603" pitchFamily="34" charset="0"/>
                 </a:rPr>
-                <a:t>IOS</a:t>
+                <a:t>iOS</a:t>
               </a:r>
             </a:p>
           </p:txBody>
@@ -29775,10 +36439,10 @@
       </p:grpSp>
       <p:sp>
         <p:nvSpPr>
-          <p:cNvPr id="36" name="Título 31">
+          <p:cNvPr id="33" name="Título 31">
             <a:extLst>
               <a:ext uri="{FF2B5EF4-FFF2-40B4-BE49-F238E27FC236}">
-                <a16:creationId xmlns:a16="http://schemas.microsoft.com/office/drawing/2014/main" id="{8FB015E6-4000-43E4-ACF6-7A55BCD775F5}"/>
+                <a16:creationId xmlns:a16="http://schemas.microsoft.com/office/drawing/2014/main" id="{B101DF2D-466D-4222-8684-297EFEC23533}"/>
               </a:ext>
             </a:extLst>
           </p:cNvPr>
@@ -29789,7 +36453,7 @@
         </p:nvSpPr>
         <p:spPr>
           <a:xfrm>
-            <a:off x="2655544" y="252603"/>
+            <a:off x="2686135" y="186036"/>
             <a:ext cx="6642100" cy="1325563"/>
           </a:xfrm>
           <a:prstGeom prst="rect">
@@ -29820,30 +36484,25 @@
             </a:lvl1pPr>
           </a:lstStyle>
           <a:p>
+            <a:pPr algn="ctr"/>
             <a:r>
-              <a:rPr lang="es-MX" sz="6600">
+              <a:rPr lang="es-MX" sz="6600" dirty="0">
                 <a:solidFill>
                   <a:srgbClr val="FF0000"/>
                 </a:solidFill>
                 <a:latin typeface="Tw Cen MT" panose="020B0602020104020603" pitchFamily="34" charset="0"/>
               </a:rPr>
-              <a:t>Servicios expuestos</a:t>
+              <a:t>Arquitectura</a:t>
             </a:r>
-            <a:endParaRPr lang="es-MX" sz="6600" dirty="0">
-              <a:solidFill>
-                <a:srgbClr val="FF0000"/>
-              </a:solidFill>
-              <a:latin typeface="Tw Cen MT" panose="020B0602020104020603" pitchFamily="34" charset="0"/>
-            </a:endParaRPr>
           </a:p>
         </p:txBody>
       </p:sp>
       <p:pic>
         <p:nvPicPr>
-          <p:cNvPr id="37" name="Imagen 36" descr="Imagen que contiene objeto, botiquín de primeros auxilios, reloj&#10;&#10;Descripción generada automáticamente">
+          <p:cNvPr id="7" name="Imagen 6" descr="Captura de pantalla de un celular con letras&#10;&#10;Descripción generada automáticamente">
             <a:extLst>
               <a:ext uri="{FF2B5EF4-FFF2-40B4-BE49-F238E27FC236}">
-                <a16:creationId xmlns:a16="http://schemas.microsoft.com/office/drawing/2014/main" id="{ADF740DE-ACD8-4770-AEFE-844A82BA5168}"/>
+                <a16:creationId xmlns:a16="http://schemas.microsoft.com/office/drawing/2014/main" id="{F978092A-C559-4058-84F7-B045A3207C47}"/>
               </a:ext>
             </a:extLst>
           </p:cNvPr>
@@ -29866,137 +36525,18 @@
         </p:blipFill>
         <p:spPr>
           <a:xfrm>
-            <a:off x="1446765" y="2281640"/>
-            <a:ext cx="2992862" cy="2992862"/>
+            <a:off x="1894498" y="1532394"/>
+            <a:ext cx="7387869" cy="4097827"/>
           </a:xfrm>
           <a:prstGeom prst="rect">
             <a:avLst/>
           </a:prstGeom>
         </p:spPr>
       </p:pic>
-      <p:sp>
-        <p:nvSpPr>
-          <p:cNvPr id="38" name="CuadroTexto 37">
-            <a:extLst>
-              <a:ext uri="{FF2B5EF4-FFF2-40B4-BE49-F238E27FC236}">
-                <a16:creationId xmlns:a16="http://schemas.microsoft.com/office/drawing/2014/main" id="{F22FF660-16B5-45BD-A1B2-7DD50595677B}"/>
-              </a:ext>
-            </a:extLst>
-          </p:cNvPr>
-          <p:cNvSpPr txBox="1"/>
-          <p:nvPr/>
-        </p:nvSpPr>
-        <p:spPr>
-          <a:xfrm>
-            <a:off x="4658856" y="1792912"/>
-            <a:ext cx="5156200" cy="3970318"/>
-          </a:xfrm>
-          <a:prstGeom prst="rect">
-            <a:avLst/>
-          </a:prstGeom>
-          <a:noFill/>
-        </p:spPr>
-        <p:txBody>
-          <a:bodyPr wrap="square" rtlCol="0">
-            <a:spAutoFit/>
-          </a:bodyPr>
-          <a:lstStyle/>
-          <a:p>
-            <a:pPr marL="342900" indent="-342900">
-              <a:buFont typeface="+mj-lt"/>
-              <a:buAutoNum type="arabicPeriod"/>
-            </a:pPr>
-            <a:r>
-              <a:rPr lang="es-MX" sz="2800" dirty="0"/>
-              <a:t>Registrar Empleado</a:t>
-            </a:r>
-          </a:p>
-          <a:p>
-            <a:pPr marL="342900" indent="-342900">
-              <a:buFont typeface="+mj-lt"/>
-              <a:buAutoNum type="arabicPeriod"/>
-            </a:pPr>
-            <a:r>
-              <a:rPr lang="es-MX" sz="2800" dirty="0"/>
-              <a:t>Inicio de sesión</a:t>
-            </a:r>
-          </a:p>
-          <a:p>
-            <a:pPr marL="342900" indent="-342900">
-              <a:buFont typeface="+mj-lt"/>
-              <a:buAutoNum type="arabicPeriod"/>
-            </a:pPr>
-            <a:r>
-              <a:rPr lang="es-MX" sz="2800" dirty="0"/>
-              <a:t>Consultar datos de Empleado</a:t>
-            </a:r>
-          </a:p>
-          <a:p>
-            <a:pPr marL="342900" indent="-342900">
-              <a:buFont typeface="+mj-lt"/>
-              <a:buAutoNum type="arabicPeriod"/>
-            </a:pPr>
-            <a:r>
-              <a:rPr lang="es-MX" sz="2800" dirty="0"/>
-              <a:t>Registrar Asistencia</a:t>
-            </a:r>
-          </a:p>
-          <a:p>
-            <a:pPr marL="342900" indent="-342900">
-              <a:buFont typeface="+mj-lt"/>
-              <a:buAutoNum type="arabicPeriod"/>
-            </a:pPr>
-            <a:r>
-              <a:rPr lang="es-MX" sz="2800" dirty="0"/>
-              <a:t>Registrar Reporte</a:t>
-            </a:r>
-          </a:p>
-          <a:p>
-            <a:pPr marL="342900" indent="-342900">
-              <a:buFont typeface="+mj-lt"/>
-              <a:buAutoNum type="arabicPeriod"/>
-            </a:pPr>
-            <a:r>
-              <a:rPr lang="es-MX" sz="2800" dirty="0"/>
-              <a:t>Consultar Reportes</a:t>
-            </a:r>
-          </a:p>
-          <a:p>
-            <a:pPr marL="342900" indent="-342900">
-              <a:buFont typeface="+mj-lt"/>
-              <a:buAutoNum type="arabicPeriod"/>
-            </a:pPr>
-            <a:r>
-              <a:rPr lang="es-MX" sz="2800" dirty="0"/>
-              <a:t>Consultar Avisos</a:t>
-            </a:r>
-          </a:p>
-          <a:p>
-            <a:pPr marL="342900" indent="-342900">
-              <a:buFont typeface="+mj-lt"/>
-              <a:buAutoNum type="arabicPeriod"/>
-            </a:pPr>
-            <a:r>
-              <a:rPr lang="es-MX" sz="2800" dirty="0"/>
-              <a:t>Borrar Aviso</a:t>
-            </a:r>
-          </a:p>
-          <a:p>
-            <a:pPr marL="342900" indent="-342900">
-              <a:buFont typeface="+mj-lt"/>
-              <a:buAutoNum type="arabicPeriod"/>
-            </a:pPr>
-            <a:r>
-              <a:rPr lang="es-MX" sz="2800" dirty="0"/>
-              <a:t>Actualizar estado de Aviso</a:t>
-            </a:r>
-          </a:p>
-        </p:txBody>
-      </p:sp>
     </p:spTree>
     <p:extLst>
       <p:ext uri="{BB962C8B-B14F-4D97-AF65-F5344CB8AC3E}">
-        <p14:creationId xmlns:p14="http://schemas.microsoft.com/office/powerpoint/2010/main" val="3965200575"/>
+        <p14:creationId xmlns:p14="http://schemas.microsoft.com/office/powerpoint/2010/main" val="1968548543"/>
       </p:ext>
     </p:extLst>
   </p:cSld>
@@ -30049,7 +36589,7 @@
                                           </p:stCondLst>
                                         </p:cTn>
                                         <p:tgtEl>
-                                          <p:spTgt spid="36"/>
+                                          <p:spTgt spid="33"/>
                                         </p:tgtEl>
                                         <p:attrNameLst>
                                           <p:attrName>style.visibility</p:attrName>
@@ -30063,7 +36603,7 @@
                                       <p:cBhvr>
                                         <p:cTn id="7" dur="500" fill="hold"/>
                                         <p:tgtEl>
-                                          <p:spTgt spid="36"/>
+                                          <p:spTgt spid="33"/>
                                         </p:tgtEl>
                                         <p:attrNameLst>
                                           <p:attrName>ppt_w</p:attrName>
@@ -30086,7 +36626,7 @@
                                       <p:cBhvr>
                                         <p:cTn id="8" dur="500" fill="hold"/>
                                         <p:tgtEl>
-                                          <p:spTgt spid="36"/>
+                                          <p:spTgt spid="33"/>
                                         </p:tgtEl>
                                         <p:attrNameLst>
                                           <p:attrName>ppt_h</p:attrName>
@@ -30109,7 +36649,7 @@
                                       <p:cBhvr>
                                         <p:cTn id="9" dur="500"/>
                                         <p:tgtEl>
-                                          <p:spTgt spid="36"/>
+                                          <p:spTgt spid="33"/>
                                         </p:tgtEl>
                                       </p:cBhvr>
                                     </p:animEffect>
@@ -30126,7 +36666,7 @@
                             </p:stCondLst>
                             <p:childTnLst>
                               <p:par>
-                                <p:cTn id="11" presetID="2" presetClass="entr" presetSubtype="4" fill="hold" nodeType="afterEffect">
+                                <p:cTn id="11" presetID="42" presetClass="entr" presetSubtype="0" fill="hold" nodeType="afterEffect">
                                   <p:stCondLst>
                                     <p:cond delay="0"/>
                                   </p:stCondLst>
@@ -30139,7 +36679,7 @@
                                           </p:stCondLst>
                                         </p:cTn>
                                         <p:tgtEl>
-                                          <p:spTgt spid="37"/>
+                                          <p:spTgt spid="7"/>
                                         </p:tgtEl>
                                         <p:attrNameLst>
                                           <p:attrName>style.visibility</p:attrName>
@@ -30149,11 +36689,19 @@
                                         <p:strVal val="visible"/>
                                       </p:to>
                                     </p:set>
+                                    <p:animEffect transition="in" filter="fade">
+                                      <p:cBhvr>
+                                        <p:cTn id="13" dur="1000"/>
+                                        <p:tgtEl>
+                                          <p:spTgt spid="7"/>
+                                        </p:tgtEl>
+                                      </p:cBhvr>
+                                    </p:animEffect>
                                     <p:anim calcmode="lin" valueType="num">
-                                      <p:cBhvr additive="base">
-                                        <p:cTn id="13" dur="500" fill="hold"/>
+                                      <p:cBhvr>
+                                        <p:cTn id="14" dur="1000" fill="hold"/>
                                         <p:tgtEl>
-                                          <p:spTgt spid="37"/>
+                                          <p:spTgt spid="7"/>
                                         </p:tgtEl>
                                         <p:attrNameLst>
                                           <p:attrName>ppt_x</p:attrName>
@@ -30173,10 +36721,10 @@
                                       </p:tavLst>
                                     </p:anim>
                                     <p:anim calcmode="lin" valueType="num">
-                                      <p:cBhvr additive="base">
-                                        <p:cTn id="14" dur="500" fill="hold"/>
+                                      <p:cBhvr>
+                                        <p:cTn id="15" dur="1000" fill="hold"/>
                                         <p:tgtEl>
-                                          <p:spTgt spid="37"/>
+                                          <p:spTgt spid="7"/>
                                         </p:tgtEl>
                                         <p:attrNameLst>
                                           <p:attrName>ppt_y</p:attrName>
@@ -30185,7 +36733,7 @@
                                       <p:tavLst>
                                         <p:tav tm="0">
                                           <p:val>
-                                            <p:strVal val="1+#ppt_h/2"/>
+                                            <p:strVal val="#ppt_y+.1"/>
                                           </p:val>
                                         </p:tav>
                                         <p:tav tm="100000">
@@ -30195,50 +36743,6 @@
                                         </p:tav>
                                       </p:tavLst>
                                     </p:anim>
-                                  </p:childTnLst>
-                                </p:cTn>
-                              </p:par>
-                            </p:childTnLst>
-                          </p:cTn>
-                        </p:par>
-                        <p:par>
-                          <p:cTn id="15" fill="hold">
-                            <p:stCondLst>
-                              <p:cond delay="1000"/>
-                            </p:stCondLst>
-                            <p:childTnLst>
-                              <p:par>
-                                <p:cTn id="16" presetID="10" presetClass="entr" presetSubtype="0" fill="hold" grpId="0" nodeType="afterEffect">
-                                  <p:stCondLst>
-                                    <p:cond delay="0"/>
-                                  </p:stCondLst>
-                                  <p:childTnLst>
-                                    <p:set>
-                                      <p:cBhvr>
-                                        <p:cTn id="17" dur="1" fill="hold">
-                                          <p:stCondLst>
-                                            <p:cond delay="0"/>
-                                          </p:stCondLst>
-                                        </p:cTn>
-                                        <p:tgtEl>
-                                          <p:spTgt spid="38"/>
-                                        </p:tgtEl>
-                                        <p:attrNameLst>
-                                          <p:attrName>style.visibility</p:attrName>
-                                        </p:attrNameLst>
-                                      </p:cBhvr>
-                                      <p:to>
-                                        <p:strVal val="visible"/>
-                                      </p:to>
-                                    </p:set>
-                                    <p:animEffect transition="in" filter="fade">
-                                      <p:cBhvr>
-                                        <p:cTn id="18" dur="1000"/>
-                                        <p:tgtEl>
-                                          <p:spTgt spid="38"/>
-                                        </p:tgtEl>
-                                      </p:cBhvr>
-                                    </p:animEffect>
                                   </p:childTnLst>
                                 </p:cTn>
                               </p:par>
@@ -30270,8 +36774,7 @@
       </p:par>
     </p:tnLst>
     <p:bldLst>
-      <p:bldP spid="36" grpId="0"/>
-      <p:bldP spid="38" grpId="0"/>
+      <p:bldP spid="33" grpId="0"/>
     </p:bldLst>
   </p:timing>
 </p:sld>
@@ -31026,8 +37529,8 @@
           </p:nvSpPr>
           <p:spPr>
             <a:xfrm rot="16200000">
-              <a:off x="9117129" y="3281943"/>
-              <a:ext cx="1992086" cy="461665"/>
+              <a:off x="9117129" y="3189611"/>
+              <a:ext cx="1992086" cy="646331"/>
             </a:xfrm>
             <a:prstGeom prst="rect">
               <a:avLst/>
@@ -31042,20 +37545,14 @@
             <a:p>
               <a:pPr algn="ctr"/>
               <a:r>
-                <a:rPr lang="en-US" sz="2400" b="1" dirty="0">
+                <a:rPr lang="en-US" sz="3600" b="1" dirty="0">
                   <a:solidFill>
                     <a:srgbClr val="F0EEF0"/>
                   </a:solidFill>
                   <a:latin typeface="Tw Cen MT" panose="020B0602020104020603" pitchFamily="34" charset="0"/>
                 </a:rPr>
-                <a:t>Planificación</a:t>
+                <a:t>Plan</a:t>
               </a:r>
-              <a:endParaRPr lang="en-US" sz="3600" b="1" dirty="0">
-                <a:solidFill>
-                  <a:srgbClr val="F0EEF0"/>
-                </a:solidFill>
-                <a:latin typeface="Tw Cen MT" panose="020B0602020104020603" pitchFamily="34" charset="0"/>
-              </a:endParaRPr>
             </a:p>
           </p:txBody>
         </p:sp>
@@ -31375,7 +37872,7 @@
             <a:p>
               <a:pPr algn="ctr"/>
               <a:r>
-                <a:rPr lang="en-US" sz="3600" b="1" dirty="0">
+                <a:rPr lang="en-US" sz="3600" b="1">
                   <a:solidFill>
                     <a:srgbClr val="F0EEF0"/>
                   </a:solidFill>
@@ -31383,6 +37880,12 @@
                 </a:rPr>
                 <a:t>Servicios</a:t>
               </a:r>
+              <a:endParaRPr lang="en-US" sz="3600" b="1" dirty="0">
+                <a:solidFill>
+                  <a:srgbClr val="F0EEF0"/>
+                </a:solidFill>
+                <a:latin typeface="Tw Cen MT" panose="020B0602020104020603" pitchFamily="34" charset="0"/>
+              </a:endParaRPr>
             </a:p>
           </p:txBody>
         </p:sp>
@@ -31911,7 +38414,7 @@
                   </a:solidFill>
                   <a:latin typeface="Tw Cen MT" panose="020B0602020104020603" pitchFamily="34" charset="0"/>
                 </a:rPr>
-                <a:t>IOS</a:t>
+                <a:t>iOS</a:t>
               </a:r>
             </a:p>
           </p:txBody>
@@ -32045,7 +38548,7 @@
         </p:blipFill>
         <p:spPr>
           <a:xfrm>
-            <a:off x="6518653" y="1511599"/>
+            <a:off x="7096829" y="1420733"/>
             <a:ext cx="1842710" cy="1842710"/>
           </a:xfrm>
           <a:prstGeom prst="ellipse">
@@ -32105,7 +38608,7 @@
         </p:blipFill>
         <p:spPr>
           <a:xfrm>
-            <a:off x="2899245" y="1511599"/>
+            <a:off x="2247596" y="1467149"/>
             <a:ext cx="1931610" cy="1931610"/>
           </a:xfrm>
           <a:prstGeom prst="ellipse">
@@ -32164,8 +38667,8 @@
         </p:blipFill>
         <p:spPr>
           <a:xfrm>
-            <a:off x="2893479" y="4073018"/>
-            <a:ext cx="1937376" cy="2039343"/>
+            <a:off x="2241830" y="4068191"/>
+            <a:ext cx="1931610" cy="2039343"/>
           </a:xfrm>
           <a:prstGeom prst="ellipse">
             <a:avLst/>
@@ -32224,8 +38727,68 @@
         </p:blipFill>
         <p:spPr>
           <a:xfrm>
-            <a:off x="6565985" y="4073019"/>
+            <a:off x="7184413" y="4094915"/>
             <a:ext cx="1937376" cy="1931610"/>
+          </a:xfrm>
+          <a:prstGeom prst="ellipse">
+            <a:avLst/>
+          </a:prstGeom>
+          <a:ln w="63500" cap="rnd">
+            <a:solidFill>
+              <a:srgbClr val="333333"/>
+            </a:solidFill>
+          </a:ln>
+          <a:effectLst>
+            <a:outerShdw blurRad="381000" dist="292100" dir="5400000" sx="-80000" sy="-18000" rotWithShape="0">
+              <a:srgbClr val="000000">
+                <a:alpha val="22000"/>
+              </a:srgbClr>
+            </a:outerShdw>
+          </a:effectLst>
+          <a:scene3d>
+            <a:camera prst="orthographicFront"/>
+            <a:lightRig rig="contrasting" dir="t">
+              <a:rot lat="0" lon="0" rev="3000000"/>
+            </a:lightRig>
+          </a:scene3d>
+          <a:sp3d contourW="7620">
+            <a:bevelT w="95250" h="31750"/>
+            <a:contourClr>
+              <a:srgbClr val="333333"/>
+            </a:contourClr>
+          </a:sp3d>
+        </p:spPr>
+      </p:pic>
+      <p:pic>
+        <p:nvPicPr>
+          <p:cNvPr id="5" name="Imagen 4" descr="Imagen que contiene dibujo&#10;&#10;Descripción generada automáticamente">
+            <a:extLst>
+              <a:ext uri="{FF2B5EF4-FFF2-40B4-BE49-F238E27FC236}">
+                <a16:creationId xmlns:a16="http://schemas.microsoft.com/office/drawing/2014/main" id="{11161ACD-2D02-432C-8122-6A1E2B5BC146}"/>
+              </a:ext>
+            </a:extLst>
+          </p:cNvPr>
+          <p:cNvPicPr>
+            <a:picLocks noChangeAspect="1"/>
+          </p:cNvPicPr>
+          <p:nvPr/>
+        </p:nvPicPr>
+        <p:blipFill>
+          <a:blip r:embed="rId12">
+            <a:extLst>
+              <a:ext uri="{28A0092B-C50C-407E-A947-70E740481C1C}">
+                <a14:useLocalDpi xmlns:a14="http://schemas.microsoft.com/office/drawing/2010/main" val="0"/>
+              </a:ext>
+            </a:extLst>
+          </a:blip>
+          <a:stretch>
+            <a:fillRect/>
+          </a:stretch>
+        </p:blipFill>
+        <p:spPr>
+          <a:xfrm>
+            <a:off x="4564596" y="2432954"/>
+            <a:ext cx="2273417" cy="2273417"/>
           </a:xfrm>
           <a:prstGeom prst="ellipse">
             <a:avLst/>
@@ -32259,7 +38822,7 @@
     </p:spTree>
     <p:extLst>
       <p:ext uri="{BB962C8B-B14F-4D97-AF65-F5344CB8AC3E}">
-        <p14:creationId xmlns:p14="http://schemas.microsoft.com/office/powerpoint/2010/main" val="1968548543"/>
+        <p14:creationId xmlns:p14="http://schemas.microsoft.com/office/powerpoint/2010/main" val="1698557897"/>
       </p:ext>
     </p:extLst>
   </p:cSld>
@@ -32742,6 +39305,96 @@
                             </p:childTnLst>
                           </p:cTn>
                         </p:par>
+                        <p:par>
+                          <p:cTn id="34" fill="hold">
+                            <p:stCondLst>
+                              <p:cond delay="4500"/>
+                            </p:stCondLst>
+                            <p:childTnLst>
+                              <p:par>
+                                <p:cTn id="35" presetID="45" presetClass="entr" presetSubtype="0" fill="hold" nodeType="afterEffect">
+                                  <p:stCondLst>
+                                    <p:cond delay="0"/>
+                                  </p:stCondLst>
+                                  <p:childTnLst>
+                                    <p:set>
+                                      <p:cBhvr>
+                                        <p:cTn id="36" dur="1" fill="hold">
+                                          <p:stCondLst>
+                                            <p:cond delay="0"/>
+                                          </p:stCondLst>
+                                        </p:cTn>
+                                        <p:tgtEl>
+                                          <p:spTgt spid="5"/>
+                                        </p:tgtEl>
+                                        <p:attrNameLst>
+                                          <p:attrName>style.visibility</p:attrName>
+                                        </p:attrNameLst>
+                                      </p:cBhvr>
+                                      <p:to>
+                                        <p:strVal val="visible"/>
+                                      </p:to>
+                                    </p:set>
+                                    <p:animEffect transition="in" filter="fade">
+                                      <p:cBhvr>
+                                        <p:cTn id="37" dur="2000"/>
+                                        <p:tgtEl>
+                                          <p:spTgt spid="5"/>
+                                        </p:tgtEl>
+                                      </p:cBhvr>
+                                    </p:animEffect>
+                                    <p:anim calcmode="lin" valueType="num">
+                                      <p:cBhvr>
+                                        <p:cTn id="38" dur="2000" fill="hold"/>
+                                        <p:tgtEl>
+                                          <p:spTgt spid="5"/>
+                                        </p:tgtEl>
+                                        <p:attrNameLst>
+                                          <p:attrName>ppt_w</p:attrName>
+                                        </p:attrNameLst>
+                                      </p:cBhvr>
+                                      <p:tavLst>
+                                        <p:tav tm="0" fmla="#ppt_w*sin(2.5*pi*$)">
+                                          <p:val>
+                                            <p:fltVal val="0"/>
+                                          </p:val>
+                                        </p:tav>
+                                        <p:tav tm="100000">
+                                          <p:val>
+                                            <p:fltVal val="1"/>
+                                          </p:val>
+                                        </p:tav>
+                                      </p:tavLst>
+                                    </p:anim>
+                                    <p:anim calcmode="lin" valueType="num">
+                                      <p:cBhvr>
+                                        <p:cTn id="39" dur="2000" fill="hold"/>
+                                        <p:tgtEl>
+                                          <p:spTgt spid="5"/>
+                                        </p:tgtEl>
+                                        <p:attrNameLst>
+                                          <p:attrName>ppt_h</p:attrName>
+                                        </p:attrNameLst>
+                                      </p:cBhvr>
+                                      <p:tavLst>
+                                        <p:tav tm="0">
+                                          <p:val>
+                                            <p:strVal val="#ppt_h"/>
+                                          </p:val>
+                                        </p:tav>
+                                        <p:tav tm="100000">
+                                          <p:val>
+                                            <p:strVal val="#ppt_h"/>
+                                          </p:val>
+                                        </p:tav>
+                                      </p:tavLst>
+                                    </p:anim>
+                                  </p:childTnLst>
+                                </p:cTn>
+                              </p:par>
+                            </p:childTnLst>
+                          </p:cTn>
+                        </p:par>
                       </p:childTnLst>
                     </p:cTn>
                   </p:par>

--- a/Template con trancisiones.pptx
+++ b/Template con trancisiones.pptx
@@ -254,7 +254,7 @@
           <a:p>
             <a:fld id="{3FDFAF59-80FD-42F8-B77B-6179688B7234}" type="datetimeFigureOut">
               <a:rPr lang="de-DE" smtClean="0"/>
-              <a:t>16.01.2020</a:t>
+              <a:t>17.01.2020</a:t>
             </a:fld>
             <a:endParaRPr lang="de-DE"/>
           </a:p>
@@ -422,7 +422,7 @@
           <a:p>
             <a:fld id="{3FDFAF59-80FD-42F8-B77B-6179688B7234}" type="datetimeFigureOut">
               <a:rPr lang="de-DE" smtClean="0"/>
-              <a:t>16.01.2020</a:t>
+              <a:t>17.01.2020</a:t>
             </a:fld>
             <a:endParaRPr lang="de-DE"/>
           </a:p>
@@ -600,7 +600,7 @@
           <a:p>
             <a:fld id="{3FDFAF59-80FD-42F8-B77B-6179688B7234}" type="datetimeFigureOut">
               <a:rPr lang="de-DE" smtClean="0"/>
-              <a:t>16.01.2020</a:t>
+              <a:t>17.01.2020</a:t>
             </a:fld>
             <a:endParaRPr lang="de-DE"/>
           </a:p>
@@ -768,7 +768,7 @@
           <a:p>
             <a:fld id="{3FDFAF59-80FD-42F8-B77B-6179688B7234}" type="datetimeFigureOut">
               <a:rPr lang="de-DE" smtClean="0"/>
-              <a:t>16.01.2020</a:t>
+              <a:t>17.01.2020</a:t>
             </a:fld>
             <a:endParaRPr lang="de-DE"/>
           </a:p>
@@ -1013,7 +1013,7 @@
           <a:p>
             <a:fld id="{3FDFAF59-80FD-42F8-B77B-6179688B7234}" type="datetimeFigureOut">
               <a:rPr lang="de-DE" smtClean="0"/>
-              <a:t>16.01.2020</a:t>
+              <a:t>17.01.2020</a:t>
             </a:fld>
             <a:endParaRPr lang="de-DE"/>
           </a:p>
@@ -1242,7 +1242,7 @@
           <a:p>
             <a:fld id="{3FDFAF59-80FD-42F8-B77B-6179688B7234}" type="datetimeFigureOut">
               <a:rPr lang="de-DE" smtClean="0"/>
-              <a:t>16.01.2020</a:t>
+              <a:t>17.01.2020</a:t>
             </a:fld>
             <a:endParaRPr lang="de-DE"/>
           </a:p>
@@ -1606,7 +1606,7 @@
           <a:p>
             <a:fld id="{3FDFAF59-80FD-42F8-B77B-6179688B7234}" type="datetimeFigureOut">
               <a:rPr lang="de-DE" smtClean="0"/>
-              <a:t>16.01.2020</a:t>
+              <a:t>17.01.2020</a:t>
             </a:fld>
             <a:endParaRPr lang="de-DE"/>
           </a:p>
@@ -1723,7 +1723,7 @@
           <a:p>
             <a:fld id="{3FDFAF59-80FD-42F8-B77B-6179688B7234}" type="datetimeFigureOut">
               <a:rPr lang="de-DE" smtClean="0"/>
-              <a:t>16.01.2020</a:t>
+              <a:t>17.01.2020</a:t>
             </a:fld>
             <a:endParaRPr lang="de-DE"/>
           </a:p>
@@ -1818,7 +1818,7 @@
           <a:p>
             <a:fld id="{3FDFAF59-80FD-42F8-B77B-6179688B7234}" type="datetimeFigureOut">
               <a:rPr lang="de-DE" smtClean="0"/>
-              <a:t>16.01.2020</a:t>
+              <a:t>17.01.2020</a:t>
             </a:fld>
             <a:endParaRPr lang="de-DE"/>
           </a:p>
@@ -2093,7 +2093,7 @@
           <a:p>
             <a:fld id="{3FDFAF59-80FD-42F8-B77B-6179688B7234}" type="datetimeFigureOut">
               <a:rPr lang="de-DE" smtClean="0"/>
-              <a:t>16.01.2020</a:t>
+              <a:t>17.01.2020</a:t>
             </a:fld>
             <a:endParaRPr lang="de-DE"/>
           </a:p>
@@ -2345,7 +2345,7 @@
           <a:p>
             <a:fld id="{3FDFAF59-80FD-42F8-B77B-6179688B7234}" type="datetimeFigureOut">
               <a:rPr lang="de-DE" smtClean="0"/>
-              <a:t>16.01.2020</a:t>
+              <a:t>17.01.2020</a:t>
             </a:fld>
             <a:endParaRPr lang="de-DE"/>
           </a:p>
@@ -2559,7 +2559,7 @@
           <a:p>
             <a:fld id="{3FDFAF59-80FD-42F8-B77B-6179688B7234}" type="datetimeFigureOut">
               <a:rPr lang="de-DE" smtClean="0"/>
-              <a:t>16.01.2020</a:t>
+              <a:t>17.01.2020</a:t>
             </a:fld>
             <a:endParaRPr lang="de-DE"/>
           </a:p>
@@ -4630,10 +4630,10 @@
       </p:grpSp>
       <p:sp>
         <p:nvSpPr>
-          <p:cNvPr id="60" name="TextBox 3">
+          <p:cNvPr id="61" name="TextBox 12">
             <a:extLst>
               <a:ext uri="{FF2B5EF4-FFF2-40B4-BE49-F238E27FC236}">
-                <a16:creationId xmlns:a16="http://schemas.microsoft.com/office/drawing/2014/main" id="{57064F59-C3E0-4AF3-BD1D-29F78BAC1667}"/>
+                <a16:creationId xmlns:a16="http://schemas.microsoft.com/office/drawing/2014/main" id="{E4093710-461F-4E43-BFBB-82846B3648B8}"/>
               </a:ext>
             </a:extLst>
           </p:cNvPr>
@@ -4642,8 +4642,8 @@
         </p:nvSpPr>
         <p:spPr>
           <a:xfrm>
-            <a:off x="4081622" y="1808922"/>
-            <a:ext cx="7596856" cy="1323439"/>
+            <a:off x="4540309" y="4406413"/>
+            <a:ext cx="6864029" cy="646331"/>
           </a:xfrm>
           <a:prstGeom prst="rect">
             <a:avLst/>
@@ -4658,77 +4658,44 @@
           <a:p>
             <a:pPr algn="ctr"/>
             <a:r>
-              <a:rPr lang="es-MX" sz="8000" dirty="0">
+              <a:rPr lang="es-MX" sz="3600" dirty="0">
                 <a:solidFill>
-                  <a:schemeClr val="accent5"/>
-                </a:solidFill>
-                <a:latin typeface="Tw Cen MT" panose="020B0602020104020603" pitchFamily="34" charset="0"/>
-              </a:rPr>
-              <a:t>App-Empresarial</a:t>
-            </a:r>
-          </a:p>
-        </p:txBody>
-      </p:sp>
-      <p:sp>
-        <p:nvSpPr>
-          <p:cNvPr id="61" name="TextBox 12">
-            <a:extLst>
-              <a:ext uri="{FF2B5EF4-FFF2-40B4-BE49-F238E27FC236}">
-                <a16:creationId xmlns:a16="http://schemas.microsoft.com/office/drawing/2014/main" id="{E4093710-461F-4E43-BFBB-82846B3648B8}"/>
-              </a:ext>
-            </a:extLst>
-          </p:cNvPr>
-          <p:cNvSpPr txBox="1"/>
-          <p:nvPr/>
-        </p:nvSpPr>
-        <p:spPr>
-          <a:xfrm>
-            <a:off x="4993354" y="3333067"/>
-            <a:ext cx="5773391" cy="523220"/>
-          </a:xfrm>
-          <a:prstGeom prst="rect">
-            <a:avLst/>
-          </a:prstGeom>
-          <a:noFill/>
-        </p:spPr>
-        <p:txBody>
-          <a:bodyPr wrap="square" rtlCol="0">
-            <a:spAutoFit/>
-          </a:bodyPr>
-          <a:lstStyle/>
-          <a:p>
-            <a:pPr algn="ctr"/>
-            <a:r>
-              <a:rPr lang="es-MX" sz="2800" dirty="0">
-                <a:solidFill>
-                  <a:schemeClr val="tx2"/>
+                  <a:schemeClr val="accent6">
+                    <a:lumMod val="50000"/>
+                  </a:schemeClr>
                 </a:solidFill>
                 <a:latin typeface="Tw Cen MT" panose="020B0602020104020603" pitchFamily="34" charset="0"/>
               </a:rPr>
               <a:t>Semillero</a:t>
             </a:r>
             <a:r>
-              <a:rPr lang="en-US" sz="2800" dirty="0">
+              <a:rPr lang="en-US" sz="3600" dirty="0">
                 <a:solidFill>
-                  <a:schemeClr val="tx2"/>
+                  <a:schemeClr val="accent6">
+                    <a:lumMod val="50000"/>
+                  </a:schemeClr>
                 </a:solidFill>
                 <a:latin typeface="Tw Cen MT" panose="020B0602020104020603" pitchFamily="34" charset="0"/>
               </a:rPr>
               <a:t> de </a:t>
             </a:r>
             <a:r>
-              <a:rPr lang="es-MX" sz="2800" dirty="0">
+              <a:rPr lang="es-MX" sz="3600" dirty="0">
                 <a:solidFill>
-                  <a:schemeClr val="tx2"/>
+                  <a:schemeClr val="accent6">
+                    <a:lumMod val="50000"/>
+                  </a:schemeClr>
                 </a:solidFill>
                 <a:latin typeface="Tw Cen MT" panose="020B0602020104020603" pitchFamily="34" charset="0"/>
               </a:rPr>
               <a:t>talento</a:t>
             </a:r>
             <a:r>
-              <a:rPr lang="en-US" sz="2800" dirty="0">
+              <a:rPr lang="en-US" sz="3600" dirty="0">
                 <a:solidFill>
-                  <a:schemeClr val="tx2"/>
+                  <a:schemeClr val="accent6">
+                    <a:lumMod val="50000"/>
+                  </a:schemeClr>
                 </a:solidFill>
                 <a:latin typeface="Tw Cen MT" panose="020B0602020104020603" pitchFamily="34" charset="0"/>
               </a:rPr>
@@ -4751,7 +4718,7 @@
         </p:nvGrpSpPr>
         <p:grpSpPr>
           <a:xfrm>
-            <a:off x="5457207" y="4056993"/>
+            <a:off x="5496963" y="5148969"/>
             <a:ext cx="4845684" cy="451824"/>
             <a:chOff x="4025723" y="4548276"/>
             <a:chExt cx="4845684" cy="451824"/>
@@ -4798,9 +4765,9 @@
                 <a:avLst/>
               </a:prstGeom>
               <a:solidFill>
-                <a:schemeClr val="accent1">
-                  <a:lumMod val="20000"/>
-                  <a:lumOff val="80000"/>
+                <a:schemeClr val="accent6">
+                  <a:lumMod val="40000"/>
+                  <a:lumOff val="60000"/>
                 </a:schemeClr>
               </a:solidFill>
               <a:ln>
@@ -4853,9 +4820,9 @@
                 <a:avLst/>
               </a:prstGeom>
               <a:solidFill>
-                <a:schemeClr val="accent1">
-                  <a:lumMod val="40000"/>
-                  <a:lumOff val="60000"/>
+                <a:schemeClr val="accent6">
+                  <a:lumMod val="60000"/>
+                  <a:lumOff val="40000"/>
                 </a:schemeClr>
               </a:solidFill>
               <a:ln>
@@ -4908,9 +4875,8 @@
                 <a:avLst/>
               </a:prstGeom>
               <a:solidFill>
-                <a:schemeClr val="accent1">
-                  <a:lumMod val="60000"/>
-                  <a:lumOff val="40000"/>
+                <a:schemeClr val="accent6">
+                  <a:lumMod val="75000"/>
                 </a:schemeClr>
               </a:solidFill>
               <a:ln>
@@ -4963,9 +4929,7 @@
                 <a:avLst/>
               </a:prstGeom>
               <a:solidFill>
-                <a:schemeClr val="accent1">
-                  <a:lumMod val="75000"/>
-                </a:schemeClr>
+                <a:srgbClr val="366B22"/>
               </a:solidFill>
               <a:ln>
                 <a:noFill/>
@@ -5017,9 +4981,8 @@
                 <a:avLst/>
               </a:prstGeom>
               <a:solidFill>
-                <a:schemeClr val="accent1">
-                  <a:lumMod val="60000"/>
-                  <a:lumOff val="40000"/>
+                <a:schemeClr val="accent6">
+                  <a:lumMod val="75000"/>
                 </a:schemeClr>
               </a:solidFill>
               <a:ln>
@@ -5072,9 +5035,9 @@
                 <a:avLst/>
               </a:prstGeom>
               <a:solidFill>
-                <a:schemeClr val="accent1">
-                  <a:lumMod val="40000"/>
-                  <a:lumOff val="60000"/>
+                <a:schemeClr val="accent6">
+                  <a:lumMod val="60000"/>
+                  <a:lumOff val="40000"/>
                 </a:schemeClr>
               </a:solidFill>
               <a:ln>
@@ -5128,9 +5091,9 @@
               <a:avLst/>
             </a:prstGeom>
             <a:solidFill>
-              <a:schemeClr val="accent1">
-                <a:lumMod val="20000"/>
-                <a:lumOff val="80000"/>
+              <a:schemeClr val="accent6">
+                <a:lumMod val="40000"/>
+                <a:lumOff val="60000"/>
               </a:schemeClr>
             </a:solidFill>
             <a:ln>
@@ -5163,6 +5126,45 @@
           </p:txBody>
         </p:sp>
       </p:grpSp>
+      <p:pic>
+        <p:nvPicPr>
+          <p:cNvPr id="3" name="Gráfico 2">
+            <a:extLst>
+              <a:ext uri="{FF2B5EF4-FFF2-40B4-BE49-F238E27FC236}">
+                <a16:creationId xmlns:a16="http://schemas.microsoft.com/office/drawing/2014/main" id="{A6D1D0E0-34F7-4BFD-8957-1CD8E7B05CD6}"/>
+              </a:ext>
+            </a:extLst>
+          </p:cNvPr>
+          <p:cNvPicPr>
+            <a:picLocks noChangeAspect="1"/>
+          </p:cNvPicPr>
+          <p:nvPr/>
+        </p:nvPicPr>
+        <p:blipFill>
+          <a:blip r:embed="rId8">
+            <a:extLst>
+              <a:ext uri="{28A0092B-C50C-407E-A947-70E740481C1C}">
+                <a14:useLocalDpi xmlns:a14="http://schemas.microsoft.com/office/drawing/2010/main" val="0"/>
+              </a:ext>
+              <a:ext uri="{96DAC541-7B7A-43D3-8B79-37D633B846F1}">
+                <asvg:svgBlip xmlns:asvg="http://schemas.microsoft.com/office/drawing/2016/SVG/main" r:embed="rId9"/>
+              </a:ext>
+            </a:extLst>
+          </a:blip>
+          <a:stretch>
+            <a:fillRect/>
+          </a:stretch>
+        </p:blipFill>
+        <p:spPr>
+          <a:xfrm>
+            <a:off x="6731548" y="659375"/>
+            <a:ext cx="2481553" cy="3547161"/>
+          </a:xfrm>
+          <a:prstGeom prst="rect">
+            <a:avLst/>
+          </a:prstGeom>
+        </p:spPr>
+      </p:pic>
     </p:spTree>
     <p:extLst>
       <p:ext uri="{BB962C8B-B14F-4D97-AF65-F5344CB8AC3E}">
@@ -16509,7 +16511,7 @@
         </p:nvSpPr>
         <p:spPr>
           <a:xfrm>
-            <a:off x="3324525" y="310193"/>
+            <a:off x="4499269" y="239897"/>
             <a:ext cx="1858114" cy="584775"/>
           </a:xfrm>
           <a:prstGeom prst="rect">
@@ -16584,7 +16586,7 @@
           <p:spPr>
             <a:xfrm>
               <a:off x="7227372" y="2269164"/>
-              <a:ext cx="1822013" cy="1822011"/>
+              <a:ext cx="1933923" cy="1933921"/>
             </a:xfrm>
             <a:prstGeom prst="ellipse">
               <a:avLst/>
@@ -16865,7 +16867,7 @@
         </p:nvSpPr>
         <p:spPr>
           <a:xfrm>
-            <a:off x="3425113" y="3007145"/>
+            <a:off x="4543829" y="3099345"/>
             <a:ext cx="1774814" cy="584775"/>
           </a:xfrm>
           <a:prstGeom prst="rect">
@@ -16906,8 +16908,8 @@
         </p:nvGrpSpPr>
         <p:grpSpPr>
           <a:xfrm>
-            <a:off x="8324934" y="2638310"/>
-            <a:ext cx="2120147" cy="2587763"/>
+            <a:off x="8039357" y="877994"/>
+            <a:ext cx="2681251" cy="2587763"/>
             <a:chOff x="3888254" y="1875838"/>
             <a:chExt cx="4045435" cy="4715135"/>
           </a:xfrm>
@@ -16939,8 +16941,8 @@
           </p:blipFill>
           <p:spPr>
             <a:xfrm>
-              <a:off x="4786965" y="1875838"/>
-              <a:ext cx="2334003" cy="2334000"/>
+              <a:off x="4786966" y="1875838"/>
+              <a:ext cx="2029971" cy="2334000"/>
             </a:xfrm>
             <a:prstGeom prst="ellipse">
               <a:avLst/>
@@ -17012,7 +17014,7 @@
         </p:nvSpPr>
         <p:spPr>
           <a:xfrm>
-            <a:off x="8658291" y="1921371"/>
+            <a:off x="8654585" y="293217"/>
             <a:ext cx="1491566" cy="584775"/>
           </a:xfrm>
           <a:prstGeom prst="rect">
@@ -17035,6 +17037,144 @@
                 <a:latin typeface="Tw Cen MT" panose="020B0602020104020603" pitchFamily="34" charset="0"/>
               </a:rPr>
               <a:t>iOS</a:t>
+            </a:r>
+          </a:p>
+        </p:txBody>
+      </p:sp>
+      <p:grpSp>
+        <p:nvGrpSpPr>
+          <p:cNvPr id="88" name="Grupo 87">
+            <a:extLst>
+              <a:ext uri="{FF2B5EF4-FFF2-40B4-BE49-F238E27FC236}">
+                <a16:creationId xmlns:a16="http://schemas.microsoft.com/office/drawing/2014/main" id="{A6403661-3DAD-4E7E-BFE5-DD7E6EB00A23}"/>
+              </a:ext>
+            </a:extLst>
+          </p:cNvPr>
+          <p:cNvGrpSpPr/>
+          <p:nvPr/>
+        </p:nvGrpSpPr>
+        <p:grpSpPr>
+          <a:xfrm>
+            <a:off x="8103639" y="3886287"/>
+            <a:ext cx="2786099" cy="2360918"/>
+            <a:chOff x="3888254" y="1875838"/>
+            <a:chExt cx="4045435" cy="4715135"/>
+          </a:xfrm>
+        </p:grpSpPr>
+        <p:pic>
+          <p:nvPicPr>
+            <p:cNvPr id="89" name="Picture 13">
+              <a:extLst>
+                <a:ext uri="{FF2B5EF4-FFF2-40B4-BE49-F238E27FC236}">
+                  <a16:creationId xmlns:a16="http://schemas.microsoft.com/office/drawing/2014/main" id="{82346DCB-1323-4EF9-9210-F60B63B97389}"/>
+                </a:ext>
+              </a:extLst>
+            </p:cNvPr>
+            <p:cNvPicPr>
+              <a:picLocks noChangeAspect="1"/>
+            </p:cNvPicPr>
+            <p:nvPr/>
+          </p:nvPicPr>
+          <p:blipFill rotWithShape="1">
+            <a:blip r:embed="rId8">
+              <a:extLst>
+                <a:ext uri="{28A0092B-C50C-407E-A947-70E740481C1C}">
+                  <a14:useLocalDpi xmlns:a14="http://schemas.microsoft.com/office/drawing/2010/main" val="0"/>
+                </a:ext>
+              </a:extLst>
+            </a:blip>
+            <a:srcRect l="27242" r="612"/>
+            <a:stretch/>
+          </p:blipFill>
+          <p:spPr>
+            <a:xfrm>
+              <a:off x="4786965" y="1875838"/>
+              <a:ext cx="1950417" cy="2334000"/>
+            </a:xfrm>
+            <a:prstGeom prst="ellipse">
+              <a:avLst/>
+            </a:prstGeom>
+          </p:spPr>
+        </p:pic>
+        <p:sp>
+          <p:nvSpPr>
+            <p:cNvPr id="90" name="TextBox 15">
+              <a:extLst>
+                <a:ext uri="{FF2B5EF4-FFF2-40B4-BE49-F238E27FC236}">
+                  <a16:creationId xmlns:a16="http://schemas.microsoft.com/office/drawing/2014/main" id="{CCABD9EE-D087-44FF-8814-E62D0AA76BA8}"/>
+                </a:ext>
+              </a:extLst>
+            </p:cNvPr>
+            <p:cNvSpPr txBox="1"/>
+            <p:nvPr/>
+          </p:nvSpPr>
+          <p:spPr>
+            <a:xfrm>
+              <a:off x="3888254" y="4628186"/>
+              <a:ext cx="4045435" cy="1962787"/>
+            </a:xfrm>
+            <a:prstGeom prst="rect">
+              <a:avLst/>
+            </a:prstGeom>
+            <a:noFill/>
+          </p:spPr>
+          <p:txBody>
+            <a:bodyPr wrap="square" rtlCol="0">
+              <a:spAutoFit/>
+            </a:bodyPr>
+            <a:lstStyle/>
+            <a:p>
+              <a:pPr algn="ctr"/>
+              <a:r>
+                <a:rPr lang="en-US" sz="3200" dirty="0">
+                  <a:solidFill>
+                    <a:srgbClr val="EAB936"/>
+                  </a:solidFill>
+                  <a:latin typeface="Tw Cen MT" panose="020B0602020104020603" pitchFamily="34" charset="0"/>
+                </a:rPr>
+                <a:t>Miguel Gallego</a:t>
+              </a:r>
+            </a:p>
+          </p:txBody>
+        </p:sp>
+      </p:grpSp>
+      <p:sp>
+        <p:nvSpPr>
+          <p:cNvPr id="91" name="TextBox 15">
+            <a:extLst>
+              <a:ext uri="{FF2B5EF4-FFF2-40B4-BE49-F238E27FC236}">
+                <a16:creationId xmlns:a16="http://schemas.microsoft.com/office/drawing/2014/main" id="{A530D1F9-EA9D-4619-91B3-8D90E2C20F06}"/>
+              </a:ext>
+            </a:extLst>
+          </p:cNvPr>
+          <p:cNvSpPr txBox="1"/>
+          <p:nvPr/>
+        </p:nvSpPr>
+        <p:spPr>
+          <a:xfrm>
+            <a:off x="8682871" y="3257131"/>
+            <a:ext cx="1491566" cy="584775"/>
+          </a:xfrm>
+          <a:prstGeom prst="rect">
+            <a:avLst/>
+          </a:prstGeom>
+          <a:noFill/>
+        </p:spPr>
+        <p:txBody>
+          <a:bodyPr wrap="square" rtlCol="0">
+            <a:spAutoFit/>
+          </a:bodyPr>
+          <a:lstStyle/>
+          <a:p>
+            <a:pPr algn="ctr"/>
+            <a:r>
+              <a:rPr lang="es-MX" sz="3200" dirty="0">
+                <a:solidFill>
+                  <a:srgbClr val="E2B437"/>
+                </a:solidFill>
+                <a:latin typeface="Tw Cen MT" panose="020B0602020104020603" pitchFamily="34" charset="0"/>
+              </a:rPr>
+              <a:t>QA</a:t>
             </a:r>
           </a:p>
         </p:txBody>
@@ -17719,6 +17859,169 @@
                             </p:childTnLst>
                           </p:cTn>
                         </p:par>
+                        <p:par>
+                          <p:cTn id="43" fill="hold">
+                            <p:stCondLst>
+                              <p:cond delay="2000"/>
+                            </p:stCondLst>
+                            <p:childTnLst>
+                              <p:par>
+                                <p:cTn id="44" presetID="2" presetClass="entr" presetSubtype="4" fill="hold" nodeType="afterEffect">
+                                  <p:stCondLst>
+                                    <p:cond delay="0"/>
+                                  </p:stCondLst>
+                                  <p:childTnLst>
+                                    <p:set>
+                                      <p:cBhvr>
+                                        <p:cTn id="45" dur="1" fill="hold">
+                                          <p:stCondLst>
+                                            <p:cond delay="0"/>
+                                          </p:stCondLst>
+                                        </p:cTn>
+                                        <p:tgtEl>
+                                          <p:spTgt spid="88"/>
+                                        </p:tgtEl>
+                                        <p:attrNameLst>
+                                          <p:attrName>style.visibility</p:attrName>
+                                        </p:attrNameLst>
+                                      </p:cBhvr>
+                                      <p:to>
+                                        <p:strVal val="visible"/>
+                                      </p:to>
+                                    </p:set>
+                                    <p:anim calcmode="lin" valueType="num">
+                                      <p:cBhvr additive="base">
+                                        <p:cTn id="46" dur="500" fill="hold"/>
+                                        <p:tgtEl>
+                                          <p:spTgt spid="88"/>
+                                        </p:tgtEl>
+                                        <p:attrNameLst>
+                                          <p:attrName>ppt_x</p:attrName>
+                                        </p:attrNameLst>
+                                      </p:cBhvr>
+                                      <p:tavLst>
+                                        <p:tav tm="0">
+                                          <p:val>
+                                            <p:strVal val="#ppt_x"/>
+                                          </p:val>
+                                        </p:tav>
+                                        <p:tav tm="100000">
+                                          <p:val>
+                                            <p:strVal val="#ppt_x"/>
+                                          </p:val>
+                                        </p:tav>
+                                      </p:tavLst>
+                                    </p:anim>
+                                    <p:anim calcmode="lin" valueType="num">
+                                      <p:cBhvr additive="base">
+                                        <p:cTn id="47" dur="500" fill="hold"/>
+                                        <p:tgtEl>
+                                          <p:spTgt spid="88"/>
+                                        </p:tgtEl>
+                                        <p:attrNameLst>
+                                          <p:attrName>ppt_y</p:attrName>
+                                        </p:attrNameLst>
+                                      </p:cBhvr>
+                                      <p:tavLst>
+                                        <p:tav tm="0">
+                                          <p:val>
+                                            <p:strVal val="1+#ppt_h/2"/>
+                                          </p:val>
+                                        </p:tav>
+                                        <p:tav tm="100000">
+                                          <p:val>
+                                            <p:strVal val="#ppt_y"/>
+                                          </p:val>
+                                        </p:tav>
+                                      </p:tavLst>
+                                    </p:anim>
+                                  </p:childTnLst>
+                                </p:cTn>
+                              </p:par>
+                              <p:par>
+                                <p:cTn id="48" presetID="53" presetClass="entr" presetSubtype="16" fill="hold" grpId="0" nodeType="withEffect">
+                                  <p:stCondLst>
+                                    <p:cond delay="0"/>
+                                  </p:stCondLst>
+                                  <p:childTnLst>
+                                    <p:set>
+                                      <p:cBhvr>
+                                        <p:cTn id="49" dur="1" fill="hold">
+                                          <p:stCondLst>
+                                            <p:cond delay="0"/>
+                                          </p:stCondLst>
+                                        </p:cTn>
+                                        <p:tgtEl>
+                                          <p:spTgt spid="91"/>
+                                        </p:tgtEl>
+                                        <p:attrNameLst>
+                                          <p:attrName>style.visibility</p:attrName>
+                                        </p:attrNameLst>
+                                      </p:cBhvr>
+                                      <p:to>
+                                        <p:strVal val="visible"/>
+                                      </p:to>
+                                    </p:set>
+                                    <p:anim calcmode="lin" valueType="num">
+                                      <p:cBhvr>
+                                        <p:cTn id="50" dur="500" fill="hold"/>
+                                        <p:tgtEl>
+                                          <p:spTgt spid="91"/>
+                                        </p:tgtEl>
+                                        <p:attrNameLst>
+                                          <p:attrName>ppt_w</p:attrName>
+                                        </p:attrNameLst>
+                                      </p:cBhvr>
+                                      <p:tavLst>
+                                        <p:tav tm="0">
+                                          <p:val>
+                                            <p:fltVal val="0"/>
+                                          </p:val>
+                                        </p:tav>
+                                        <p:tav tm="100000">
+                                          <p:val>
+                                            <p:strVal val="#ppt_w"/>
+                                          </p:val>
+                                        </p:tav>
+                                      </p:tavLst>
+                                    </p:anim>
+                                    <p:anim calcmode="lin" valueType="num">
+                                      <p:cBhvr>
+                                        <p:cTn id="51" dur="500" fill="hold"/>
+                                        <p:tgtEl>
+                                          <p:spTgt spid="91"/>
+                                        </p:tgtEl>
+                                        <p:attrNameLst>
+                                          <p:attrName>ppt_h</p:attrName>
+                                        </p:attrNameLst>
+                                      </p:cBhvr>
+                                      <p:tavLst>
+                                        <p:tav tm="0">
+                                          <p:val>
+                                            <p:fltVal val="0"/>
+                                          </p:val>
+                                        </p:tav>
+                                        <p:tav tm="100000">
+                                          <p:val>
+                                            <p:strVal val="#ppt_h"/>
+                                          </p:val>
+                                        </p:tav>
+                                      </p:tavLst>
+                                    </p:anim>
+                                    <p:animEffect transition="in" filter="fade">
+                                      <p:cBhvr>
+                                        <p:cTn id="52" dur="500"/>
+                                        <p:tgtEl>
+                                          <p:spTgt spid="91"/>
+                                        </p:tgtEl>
+                                      </p:cBhvr>
+                                    </p:animEffect>
+                                  </p:childTnLst>
+                                </p:cTn>
+                              </p:par>
+                            </p:childTnLst>
+                          </p:cTn>
+                        </p:par>
                       </p:childTnLst>
                     </p:cTn>
                   </p:par>
@@ -17747,6 +18050,7 @@
       <p:bldP spid="42" grpId="0"/>
       <p:bldP spid="83" grpId="0"/>
       <p:bldP spid="87" grpId="0"/>
+      <p:bldP spid="91" grpId="0"/>
     </p:bldLst>
   </p:timing>
 </p:sld>
